--- a/Documentation/UGRADSPoster.pptx
+++ b/Documentation/UGRADSPoster.pptx
@@ -2651,6 +2651,71 @@
       </p:grpSpPr>
       <p:sp>
         <p:nvSpPr>
+          <p:cNvPr id="73" name="Rectangle 72"/>
+          <p:cNvSpPr/>
+          <p:nvPr/>
+        </p:nvSpPr>
+        <p:spPr bwMode="auto">
+          <a:xfrm>
+            <a:off x="30861000" y="21183600"/>
+            <a:ext cx="13030200" cy="4114800"/>
+          </a:xfrm>
+          <a:prstGeom prst="rect">
+            <a:avLst/>
+          </a:prstGeom>
+          <a:solidFill>
+            <a:schemeClr val="bg1">
+              <a:lumMod val="95000"/>
+            </a:schemeClr>
+          </a:solidFill>
+          <a:ln w="12700" cap="flat" cmpd="sng" algn="ctr">
+            <a:noFill/>
+            <a:prstDash val="solid"/>
+            <a:round/>
+            <a:headEnd type="none" w="med" len="med"/>
+            <a:tailEnd type="none" w="med" len="med"/>
+          </a:ln>
+          <a:effectLst/>
+        </p:spPr>
+        <p:txBody>
+          <a:bodyPr vert="horz" wrap="square" lIns="91440" tIns="45720" rIns="91440" bIns="45720" numCol="1" rtlCol="0" anchor="t" anchorCtr="0" compatLnSpc="1">
+            <a:prstTxWarp prst="textNoShape">
+              <a:avLst/>
+            </a:prstTxWarp>
+          </a:bodyPr>
+          <a:lstStyle/>
+          <a:p>
+            <a:pPr marL="0" marR="0" indent="0" algn="just" defTabSz="914400" rtl="0" eaLnBrk="0" fontAlgn="base" latinLnBrk="0" hangingPunct="0">
+              <a:lnSpc>
+                <a:spcPct val="100000"/>
+              </a:lnSpc>
+              <a:spcBef>
+                <a:spcPct val="50000"/>
+              </a:spcBef>
+              <a:spcAft>
+                <a:spcPct val="0"/>
+              </a:spcAft>
+              <a:buClrTx/>
+              <a:buSzTx/>
+              <a:buFontTx/>
+              <a:buNone/>
+              <a:tabLst/>
+            </a:pPr>
+            <a:endParaRPr kumimoji="0" lang="en-US" sz="2800" b="0" i="0" u="none" strike="noStrike" cap="none" normalizeH="0" baseline="0" smtClean="0">
+              <a:ln>
+                <a:noFill/>
+              </a:ln>
+              <a:solidFill>
+                <a:schemeClr val="tx1"/>
+              </a:solidFill>
+              <a:effectLst/>
+              <a:latin typeface="Helvetica" charset="0"/>
+            </a:endParaRPr>
+          </a:p>
+        </p:txBody>
+      </p:sp>
+      <p:sp>
+        <p:nvSpPr>
           <p:cNvPr id="181" name="Rectangle 180"/>
           <p:cNvSpPr/>
           <p:nvPr/>
@@ -2981,7 +3046,7 @@
         <p:spPr bwMode="auto">
           <a:xfrm>
             <a:off x="30861000" y="7162800"/>
-            <a:ext cx="13030200" cy="18059400"/>
+            <a:ext cx="13030200" cy="12781002"/>
           </a:xfrm>
           <a:prstGeom prst="rect">
             <a:avLst/>
@@ -3216,16 +3281,7 @@
                 </a:solidFill>
                 <a:latin typeface="Century Gothic" pitchFamily="34" charset="0"/>
               </a:rPr>
-              <a:t>Computer Science, </a:t>
-            </a:r>
-            <a:r>
-              <a:rPr lang="en-US" sz="5400" dirty="0" smtClean="0">
-                <a:solidFill>
-                  <a:schemeClr val="bg2"/>
-                </a:solidFill>
-                <a:latin typeface="Century Gothic" pitchFamily="34" charset="0"/>
-              </a:rPr>
-              <a:t>Northern </a:t>
+              <a:t>Computer Science, Northern </a:t>
             </a:r>
             <a:r>
               <a:rPr lang="en-US" sz="5400" dirty="0">
@@ -3565,23 +3621,8 @@
                 </a:solidFill>
                 <a:latin typeface="Century Gothic" pitchFamily="34" charset="0"/>
               </a:rPr>
-              <a:t>Engineering </a:t>
-            </a:r>
-            <a:r>
-              <a:rPr lang="en-US" sz="3200" dirty="0" smtClean="0">
-                <a:solidFill>
-                  <a:schemeClr val="bg1"/>
-                </a:solidFill>
-                <a:latin typeface="Century Gothic" pitchFamily="34" charset="0"/>
-              </a:rPr>
-              <a:t>Design</a:t>
-            </a:r>
-            <a:endParaRPr lang="en-US" sz="3200" dirty="0" smtClean="0">
-              <a:solidFill>
-                <a:schemeClr val="bg1"/>
-              </a:solidFill>
-              <a:latin typeface="Century Gothic" pitchFamily="34" charset="0"/>
-            </a:endParaRPr>
+              <a:t>Engineering Design</a:t>
+            </a:r>
           </a:p>
         </p:txBody>
       </p:sp>
@@ -3625,16 +3666,7 @@
                 </a:solidFill>
                 <a:latin typeface="Century Gothic" pitchFamily="34" charset="0"/>
               </a:rPr>
-              <a:t>K</a:t>
-            </a:r>
-            <a:r>
-              <a:rPr lang="en-US" sz="5400" dirty="0" smtClean="0">
-                <a:solidFill>
-                  <a:schemeClr val="bg2"/>
-                </a:solidFill>
-                <a:latin typeface="Century Gothic" pitchFamily="34" charset="0"/>
-              </a:rPr>
-              <a:t>imberly Oyama, Blayne Kennedy, Daren Rodhouse, Chihiro Sasaki  </a:t>
+              <a:t>Kimberly Oyama, Blayne Kennedy, Daren Rodhouse, Chihiro Sasaki  </a:t>
             </a:r>
             <a:endParaRPr lang="en-US" sz="5400" baseline="28000" dirty="0">
               <a:solidFill>
@@ -3677,14 +3709,6 @@
               </a:rPr>
               <a:t>MoneyClip Mobile (MCM) is a web-based payments infrastructure providing fee-free transactions to customers and merchants through the use of mobile devices. Dr. Joshua Cross of Hermes Commerce, Inc. is planning to make this mobile payment system more robust by providing targeted advertisements, coupons, and management of customer’s loyalty programs. </a:t>
             </a:r>
-            <a:endParaRPr lang="en-US" sz="3000" dirty="0">
-              <a:solidFill>
-                <a:schemeClr val="bg2">
-                  <a:lumMod val="50000"/>
-                </a:schemeClr>
-              </a:solidFill>
-              <a:latin typeface="Century Gothic" pitchFamily="34" charset="0"/>
-            </a:endParaRPr>
           </a:p>
         </p:txBody>
       </p:sp>
@@ -4964,14 +4988,6 @@
               </a:rPr>
               <a:t>functionalities are implemented on the Android, iOS, and website platforms.</a:t>
             </a:r>
-            <a:endParaRPr lang="en-US" sz="3000" dirty="0">
-              <a:solidFill>
-                <a:schemeClr val="bg2">
-                  <a:lumMod val="50000"/>
-                </a:schemeClr>
-              </a:solidFill>
-              <a:latin typeface="Century Gothic" pitchFamily="34" charset="0"/>
-            </a:endParaRPr>
           </a:p>
         </p:txBody>
       </p:sp>
@@ -5821,14 +5837,6 @@
               </a:rPr>
               <a:t>User</a:t>
             </a:r>
-            <a:endParaRPr lang="en-US" sz="3000" dirty="0">
-              <a:solidFill>
-                <a:schemeClr val="bg2">
-                  <a:lumMod val="50000"/>
-                </a:schemeClr>
-              </a:solidFill>
-              <a:latin typeface="Century Gothic" pitchFamily="34" charset="0"/>
-            </a:endParaRPr>
           </a:p>
         </p:txBody>
       </p:sp>
@@ -6425,7 +6433,7 @@
                     <a:bodyPr/>
                     <a:lstStyle/>
                     <a:p>
-                      <a:endParaRPr lang="en-US"/>
+                      <a:endParaRPr lang="en-US" dirty="0"/>
                     </a:p>
                   </a:txBody>
                   <a:tcPr/>
@@ -6674,6 +6682,203 @@
           </a:extLst>
         </p:spPr>
       </p:pic>
+      <p:sp>
+        <p:nvSpPr>
+          <p:cNvPr id="71" name="Rectangle 48"/>
+          <p:cNvSpPr>
+            <a:spLocks noChangeArrowheads="1"/>
+          </p:cNvSpPr>
+          <p:nvPr/>
+        </p:nvSpPr>
+        <p:spPr bwMode="auto">
+          <a:xfrm>
+            <a:off x="31529865" y="20175538"/>
+            <a:ext cx="10113963" cy="779462"/>
+          </a:xfrm>
+          <a:prstGeom prst="rect">
+            <a:avLst/>
+          </a:prstGeom>
+          <a:noFill/>
+          <a:ln w="12700">
+            <a:noFill/>
+            <a:miter lim="800000"/>
+            <a:headEnd/>
+            <a:tailEnd/>
+          </a:ln>
+        </p:spPr>
+        <p:txBody>
+          <a:bodyPr wrap="none" lIns="90488" tIns="44450" rIns="90488" bIns="44450" anchor="ctr"/>
+          <a:lstStyle/>
+          <a:p>
+            <a:pPr algn="l">
+              <a:spcBef>
+                <a:spcPct val="0"/>
+              </a:spcBef>
+            </a:pPr>
+            <a:r>
+              <a:rPr lang="en-US" sz="5500" b="1" dirty="0" smtClean="0">
+                <a:latin typeface="Lucida Sans" pitchFamily="34" charset="0"/>
+                <a:cs typeface="Lucida Sans" pitchFamily="34" charset="0"/>
+              </a:rPr>
+              <a:t>Statistics</a:t>
+            </a:r>
+            <a:endParaRPr lang="en-US" sz="5500" b="1" dirty="0">
+              <a:latin typeface="Lucida Sans" pitchFamily="34" charset="0"/>
+              <a:cs typeface="Lucida Sans" pitchFamily="34" charset="0"/>
+            </a:endParaRPr>
+          </a:p>
+        </p:txBody>
+      </p:sp>
+      <p:sp>
+        <p:nvSpPr>
+          <p:cNvPr id="2" name="Rectangle 1"/>
+          <p:cNvSpPr/>
+          <p:nvPr/>
+        </p:nvSpPr>
+        <p:spPr>
+          <a:xfrm>
+            <a:off x="31112777" y="21183600"/>
+            <a:ext cx="5990743" cy="2862322"/>
+          </a:xfrm>
+          <a:prstGeom prst="rect">
+            <a:avLst/>
+          </a:prstGeom>
+        </p:spPr>
+        <p:txBody>
+          <a:bodyPr wrap="none">
+            <a:spAutoFit/>
+          </a:bodyPr>
+          <a:lstStyle/>
+          <a:p>
+            <a:pPr marL="914400" lvl="1" indent="-457200">
+              <a:spcBef>
+                <a:spcPts val="0"/>
+              </a:spcBef>
+              <a:buFont typeface="Arial" pitchFamily="34" charset="0"/>
+              <a:buChar char="•"/>
+            </a:pPr>
+            <a:r>
+              <a:rPr lang="en-US" sz="3000" dirty="0">
+                <a:solidFill>
+                  <a:schemeClr val="bg2">
+                    <a:lumMod val="50000"/>
+                  </a:schemeClr>
+                </a:solidFill>
+                <a:latin typeface="Century Gothic" pitchFamily="34" charset="0"/>
+              </a:rPr>
+              <a:t>Memory </a:t>
+            </a:r>
+            <a:r>
+              <a:rPr lang="en-US" sz="3000" dirty="0" smtClean="0">
+                <a:solidFill>
+                  <a:schemeClr val="bg2">
+                    <a:lumMod val="50000"/>
+                  </a:schemeClr>
+                </a:solidFill>
+                <a:latin typeface="Century Gothic" pitchFamily="34" charset="0"/>
+              </a:rPr>
+              <a:t>Usage</a:t>
+            </a:r>
+          </a:p>
+          <a:p>
+            <a:pPr marL="1371600" lvl="2" indent="-457200">
+              <a:spcBef>
+                <a:spcPts val="0"/>
+              </a:spcBef>
+              <a:buFont typeface="Arial" pitchFamily="34" charset="0"/>
+              <a:buChar char="•"/>
+            </a:pPr>
+            <a:r>
+              <a:rPr lang="en-US" sz="3000" dirty="0" smtClean="0">
+                <a:solidFill>
+                  <a:schemeClr val="bg2">
+                    <a:lumMod val="50000"/>
+                  </a:schemeClr>
+                </a:solidFill>
+                <a:latin typeface="Century Gothic" pitchFamily="34" charset="0"/>
+              </a:rPr>
+              <a:t>On phone</a:t>
+            </a:r>
+          </a:p>
+          <a:p>
+            <a:pPr marL="1371600" lvl="2" indent="-457200">
+              <a:spcBef>
+                <a:spcPts val="0"/>
+              </a:spcBef>
+              <a:buFont typeface="Arial" pitchFamily="34" charset="0"/>
+              <a:buChar char="•"/>
+            </a:pPr>
+            <a:r>
+              <a:rPr lang="en-US" sz="3000" dirty="0" smtClean="0">
+                <a:solidFill>
+                  <a:schemeClr val="bg2">
+                    <a:lumMod val="50000"/>
+                  </a:schemeClr>
+                </a:solidFill>
+                <a:latin typeface="Century Gothic" pitchFamily="34" charset="0"/>
+              </a:rPr>
+              <a:t>On server</a:t>
+            </a:r>
+          </a:p>
+          <a:p>
+            <a:pPr marL="914400" lvl="1" indent="-457200">
+              <a:spcBef>
+                <a:spcPts val="0"/>
+              </a:spcBef>
+              <a:buFont typeface="Arial" pitchFamily="34" charset="0"/>
+              <a:buChar char="•"/>
+            </a:pPr>
+            <a:r>
+              <a:rPr lang="en-US" sz="3000" dirty="0" smtClean="0">
+                <a:solidFill>
+                  <a:schemeClr val="bg2">
+                    <a:lumMod val="50000"/>
+                  </a:schemeClr>
+                </a:solidFill>
+                <a:latin typeface="Century Gothic" pitchFamily="34" charset="0"/>
+              </a:rPr>
+              <a:t>Data Usage (transfer sizes)</a:t>
+            </a:r>
+          </a:p>
+          <a:p>
+            <a:pPr marL="914400" lvl="1" indent="-457200">
+              <a:spcBef>
+                <a:spcPts val="0"/>
+              </a:spcBef>
+              <a:buFont typeface="Arial" pitchFamily="34" charset="0"/>
+              <a:buChar char="•"/>
+            </a:pPr>
+            <a:r>
+              <a:rPr lang="en-US" sz="3000" dirty="0" smtClean="0">
+                <a:solidFill>
+                  <a:schemeClr val="bg2">
+                    <a:lumMod val="50000"/>
+                  </a:schemeClr>
+                </a:solidFill>
+                <a:latin typeface="Century Gothic" pitchFamily="34" charset="0"/>
+              </a:rPr>
+              <a:t>Processor Usage?</a:t>
+            </a:r>
+          </a:p>
+          <a:p>
+            <a:pPr marL="914400" lvl="1" indent="-457200">
+              <a:spcBef>
+                <a:spcPts val="0"/>
+              </a:spcBef>
+              <a:buFont typeface="Arial" pitchFamily="34" charset="0"/>
+              <a:buChar char="•"/>
+            </a:pPr>
+            <a:endParaRPr lang="en-US" sz="3000" dirty="0">
+              <a:solidFill>
+                <a:schemeClr val="bg2">
+                  <a:lumMod val="50000"/>
+                </a:schemeClr>
+              </a:solidFill>
+              <a:latin typeface="Century Gothic" pitchFamily="34" charset="0"/>
+            </a:endParaRPr>
+          </a:p>
+        </p:txBody>
+      </p:sp>
     </p:spTree>
   </p:cSld>
   <p:clrMapOvr>

--- a/Documentation/UGRADSPoster.pptx
+++ b/Documentation/UGRADSPoster.pptx
@@ -6879,6 +6879,1051 @@
           </a:p>
         </p:txBody>
       </p:sp>
+      <p:graphicFrame>
+        <p:nvGraphicFramePr>
+          <p:cNvPr id="4" name="Table 3"/>
+          <p:cNvGraphicFramePr>
+            <a:graphicFrameLocks noGrp="1"/>
+          </p:cNvGraphicFramePr>
+          <p:nvPr>
+            <p:extLst>
+              <p:ext uri="{D42A27DB-BD31-4B8C-83A1-F6EECF244321}">
+                <p14:modId xmlns:p14="http://schemas.microsoft.com/office/powerpoint/2010/main" val="2148696210"/>
+              </p:ext>
+            </p:extLst>
+          </p:nvPr>
+        </p:nvGraphicFramePr>
+        <p:xfrm>
+          <a:off x="37973873" y="22225284"/>
+          <a:ext cx="4842644" cy="1854200"/>
+        </p:xfrm>
+        <a:graphic>
+          <a:graphicData uri="http://schemas.openxmlformats.org/drawingml/2006/table">
+            <a:tbl>
+              <a:tblPr firstRow="1" bandRow="1">
+                <a:tableStyleId>{5C22544A-7EE6-4342-B048-85BDC9FD1C3A}</a:tableStyleId>
+              </a:tblPr>
+              <a:tblGrid>
+                <a:gridCol w="1108844"/>
+                <a:gridCol w="990600"/>
+                <a:gridCol w="1600200"/>
+                <a:gridCol w="1143000"/>
+              </a:tblGrid>
+              <a:tr h="370840">
+                <a:tc>
+                  <a:txBody>
+                    <a:bodyPr/>
+                    <a:lstStyle/>
+                    <a:p>
+                      <a:endParaRPr lang="en-US" dirty="0"/>
+                    </a:p>
+                  </a:txBody>
+                  <a:tcPr>
+                    <a:lnL w="12700" cap="flat" cmpd="sng" algn="ctr">
+                      <a:solidFill>
+                        <a:schemeClr val="tx1"/>
+                      </a:solidFill>
+                      <a:prstDash val="solid"/>
+                      <a:round/>
+                      <a:headEnd type="none" w="med" len="med"/>
+                      <a:tailEnd type="none" w="med" len="med"/>
+                    </a:lnL>
+                    <a:lnR w="12700" cap="flat" cmpd="sng" algn="ctr">
+                      <a:solidFill>
+                        <a:schemeClr val="tx1"/>
+                      </a:solidFill>
+                      <a:prstDash val="solid"/>
+                      <a:round/>
+                      <a:headEnd type="none" w="med" len="med"/>
+                      <a:tailEnd type="none" w="med" len="med"/>
+                    </a:lnR>
+                    <a:lnT w="12700" cap="flat" cmpd="sng" algn="ctr">
+                      <a:solidFill>
+                        <a:schemeClr val="tx1"/>
+                      </a:solidFill>
+                      <a:prstDash val="solid"/>
+                      <a:round/>
+                      <a:headEnd type="none" w="med" len="med"/>
+                      <a:tailEnd type="none" w="med" len="med"/>
+                    </a:lnT>
+                    <a:lnB w="12700" cap="flat" cmpd="sng" algn="ctr">
+                      <a:solidFill>
+                        <a:schemeClr val="tx1"/>
+                      </a:solidFill>
+                      <a:prstDash val="solid"/>
+                      <a:round/>
+                      <a:headEnd type="none" w="med" len="med"/>
+                      <a:tailEnd type="none" w="med" len="med"/>
+                    </a:lnB>
+                    <a:noFill/>
+                  </a:tcPr>
+                </a:tc>
+                <a:tc gridSpan="3">
+                  <a:txBody>
+                    <a:bodyPr/>
+                    <a:lstStyle/>
+                    <a:p>
+                      <a:pPr algn="ctr"/>
+                      <a:r>
+                        <a:rPr lang="en-US" dirty="0" smtClean="0">
+                          <a:solidFill>
+                            <a:sysClr val="windowText" lastClr="000000"/>
+                          </a:solidFill>
+                        </a:rPr>
+                        <a:t>Usages</a:t>
+                      </a:r>
+                      <a:endParaRPr lang="en-US" dirty="0">
+                        <a:solidFill>
+                          <a:sysClr val="windowText" lastClr="000000"/>
+                        </a:solidFill>
+                      </a:endParaRPr>
+                    </a:p>
+                  </a:txBody>
+                  <a:tcPr>
+                    <a:lnL w="12700" cap="flat" cmpd="sng" algn="ctr">
+                      <a:solidFill>
+                        <a:schemeClr val="tx1"/>
+                      </a:solidFill>
+                      <a:prstDash val="solid"/>
+                      <a:round/>
+                      <a:headEnd type="none" w="med" len="med"/>
+                      <a:tailEnd type="none" w="med" len="med"/>
+                    </a:lnL>
+                    <a:lnR w="12700" cap="flat" cmpd="sng" algn="ctr">
+                      <a:solidFill>
+                        <a:schemeClr val="tx1"/>
+                      </a:solidFill>
+                      <a:prstDash val="solid"/>
+                      <a:round/>
+                      <a:headEnd type="none" w="med" len="med"/>
+                      <a:tailEnd type="none" w="med" len="med"/>
+                    </a:lnR>
+                    <a:lnT w="12700" cap="flat" cmpd="sng" algn="ctr">
+                      <a:solidFill>
+                        <a:schemeClr val="tx1"/>
+                      </a:solidFill>
+                      <a:prstDash val="solid"/>
+                      <a:round/>
+                      <a:headEnd type="none" w="med" len="med"/>
+                      <a:tailEnd type="none" w="med" len="med"/>
+                    </a:lnT>
+                    <a:lnB w="12700" cap="flat" cmpd="sng" algn="ctr">
+                      <a:solidFill>
+                        <a:schemeClr val="tx1"/>
+                      </a:solidFill>
+                      <a:prstDash val="solid"/>
+                      <a:round/>
+                      <a:headEnd type="none" w="med" len="med"/>
+                      <a:tailEnd type="none" w="med" len="med"/>
+                    </a:lnB>
+                    <a:noFill/>
+                  </a:tcPr>
+                </a:tc>
+                <a:tc hMerge="1">
+                  <a:txBody>
+                    <a:bodyPr/>
+                    <a:lstStyle/>
+                    <a:p>
+                      <a:endParaRPr lang="en-US"/>
+                    </a:p>
+                  </a:txBody>
+                  <a:tcPr>
+                    <a:lnL w="12700" cap="flat" cmpd="sng" algn="ctr">
+                      <a:solidFill>
+                        <a:schemeClr val="tx1"/>
+                      </a:solidFill>
+                      <a:prstDash val="solid"/>
+                      <a:round/>
+                      <a:headEnd type="none" w="med" len="med"/>
+                      <a:tailEnd type="none" w="med" len="med"/>
+                    </a:lnL>
+                    <a:lnR w="12700" cap="flat" cmpd="sng" algn="ctr">
+                      <a:solidFill>
+                        <a:schemeClr val="tx1"/>
+                      </a:solidFill>
+                      <a:prstDash val="solid"/>
+                      <a:round/>
+                      <a:headEnd type="none" w="med" len="med"/>
+                      <a:tailEnd type="none" w="med" len="med"/>
+                    </a:lnR>
+                    <a:lnT w="12700" cap="flat" cmpd="sng" algn="ctr">
+                      <a:solidFill>
+                        <a:schemeClr val="tx1"/>
+                      </a:solidFill>
+                      <a:prstDash val="solid"/>
+                      <a:round/>
+                      <a:headEnd type="none" w="med" len="med"/>
+                      <a:tailEnd type="none" w="med" len="med"/>
+                    </a:lnT>
+                    <a:lnB w="12700" cap="flat" cmpd="sng" algn="ctr">
+                      <a:solidFill>
+                        <a:schemeClr val="tx1"/>
+                      </a:solidFill>
+                      <a:prstDash val="solid"/>
+                      <a:round/>
+                      <a:headEnd type="none" w="med" len="med"/>
+                      <a:tailEnd type="none" w="med" len="med"/>
+                    </a:lnB>
+                    <a:noFill/>
+                  </a:tcPr>
+                </a:tc>
+                <a:tc hMerge="1">
+                  <a:txBody>
+                    <a:bodyPr/>
+                    <a:lstStyle/>
+                    <a:p>
+                      <a:endParaRPr lang="en-US" dirty="0"/>
+                    </a:p>
+                  </a:txBody>
+                  <a:tcPr>
+                    <a:lnL w="12700" cap="flat" cmpd="sng" algn="ctr">
+                      <a:solidFill>
+                        <a:schemeClr val="tx1"/>
+                      </a:solidFill>
+                      <a:prstDash val="solid"/>
+                      <a:round/>
+                      <a:headEnd type="none" w="med" len="med"/>
+                      <a:tailEnd type="none" w="med" len="med"/>
+                    </a:lnL>
+                    <a:lnR w="12700" cap="flat" cmpd="sng" algn="ctr">
+                      <a:solidFill>
+                        <a:schemeClr val="tx1"/>
+                      </a:solidFill>
+                      <a:prstDash val="solid"/>
+                      <a:round/>
+                      <a:headEnd type="none" w="med" len="med"/>
+                      <a:tailEnd type="none" w="med" len="med"/>
+                    </a:lnR>
+                    <a:lnT w="12700" cap="flat" cmpd="sng" algn="ctr">
+                      <a:solidFill>
+                        <a:schemeClr val="tx1"/>
+                      </a:solidFill>
+                      <a:prstDash val="solid"/>
+                      <a:round/>
+                      <a:headEnd type="none" w="med" len="med"/>
+                      <a:tailEnd type="none" w="med" len="med"/>
+                    </a:lnT>
+                    <a:lnB w="12700" cap="flat" cmpd="sng" algn="ctr">
+                      <a:solidFill>
+                        <a:schemeClr val="tx1"/>
+                      </a:solidFill>
+                      <a:prstDash val="solid"/>
+                      <a:round/>
+                      <a:headEnd type="none" w="med" len="med"/>
+                      <a:tailEnd type="none" w="med" len="med"/>
+                    </a:lnB>
+                    <a:noFill/>
+                  </a:tcPr>
+                </a:tc>
+              </a:tr>
+              <a:tr h="370840">
+                <a:tc>
+                  <a:txBody>
+                    <a:bodyPr/>
+                    <a:lstStyle/>
+                    <a:p>
+                      <a:r>
+                        <a:rPr lang="en-US" dirty="0" smtClean="0"/>
+                        <a:t>Platforms</a:t>
+                      </a:r>
+                      <a:endParaRPr lang="en-US" dirty="0"/>
+                    </a:p>
+                  </a:txBody>
+                  <a:tcPr>
+                    <a:lnL w="12700" cap="flat" cmpd="sng" algn="ctr">
+                      <a:solidFill>
+                        <a:schemeClr val="tx1"/>
+                      </a:solidFill>
+                      <a:prstDash val="solid"/>
+                      <a:round/>
+                      <a:headEnd type="none" w="med" len="med"/>
+                      <a:tailEnd type="none" w="med" len="med"/>
+                    </a:lnL>
+                    <a:lnR w="12700" cap="flat" cmpd="sng" algn="ctr">
+                      <a:solidFill>
+                        <a:schemeClr val="tx1"/>
+                      </a:solidFill>
+                      <a:prstDash val="solid"/>
+                      <a:round/>
+                      <a:headEnd type="none" w="med" len="med"/>
+                      <a:tailEnd type="none" w="med" len="med"/>
+                    </a:lnR>
+                    <a:lnT w="12700" cap="flat" cmpd="sng" algn="ctr">
+                      <a:solidFill>
+                        <a:schemeClr val="tx1"/>
+                      </a:solidFill>
+                      <a:prstDash val="solid"/>
+                      <a:round/>
+                      <a:headEnd type="none" w="med" len="med"/>
+                      <a:tailEnd type="none" w="med" len="med"/>
+                    </a:lnT>
+                    <a:lnB w="12700" cap="flat" cmpd="sng" algn="ctr">
+                      <a:solidFill>
+                        <a:schemeClr val="tx1"/>
+                      </a:solidFill>
+                      <a:prstDash val="solid"/>
+                      <a:round/>
+                      <a:headEnd type="none" w="med" len="med"/>
+                      <a:tailEnd type="none" w="med" len="med"/>
+                    </a:lnB>
+                    <a:noFill/>
+                  </a:tcPr>
+                </a:tc>
+                <a:tc>
+                  <a:txBody>
+                    <a:bodyPr/>
+                    <a:lstStyle/>
+                    <a:p>
+                      <a:r>
+                        <a:rPr lang="en-US" dirty="0" smtClean="0"/>
+                        <a:t>Memory</a:t>
+                      </a:r>
+                      <a:endParaRPr lang="en-US" dirty="0"/>
+                    </a:p>
+                  </a:txBody>
+                  <a:tcPr>
+                    <a:lnL w="12700" cap="flat" cmpd="sng" algn="ctr">
+                      <a:solidFill>
+                        <a:schemeClr val="tx1"/>
+                      </a:solidFill>
+                      <a:prstDash val="solid"/>
+                      <a:round/>
+                      <a:headEnd type="none" w="med" len="med"/>
+                      <a:tailEnd type="none" w="med" len="med"/>
+                    </a:lnL>
+                    <a:lnR w="12700" cap="flat" cmpd="sng" algn="ctr">
+                      <a:solidFill>
+                        <a:schemeClr val="tx1"/>
+                      </a:solidFill>
+                      <a:prstDash val="solid"/>
+                      <a:round/>
+                      <a:headEnd type="none" w="med" len="med"/>
+                      <a:tailEnd type="none" w="med" len="med"/>
+                    </a:lnR>
+                    <a:lnT w="12700" cap="flat" cmpd="sng" algn="ctr">
+                      <a:solidFill>
+                        <a:schemeClr val="tx1"/>
+                      </a:solidFill>
+                      <a:prstDash val="solid"/>
+                      <a:round/>
+                      <a:headEnd type="none" w="med" len="med"/>
+                      <a:tailEnd type="none" w="med" len="med"/>
+                    </a:lnT>
+                    <a:lnB w="12700" cap="flat" cmpd="sng" algn="ctr">
+                      <a:solidFill>
+                        <a:schemeClr val="tx1"/>
+                      </a:solidFill>
+                      <a:prstDash val="solid"/>
+                      <a:round/>
+                      <a:headEnd type="none" w="med" len="med"/>
+                      <a:tailEnd type="none" w="med" len="med"/>
+                    </a:lnB>
+                    <a:noFill/>
+                  </a:tcPr>
+                </a:tc>
+                <a:tc>
+                  <a:txBody>
+                    <a:bodyPr/>
+                    <a:lstStyle/>
+                    <a:p>
+                      <a:r>
+                        <a:rPr lang="en-US" dirty="0" smtClean="0"/>
+                        <a:t>Data Transfer</a:t>
+                      </a:r>
+                      <a:endParaRPr lang="en-US" dirty="0"/>
+                    </a:p>
+                  </a:txBody>
+                  <a:tcPr>
+                    <a:lnL w="12700" cap="flat" cmpd="sng" algn="ctr">
+                      <a:solidFill>
+                        <a:schemeClr val="tx1"/>
+                      </a:solidFill>
+                      <a:prstDash val="solid"/>
+                      <a:round/>
+                      <a:headEnd type="none" w="med" len="med"/>
+                      <a:tailEnd type="none" w="med" len="med"/>
+                    </a:lnL>
+                    <a:lnR w="12700" cap="flat" cmpd="sng" algn="ctr">
+                      <a:solidFill>
+                        <a:schemeClr val="tx1"/>
+                      </a:solidFill>
+                      <a:prstDash val="solid"/>
+                      <a:round/>
+                      <a:headEnd type="none" w="med" len="med"/>
+                      <a:tailEnd type="none" w="med" len="med"/>
+                    </a:lnR>
+                    <a:lnT w="12700" cap="flat" cmpd="sng" algn="ctr">
+                      <a:solidFill>
+                        <a:schemeClr val="tx1"/>
+                      </a:solidFill>
+                      <a:prstDash val="solid"/>
+                      <a:round/>
+                      <a:headEnd type="none" w="med" len="med"/>
+                      <a:tailEnd type="none" w="med" len="med"/>
+                    </a:lnT>
+                    <a:lnB w="12700" cap="flat" cmpd="sng" algn="ctr">
+                      <a:solidFill>
+                        <a:schemeClr val="tx1"/>
+                      </a:solidFill>
+                      <a:prstDash val="solid"/>
+                      <a:round/>
+                      <a:headEnd type="none" w="med" len="med"/>
+                      <a:tailEnd type="none" w="med" len="med"/>
+                    </a:lnB>
+                    <a:noFill/>
+                  </a:tcPr>
+                </a:tc>
+                <a:tc>
+                  <a:txBody>
+                    <a:bodyPr/>
+                    <a:lstStyle/>
+                    <a:p>
+                      <a:r>
+                        <a:rPr lang="en-US" dirty="0" smtClean="0"/>
+                        <a:t>Processor</a:t>
+                      </a:r>
+                      <a:endParaRPr lang="en-US" dirty="0"/>
+                    </a:p>
+                  </a:txBody>
+                  <a:tcPr>
+                    <a:lnL w="12700" cap="flat" cmpd="sng" algn="ctr">
+                      <a:solidFill>
+                        <a:schemeClr val="tx1"/>
+                      </a:solidFill>
+                      <a:prstDash val="solid"/>
+                      <a:round/>
+                      <a:headEnd type="none" w="med" len="med"/>
+                      <a:tailEnd type="none" w="med" len="med"/>
+                    </a:lnL>
+                    <a:lnR w="12700" cap="flat" cmpd="sng" algn="ctr">
+                      <a:solidFill>
+                        <a:schemeClr val="tx1"/>
+                      </a:solidFill>
+                      <a:prstDash val="solid"/>
+                      <a:round/>
+                      <a:headEnd type="none" w="med" len="med"/>
+                      <a:tailEnd type="none" w="med" len="med"/>
+                    </a:lnR>
+                    <a:lnT w="12700" cap="flat" cmpd="sng" algn="ctr">
+                      <a:solidFill>
+                        <a:schemeClr val="tx1"/>
+                      </a:solidFill>
+                      <a:prstDash val="solid"/>
+                      <a:round/>
+                      <a:headEnd type="none" w="med" len="med"/>
+                      <a:tailEnd type="none" w="med" len="med"/>
+                    </a:lnT>
+                    <a:lnB w="12700" cap="flat" cmpd="sng" algn="ctr">
+                      <a:solidFill>
+                        <a:schemeClr val="tx1"/>
+                      </a:solidFill>
+                      <a:prstDash val="solid"/>
+                      <a:round/>
+                      <a:headEnd type="none" w="med" len="med"/>
+                      <a:tailEnd type="none" w="med" len="med"/>
+                    </a:lnB>
+                    <a:noFill/>
+                  </a:tcPr>
+                </a:tc>
+              </a:tr>
+              <a:tr h="370840">
+                <a:tc>
+                  <a:txBody>
+                    <a:bodyPr/>
+                    <a:lstStyle/>
+                    <a:p>
+                      <a:r>
+                        <a:rPr lang="en-US" dirty="0" smtClean="0"/>
+                        <a:t>iPhone</a:t>
+                      </a:r>
+                      <a:endParaRPr lang="en-US" dirty="0"/>
+                    </a:p>
+                  </a:txBody>
+                  <a:tcPr>
+                    <a:lnL w="12700" cap="flat" cmpd="sng" algn="ctr">
+                      <a:solidFill>
+                        <a:schemeClr val="tx1"/>
+                      </a:solidFill>
+                      <a:prstDash val="solid"/>
+                      <a:round/>
+                      <a:headEnd type="none" w="med" len="med"/>
+                      <a:tailEnd type="none" w="med" len="med"/>
+                    </a:lnL>
+                    <a:lnR w="12700" cap="flat" cmpd="sng" algn="ctr">
+                      <a:solidFill>
+                        <a:schemeClr val="tx1"/>
+                      </a:solidFill>
+                      <a:prstDash val="solid"/>
+                      <a:round/>
+                      <a:headEnd type="none" w="med" len="med"/>
+                      <a:tailEnd type="none" w="med" len="med"/>
+                    </a:lnR>
+                    <a:lnT w="12700" cap="flat" cmpd="sng" algn="ctr">
+                      <a:solidFill>
+                        <a:schemeClr val="tx1"/>
+                      </a:solidFill>
+                      <a:prstDash val="solid"/>
+                      <a:round/>
+                      <a:headEnd type="none" w="med" len="med"/>
+                      <a:tailEnd type="none" w="med" len="med"/>
+                    </a:lnT>
+                    <a:lnB w="12700" cap="flat" cmpd="sng" algn="ctr">
+                      <a:solidFill>
+                        <a:schemeClr val="tx1"/>
+                      </a:solidFill>
+                      <a:prstDash val="solid"/>
+                      <a:round/>
+                      <a:headEnd type="none" w="med" len="med"/>
+                      <a:tailEnd type="none" w="med" len="med"/>
+                    </a:lnB>
+                    <a:noFill/>
+                  </a:tcPr>
+                </a:tc>
+                <a:tc>
+                  <a:txBody>
+                    <a:bodyPr/>
+                    <a:lstStyle/>
+                    <a:p>
+                      <a:endParaRPr lang="en-US"/>
+                    </a:p>
+                  </a:txBody>
+                  <a:tcPr>
+                    <a:lnL w="12700" cap="flat" cmpd="sng" algn="ctr">
+                      <a:solidFill>
+                        <a:schemeClr val="tx1"/>
+                      </a:solidFill>
+                      <a:prstDash val="solid"/>
+                      <a:round/>
+                      <a:headEnd type="none" w="med" len="med"/>
+                      <a:tailEnd type="none" w="med" len="med"/>
+                    </a:lnL>
+                    <a:lnR w="12700" cap="flat" cmpd="sng" algn="ctr">
+                      <a:solidFill>
+                        <a:schemeClr val="tx1"/>
+                      </a:solidFill>
+                      <a:prstDash val="solid"/>
+                      <a:round/>
+                      <a:headEnd type="none" w="med" len="med"/>
+                      <a:tailEnd type="none" w="med" len="med"/>
+                    </a:lnR>
+                    <a:lnT w="12700" cap="flat" cmpd="sng" algn="ctr">
+                      <a:solidFill>
+                        <a:schemeClr val="tx1"/>
+                      </a:solidFill>
+                      <a:prstDash val="solid"/>
+                      <a:round/>
+                      <a:headEnd type="none" w="med" len="med"/>
+                      <a:tailEnd type="none" w="med" len="med"/>
+                    </a:lnT>
+                    <a:lnB w="12700" cap="flat" cmpd="sng" algn="ctr">
+                      <a:solidFill>
+                        <a:schemeClr val="tx1"/>
+                      </a:solidFill>
+                      <a:prstDash val="solid"/>
+                      <a:round/>
+                      <a:headEnd type="none" w="med" len="med"/>
+                      <a:tailEnd type="none" w="med" len="med"/>
+                    </a:lnB>
+                    <a:noFill/>
+                  </a:tcPr>
+                </a:tc>
+                <a:tc>
+                  <a:txBody>
+                    <a:bodyPr/>
+                    <a:lstStyle/>
+                    <a:p>
+                      <a:endParaRPr lang="en-US"/>
+                    </a:p>
+                  </a:txBody>
+                  <a:tcPr>
+                    <a:lnL w="12700" cap="flat" cmpd="sng" algn="ctr">
+                      <a:solidFill>
+                        <a:schemeClr val="tx1"/>
+                      </a:solidFill>
+                      <a:prstDash val="solid"/>
+                      <a:round/>
+                      <a:headEnd type="none" w="med" len="med"/>
+                      <a:tailEnd type="none" w="med" len="med"/>
+                    </a:lnL>
+                    <a:lnR w="12700" cap="flat" cmpd="sng" algn="ctr">
+                      <a:solidFill>
+                        <a:schemeClr val="tx1"/>
+                      </a:solidFill>
+                      <a:prstDash val="solid"/>
+                      <a:round/>
+                      <a:headEnd type="none" w="med" len="med"/>
+                      <a:tailEnd type="none" w="med" len="med"/>
+                    </a:lnR>
+                    <a:lnT w="12700" cap="flat" cmpd="sng" algn="ctr">
+                      <a:solidFill>
+                        <a:schemeClr val="tx1"/>
+                      </a:solidFill>
+                      <a:prstDash val="solid"/>
+                      <a:round/>
+                      <a:headEnd type="none" w="med" len="med"/>
+                      <a:tailEnd type="none" w="med" len="med"/>
+                    </a:lnT>
+                    <a:lnB w="12700" cap="flat" cmpd="sng" algn="ctr">
+                      <a:solidFill>
+                        <a:schemeClr val="tx1"/>
+                      </a:solidFill>
+                      <a:prstDash val="solid"/>
+                      <a:round/>
+                      <a:headEnd type="none" w="med" len="med"/>
+                      <a:tailEnd type="none" w="med" len="med"/>
+                    </a:lnB>
+                    <a:noFill/>
+                  </a:tcPr>
+                </a:tc>
+                <a:tc>
+                  <a:txBody>
+                    <a:bodyPr/>
+                    <a:lstStyle/>
+                    <a:p>
+                      <a:endParaRPr lang="en-US" dirty="0"/>
+                    </a:p>
+                  </a:txBody>
+                  <a:tcPr>
+                    <a:lnL w="12700" cap="flat" cmpd="sng" algn="ctr">
+                      <a:solidFill>
+                        <a:schemeClr val="tx1"/>
+                      </a:solidFill>
+                      <a:prstDash val="solid"/>
+                      <a:round/>
+                      <a:headEnd type="none" w="med" len="med"/>
+                      <a:tailEnd type="none" w="med" len="med"/>
+                    </a:lnL>
+                    <a:lnR w="12700" cap="flat" cmpd="sng" algn="ctr">
+                      <a:solidFill>
+                        <a:schemeClr val="tx1"/>
+                      </a:solidFill>
+                      <a:prstDash val="solid"/>
+                      <a:round/>
+                      <a:headEnd type="none" w="med" len="med"/>
+                      <a:tailEnd type="none" w="med" len="med"/>
+                    </a:lnR>
+                    <a:lnT w="12700" cap="flat" cmpd="sng" algn="ctr">
+                      <a:solidFill>
+                        <a:schemeClr val="tx1"/>
+                      </a:solidFill>
+                      <a:prstDash val="solid"/>
+                      <a:round/>
+                      <a:headEnd type="none" w="med" len="med"/>
+                      <a:tailEnd type="none" w="med" len="med"/>
+                    </a:lnT>
+                    <a:lnB w="12700" cap="flat" cmpd="sng" algn="ctr">
+                      <a:solidFill>
+                        <a:schemeClr val="tx1"/>
+                      </a:solidFill>
+                      <a:prstDash val="solid"/>
+                      <a:round/>
+                      <a:headEnd type="none" w="med" len="med"/>
+                      <a:tailEnd type="none" w="med" len="med"/>
+                    </a:lnB>
+                    <a:noFill/>
+                  </a:tcPr>
+                </a:tc>
+              </a:tr>
+              <a:tr h="370840">
+                <a:tc>
+                  <a:txBody>
+                    <a:bodyPr/>
+                    <a:lstStyle/>
+                    <a:p>
+                      <a:r>
+                        <a:rPr lang="en-US" dirty="0" smtClean="0"/>
+                        <a:t>Android</a:t>
+                      </a:r>
+                      <a:endParaRPr lang="en-US" dirty="0"/>
+                    </a:p>
+                  </a:txBody>
+                  <a:tcPr>
+                    <a:lnL w="12700" cap="flat" cmpd="sng" algn="ctr">
+                      <a:solidFill>
+                        <a:schemeClr val="tx1"/>
+                      </a:solidFill>
+                      <a:prstDash val="solid"/>
+                      <a:round/>
+                      <a:headEnd type="none" w="med" len="med"/>
+                      <a:tailEnd type="none" w="med" len="med"/>
+                    </a:lnL>
+                    <a:lnR w="12700" cap="flat" cmpd="sng" algn="ctr">
+                      <a:solidFill>
+                        <a:schemeClr val="tx1"/>
+                      </a:solidFill>
+                      <a:prstDash val="solid"/>
+                      <a:round/>
+                      <a:headEnd type="none" w="med" len="med"/>
+                      <a:tailEnd type="none" w="med" len="med"/>
+                    </a:lnR>
+                    <a:lnT w="12700" cap="flat" cmpd="sng" algn="ctr">
+                      <a:solidFill>
+                        <a:schemeClr val="tx1"/>
+                      </a:solidFill>
+                      <a:prstDash val="solid"/>
+                      <a:round/>
+                      <a:headEnd type="none" w="med" len="med"/>
+                      <a:tailEnd type="none" w="med" len="med"/>
+                    </a:lnT>
+                    <a:lnB w="12700" cap="flat" cmpd="sng" algn="ctr">
+                      <a:solidFill>
+                        <a:schemeClr val="tx1"/>
+                      </a:solidFill>
+                      <a:prstDash val="solid"/>
+                      <a:round/>
+                      <a:headEnd type="none" w="med" len="med"/>
+                      <a:tailEnd type="none" w="med" len="med"/>
+                    </a:lnB>
+                    <a:noFill/>
+                  </a:tcPr>
+                </a:tc>
+                <a:tc>
+                  <a:txBody>
+                    <a:bodyPr/>
+                    <a:lstStyle/>
+                    <a:p>
+                      <a:endParaRPr lang="en-US"/>
+                    </a:p>
+                  </a:txBody>
+                  <a:tcPr>
+                    <a:lnL w="12700" cap="flat" cmpd="sng" algn="ctr">
+                      <a:solidFill>
+                        <a:schemeClr val="tx1"/>
+                      </a:solidFill>
+                      <a:prstDash val="solid"/>
+                      <a:round/>
+                      <a:headEnd type="none" w="med" len="med"/>
+                      <a:tailEnd type="none" w="med" len="med"/>
+                    </a:lnL>
+                    <a:lnR w="12700" cap="flat" cmpd="sng" algn="ctr">
+                      <a:solidFill>
+                        <a:schemeClr val="tx1"/>
+                      </a:solidFill>
+                      <a:prstDash val="solid"/>
+                      <a:round/>
+                      <a:headEnd type="none" w="med" len="med"/>
+                      <a:tailEnd type="none" w="med" len="med"/>
+                    </a:lnR>
+                    <a:lnT w="12700" cap="flat" cmpd="sng" algn="ctr">
+                      <a:solidFill>
+                        <a:schemeClr val="tx1"/>
+                      </a:solidFill>
+                      <a:prstDash val="solid"/>
+                      <a:round/>
+                      <a:headEnd type="none" w="med" len="med"/>
+                      <a:tailEnd type="none" w="med" len="med"/>
+                    </a:lnT>
+                    <a:lnB w="12700" cap="flat" cmpd="sng" algn="ctr">
+                      <a:solidFill>
+                        <a:schemeClr val="tx1"/>
+                      </a:solidFill>
+                      <a:prstDash val="solid"/>
+                      <a:round/>
+                      <a:headEnd type="none" w="med" len="med"/>
+                      <a:tailEnd type="none" w="med" len="med"/>
+                    </a:lnB>
+                    <a:noFill/>
+                  </a:tcPr>
+                </a:tc>
+                <a:tc>
+                  <a:txBody>
+                    <a:bodyPr/>
+                    <a:lstStyle/>
+                    <a:p>
+                      <a:endParaRPr lang="en-US"/>
+                    </a:p>
+                  </a:txBody>
+                  <a:tcPr>
+                    <a:lnL w="12700" cap="flat" cmpd="sng" algn="ctr">
+                      <a:solidFill>
+                        <a:schemeClr val="tx1"/>
+                      </a:solidFill>
+                      <a:prstDash val="solid"/>
+                      <a:round/>
+                      <a:headEnd type="none" w="med" len="med"/>
+                      <a:tailEnd type="none" w="med" len="med"/>
+                    </a:lnL>
+                    <a:lnR w="12700" cap="flat" cmpd="sng" algn="ctr">
+                      <a:solidFill>
+                        <a:schemeClr val="tx1"/>
+                      </a:solidFill>
+                      <a:prstDash val="solid"/>
+                      <a:round/>
+                      <a:headEnd type="none" w="med" len="med"/>
+                      <a:tailEnd type="none" w="med" len="med"/>
+                    </a:lnR>
+                    <a:lnT w="12700" cap="flat" cmpd="sng" algn="ctr">
+                      <a:solidFill>
+                        <a:schemeClr val="tx1"/>
+                      </a:solidFill>
+                      <a:prstDash val="solid"/>
+                      <a:round/>
+                      <a:headEnd type="none" w="med" len="med"/>
+                      <a:tailEnd type="none" w="med" len="med"/>
+                    </a:lnT>
+                    <a:lnB w="12700" cap="flat" cmpd="sng" algn="ctr">
+                      <a:solidFill>
+                        <a:schemeClr val="tx1"/>
+                      </a:solidFill>
+                      <a:prstDash val="solid"/>
+                      <a:round/>
+                      <a:headEnd type="none" w="med" len="med"/>
+                      <a:tailEnd type="none" w="med" len="med"/>
+                    </a:lnB>
+                    <a:noFill/>
+                  </a:tcPr>
+                </a:tc>
+                <a:tc>
+                  <a:txBody>
+                    <a:bodyPr/>
+                    <a:lstStyle/>
+                    <a:p>
+                      <a:endParaRPr lang="en-US"/>
+                    </a:p>
+                  </a:txBody>
+                  <a:tcPr>
+                    <a:lnL w="12700" cap="flat" cmpd="sng" algn="ctr">
+                      <a:solidFill>
+                        <a:schemeClr val="tx1"/>
+                      </a:solidFill>
+                      <a:prstDash val="solid"/>
+                      <a:round/>
+                      <a:headEnd type="none" w="med" len="med"/>
+                      <a:tailEnd type="none" w="med" len="med"/>
+                    </a:lnL>
+                    <a:lnR w="12700" cap="flat" cmpd="sng" algn="ctr">
+                      <a:solidFill>
+                        <a:schemeClr val="tx1"/>
+                      </a:solidFill>
+                      <a:prstDash val="solid"/>
+                      <a:round/>
+                      <a:headEnd type="none" w="med" len="med"/>
+                      <a:tailEnd type="none" w="med" len="med"/>
+                    </a:lnR>
+                    <a:lnT w="12700" cap="flat" cmpd="sng" algn="ctr">
+                      <a:solidFill>
+                        <a:schemeClr val="tx1"/>
+                      </a:solidFill>
+                      <a:prstDash val="solid"/>
+                      <a:round/>
+                      <a:headEnd type="none" w="med" len="med"/>
+                      <a:tailEnd type="none" w="med" len="med"/>
+                    </a:lnT>
+                    <a:lnB w="12700" cap="flat" cmpd="sng" algn="ctr">
+                      <a:solidFill>
+                        <a:schemeClr val="tx1"/>
+                      </a:solidFill>
+                      <a:prstDash val="solid"/>
+                      <a:round/>
+                      <a:headEnd type="none" w="med" len="med"/>
+                      <a:tailEnd type="none" w="med" len="med"/>
+                    </a:lnB>
+                    <a:noFill/>
+                  </a:tcPr>
+                </a:tc>
+              </a:tr>
+              <a:tr h="370840">
+                <a:tc>
+                  <a:txBody>
+                    <a:bodyPr/>
+                    <a:lstStyle/>
+                    <a:p>
+                      <a:r>
+                        <a:rPr lang="en-US" dirty="0" smtClean="0"/>
+                        <a:t>Server</a:t>
+                      </a:r>
+                      <a:endParaRPr lang="en-US" dirty="0"/>
+                    </a:p>
+                  </a:txBody>
+                  <a:tcPr>
+                    <a:lnL w="12700" cap="flat" cmpd="sng" algn="ctr">
+                      <a:solidFill>
+                        <a:schemeClr val="tx1"/>
+                      </a:solidFill>
+                      <a:prstDash val="solid"/>
+                      <a:round/>
+                      <a:headEnd type="none" w="med" len="med"/>
+                      <a:tailEnd type="none" w="med" len="med"/>
+                    </a:lnL>
+                    <a:lnR w="12700" cap="flat" cmpd="sng" algn="ctr">
+                      <a:solidFill>
+                        <a:schemeClr val="tx1"/>
+                      </a:solidFill>
+                      <a:prstDash val="solid"/>
+                      <a:round/>
+                      <a:headEnd type="none" w="med" len="med"/>
+                      <a:tailEnd type="none" w="med" len="med"/>
+                    </a:lnR>
+                    <a:lnT w="12700" cap="flat" cmpd="sng" algn="ctr">
+                      <a:solidFill>
+                        <a:schemeClr val="tx1"/>
+                      </a:solidFill>
+                      <a:prstDash val="solid"/>
+                      <a:round/>
+                      <a:headEnd type="none" w="med" len="med"/>
+                      <a:tailEnd type="none" w="med" len="med"/>
+                    </a:lnT>
+                    <a:lnB w="12700" cap="flat" cmpd="sng" algn="ctr">
+                      <a:solidFill>
+                        <a:schemeClr val="tx1"/>
+                      </a:solidFill>
+                      <a:prstDash val="solid"/>
+                      <a:round/>
+                      <a:headEnd type="none" w="med" len="med"/>
+                      <a:tailEnd type="none" w="med" len="med"/>
+                    </a:lnB>
+                    <a:noFill/>
+                  </a:tcPr>
+                </a:tc>
+                <a:tc>
+                  <a:txBody>
+                    <a:bodyPr/>
+                    <a:lstStyle/>
+                    <a:p>
+                      <a:endParaRPr lang="en-US"/>
+                    </a:p>
+                  </a:txBody>
+                  <a:tcPr>
+                    <a:lnL w="12700" cap="flat" cmpd="sng" algn="ctr">
+                      <a:solidFill>
+                        <a:schemeClr val="tx1"/>
+                      </a:solidFill>
+                      <a:prstDash val="solid"/>
+                      <a:round/>
+                      <a:headEnd type="none" w="med" len="med"/>
+                      <a:tailEnd type="none" w="med" len="med"/>
+                    </a:lnL>
+                    <a:lnR w="12700" cap="flat" cmpd="sng" algn="ctr">
+                      <a:solidFill>
+                        <a:schemeClr val="tx1"/>
+                      </a:solidFill>
+                      <a:prstDash val="solid"/>
+                      <a:round/>
+                      <a:headEnd type="none" w="med" len="med"/>
+                      <a:tailEnd type="none" w="med" len="med"/>
+                    </a:lnR>
+                    <a:lnT w="12700" cap="flat" cmpd="sng" algn="ctr">
+                      <a:solidFill>
+                        <a:schemeClr val="tx1"/>
+                      </a:solidFill>
+                      <a:prstDash val="solid"/>
+                      <a:round/>
+                      <a:headEnd type="none" w="med" len="med"/>
+                      <a:tailEnd type="none" w="med" len="med"/>
+                    </a:lnT>
+                    <a:lnB w="12700" cap="flat" cmpd="sng" algn="ctr">
+                      <a:solidFill>
+                        <a:schemeClr val="tx1"/>
+                      </a:solidFill>
+                      <a:prstDash val="solid"/>
+                      <a:round/>
+                      <a:headEnd type="none" w="med" len="med"/>
+                      <a:tailEnd type="none" w="med" len="med"/>
+                    </a:lnB>
+                    <a:noFill/>
+                  </a:tcPr>
+                </a:tc>
+                <a:tc>
+                  <a:txBody>
+                    <a:bodyPr/>
+                    <a:lstStyle/>
+                    <a:p>
+                      <a:endParaRPr lang="en-US"/>
+                    </a:p>
+                  </a:txBody>
+                  <a:tcPr>
+                    <a:lnL w="12700" cap="flat" cmpd="sng" algn="ctr">
+                      <a:solidFill>
+                        <a:schemeClr val="tx1"/>
+                      </a:solidFill>
+                      <a:prstDash val="solid"/>
+                      <a:round/>
+                      <a:headEnd type="none" w="med" len="med"/>
+                      <a:tailEnd type="none" w="med" len="med"/>
+                    </a:lnL>
+                    <a:lnR w="12700" cap="flat" cmpd="sng" algn="ctr">
+                      <a:solidFill>
+                        <a:schemeClr val="tx1"/>
+                      </a:solidFill>
+                      <a:prstDash val="solid"/>
+                      <a:round/>
+                      <a:headEnd type="none" w="med" len="med"/>
+                      <a:tailEnd type="none" w="med" len="med"/>
+                    </a:lnR>
+                    <a:lnT w="12700" cap="flat" cmpd="sng" algn="ctr">
+                      <a:solidFill>
+                        <a:schemeClr val="tx1"/>
+                      </a:solidFill>
+                      <a:prstDash val="solid"/>
+                      <a:round/>
+                      <a:headEnd type="none" w="med" len="med"/>
+                      <a:tailEnd type="none" w="med" len="med"/>
+                    </a:lnT>
+                    <a:lnB w="12700" cap="flat" cmpd="sng" algn="ctr">
+                      <a:solidFill>
+                        <a:schemeClr val="tx1"/>
+                      </a:solidFill>
+                      <a:prstDash val="solid"/>
+                      <a:round/>
+                      <a:headEnd type="none" w="med" len="med"/>
+                      <a:tailEnd type="none" w="med" len="med"/>
+                    </a:lnB>
+                    <a:noFill/>
+                  </a:tcPr>
+                </a:tc>
+                <a:tc>
+                  <a:txBody>
+                    <a:bodyPr/>
+                    <a:lstStyle/>
+                    <a:p>
+                      <a:endParaRPr lang="en-US" dirty="0"/>
+                    </a:p>
+                  </a:txBody>
+                  <a:tcPr>
+                    <a:lnL w="12700" cap="flat" cmpd="sng" algn="ctr">
+                      <a:solidFill>
+                        <a:schemeClr val="tx1"/>
+                      </a:solidFill>
+                      <a:prstDash val="solid"/>
+                      <a:round/>
+                      <a:headEnd type="none" w="med" len="med"/>
+                      <a:tailEnd type="none" w="med" len="med"/>
+                    </a:lnL>
+                    <a:lnR w="12700" cap="flat" cmpd="sng" algn="ctr">
+                      <a:solidFill>
+                        <a:schemeClr val="tx1"/>
+                      </a:solidFill>
+                      <a:prstDash val="solid"/>
+                      <a:round/>
+                      <a:headEnd type="none" w="med" len="med"/>
+                      <a:tailEnd type="none" w="med" len="med"/>
+                    </a:lnR>
+                    <a:lnT w="12700" cap="flat" cmpd="sng" algn="ctr">
+                      <a:solidFill>
+                        <a:schemeClr val="tx1"/>
+                      </a:solidFill>
+                      <a:prstDash val="solid"/>
+                      <a:round/>
+                      <a:headEnd type="none" w="med" len="med"/>
+                      <a:tailEnd type="none" w="med" len="med"/>
+                    </a:lnT>
+                    <a:lnB w="12700" cap="flat" cmpd="sng" algn="ctr">
+                      <a:solidFill>
+                        <a:schemeClr val="tx1"/>
+                      </a:solidFill>
+                      <a:prstDash val="solid"/>
+                      <a:round/>
+                      <a:headEnd type="none" w="med" len="med"/>
+                      <a:tailEnd type="none" w="med" len="med"/>
+                    </a:lnB>
+                    <a:noFill/>
+                  </a:tcPr>
+                </a:tc>
+              </a:tr>
+            </a:tbl>
+          </a:graphicData>
+        </a:graphic>
+      </p:graphicFrame>
     </p:spTree>
   </p:cSld>
   <p:clrMapOvr>

--- a/Documentation/UGRADSPoster.pptx
+++ b/Documentation/UGRADSPoster.pptx
@@ -2657,8 +2657,8 @@
         </p:nvSpPr>
         <p:spPr bwMode="auto">
           <a:xfrm>
-            <a:off x="30861000" y="21183600"/>
-            <a:ext cx="13030200" cy="4114800"/>
+            <a:off x="31089600" y="20116800"/>
+            <a:ext cx="12801600" cy="5486400"/>
           </a:xfrm>
           <a:prstGeom prst="rect">
             <a:avLst/>
@@ -2722,8 +2722,8 @@
         </p:nvSpPr>
         <p:spPr bwMode="auto">
           <a:xfrm>
-            <a:off x="0" y="14249400"/>
-            <a:ext cx="12769516" cy="3886200"/>
+            <a:off x="0" y="14630400"/>
+            <a:ext cx="12801600" cy="3657600"/>
           </a:xfrm>
           <a:prstGeom prst="rect">
             <a:avLst/>
@@ -2916,7 +2916,7 @@
         <p:spPr bwMode="auto">
           <a:xfrm>
             <a:off x="0" y="20878800"/>
-            <a:ext cx="29489400" cy="8686800"/>
+            <a:ext cx="29489400" cy="9296400"/>
           </a:xfrm>
           <a:prstGeom prst="rect">
             <a:avLst/>
@@ -2980,8 +2980,8 @@
         </p:nvSpPr>
         <p:spPr bwMode="auto">
           <a:xfrm>
-            <a:off x="31013400" y="26898600"/>
-            <a:ext cx="12877800" cy="2667000"/>
+            <a:off x="31089600" y="27432000"/>
+            <a:ext cx="12801600" cy="2743200"/>
           </a:xfrm>
           <a:prstGeom prst="rect">
             <a:avLst/>
@@ -3045,8 +3045,8 @@
         </p:nvSpPr>
         <p:spPr bwMode="auto">
           <a:xfrm>
-            <a:off x="30861000" y="7162800"/>
-            <a:ext cx="13030200" cy="12781002"/>
+            <a:off x="31089600" y="7315200"/>
+            <a:ext cx="12801600" cy="10972800"/>
           </a:xfrm>
           <a:prstGeom prst="rect">
             <a:avLst/>
@@ -3110,8 +3110,8 @@
         </p:nvSpPr>
         <p:spPr bwMode="auto">
           <a:xfrm>
-            <a:off x="0" y="7620000"/>
-            <a:ext cx="12725400" cy="4724400"/>
+            <a:off x="0" y="7315200"/>
+            <a:ext cx="12801600" cy="5486400"/>
           </a:xfrm>
           <a:prstGeom prst="rect">
             <a:avLst/>
@@ -3394,7 +3394,7 @@
         </p:nvSpPr>
         <p:spPr bwMode="auto">
           <a:xfrm>
-            <a:off x="31013400" y="25755600"/>
+            <a:off x="31013400" y="26517600"/>
             <a:ext cx="10113963" cy="781050"/>
           </a:xfrm>
           <a:prstGeom prst="rect">
@@ -3473,7 +3473,7 @@
         </p:nvSpPr>
         <p:spPr bwMode="auto">
           <a:xfrm>
-            <a:off x="477837" y="6554788"/>
+            <a:off x="762000" y="6400800"/>
             <a:ext cx="10113963" cy="779462"/>
           </a:xfrm>
           <a:prstGeom prst="rect">
@@ -3592,7 +3592,7 @@
         </p:nvSpPr>
         <p:spPr>
           <a:xfrm>
-            <a:off x="457200" y="30099000"/>
+            <a:off x="304800" y="30352425"/>
             <a:ext cx="4648200" cy="584775"/>
           </a:xfrm>
           <a:prstGeom prst="rect">
@@ -3685,8 +3685,8 @@
         </p:nvSpPr>
         <p:spPr>
           <a:xfrm>
-            <a:off x="533400" y="7801213"/>
-            <a:ext cx="11582400" cy="3323987"/>
+            <a:off x="914400" y="7696200"/>
+            <a:ext cx="11430000" cy="3323987"/>
           </a:xfrm>
           <a:prstGeom prst="rect">
             <a:avLst/>
@@ -3720,8 +3720,8 @@
         </p:nvSpPr>
         <p:spPr>
           <a:xfrm>
-            <a:off x="609600" y="14630400"/>
-            <a:ext cx="11353800" cy="3093154"/>
+            <a:off x="914400" y="14890046"/>
+            <a:ext cx="11430000" cy="3093154"/>
           </a:xfrm>
           <a:prstGeom prst="rect">
             <a:avLst/>
@@ -3825,7 +3825,7 @@
         </p:nvSpPr>
         <p:spPr bwMode="auto">
           <a:xfrm>
-            <a:off x="533400" y="13258800"/>
+            <a:off x="782637" y="13716000"/>
             <a:ext cx="10113963" cy="779462"/>
           </a:xfrm>
           <a:prstGeom prst="rect">
@@ -3870,8 +3870,8 @@
         </p:nvSpPr>
         <p:spPr>
           <a:xfrm>
-            <a:off x="31470600" y="27355800"/>
-            <a:ext cx="11345917" cy="1708160"/>
+            <a:off x="31470600" y="27623631"/>
+            <a:ext cx="11345917" cy="2246769"/>
           </a:xfrm>
           <a:prstGeom prst="rect">
             <a:avLst/>
@@ -3955,8 +3955,45 @@
                 </a:solidFill>
                 <a:latin typeface="Century Gothic" pitchFamily="34" charset="0"/>
               </a:rPr>
-              <a:t> of Northern Arizona University</a:t>
-            </a:r>
+              <a:t> of Northern Arizona </a:t>
+            </a:r>
+            <a:r>
+              <a:rPr lang="en-US" sz="3500" dirty="0" smtClean="0">
+                <a:solidFill>
+                  <a:schemeClr val="bg2">
+                    <a:lumMod val="75000"/>
+                  </a:schemeClr>
+                </a:solidFill>
+                <a:latin typeface="Century Gothic" pitchFamily="34" charset="0"/>
+              </a:rPr>
+              <a:t>University</a:t>
+            </a:r>
+          </a:p>
+          <a:p>
+            <a:pPr algn="l">
+              <a:spcBef>
+                <a:spcPts val="0"/>
+              </a:spcBef>
+            </a:pPr>
+            <a:r>
+              <a:rPr lang="en-US" sz="3500" dirty="0" smtClean="0">
+                <a:solidFill>
+                  <a:schemeClr val="bg2">
+                    <a:lumMod val="75000"/>
+                  </a:schemeClr>
+                </a:solidFill>
+                <a:latin typeface="Century Gothic" pitchFamily="34" charset="0"/>
+              </a:rPr>
+              <a:t>Test users</a:t>
+            </a:r>
+            <a:endParaRPr lang="en-US" sz="3500" dirty="0" smtClean="0">
+              <a:solidFill>
+                <a:schemeClr val="bg2">
+                  <a:lumMod val="75000"/>
+                </a:schemeClr>
+              </a:solidFill>
+              <a:latin typeface="Century Gothic" pitchFamily="34" charset="0"/>
+            </a:endParaRPr>
           </a:p>
         </p:txBody>
       </p:sp>
@@ -3982,7 +4019,7 @@
         </p:blipFill>
         <p:spPr>
           <a:xfrm>
-            <a:off x="6629400" y="11125200"/>
+            <a:off x="6477000" y="11430000"/>
             <a:ext cx="5410200" cy="990600"/>
           </a:xfrm>
           <a:prstGeom prst="rect">
@@ -3998,7 +4035,7 @@
         </p:nvGrpSpPr>
         <p:grpSpPr>
           <a:xfrm>
-            <a:off x="1143000" y="21259800"/>
+            <a:off x="1143000" y="21564600"/>
             <a:ext cx="11970245" cy="6176059"/>
             <a:chOff x="353573" y="2169508"/>
             <a:chExt cx="8454216" cy="4189940"/>
@@ -4908,7 +4945,7 @@
         </p:nvSpPr>
         <p:spPr bwMode="auto">
           <a:xfrm>
-            <a:off x="533400" y="18978265"/>
+            <a:off x="782637" y="19202400"/>
             <a:ext cx="10113963" cy="779462"/>
           </a:xfrm>
           <a:prstGeom prst="rect">
@@ -4953,7 +4990,7 @@
         </p:nvSpPr>
         <p:spPr>
           <a:xfrm>
-            <a:off x="533400" y="19943802"/>
+            <a:off x="838200" y="20172402"/>
             <a:ext cx="21031200" cy="553998"/>
           </a:xfrm>
           <a:prstGeom prst="rect">
@@ -4999,7 +5036,7 @@
         </p:nvSpPr>
         <p:spPr>
           <a:xfrm>
-            <a:off x="16383000" y="28270200"/>
+            <a:off x="16383000" y="28399026"/>
             <a:ext cx="10058400" cy="861774"/>
           </a:xfrm>
           <a:prstGeom prst="rect">
@@ -5054,7 +5091,7 @@
         </p:nvGrpSpPr>
         <p:grpSpPr>
           <a:xfrm>
-            <a:off x="16459200" y="21183600"/>
+            <a:off x="16459200" y="21336000"/>
             <a:ext cx="10210800" cy="6477000"/>
             <a:chOff x="1022633" y="1905000"/>
             <a:chExt cx="7299380" cy="4538209"/>
@@ -5646,7 +5683,7 @@
         </p:nvSpPr>
         <p:spPr>
           <a:xfrm>
-            <a:off x="2362200" y="28194000"/>
+            <a:off x="2362200" y="28399026"/>
             <a:ext cx="10058400" cy="861774"/>
           </a:xfrm>
           <a:prstGeom prst="rect">
@@ -5703,7 +5740,7 @@
         </p:nvSpPr>
         <p:spPr bwMode="auto">
           <a:xfrm>
-            <a:off x="30784800" y="6172200"/>
+            <a:off x="31013400" y="6400800"/>
             <a:ext cx="10113963" cy="779462"/>
           </a:xfrm>
           <a:prstGeom prst="rect">
@@ -5748,8 +5785,8 @@
         </p:nvSpPr>
         <p:spPr>
           <a:xfrm>
-            <a:off x="31394400" y="7505343"/>
-            <a:ext cx="11887200" cy="2400657"/>
+            <a:off x="31546800" y="7505343"/>
+            <a:ext cx="11430000" cy="1477328"/>
           </a:xfrm>
           <a:prstGeom prst="rect">
             <a:avLst/>
@@ -5775,17 +5812,8 @@
                 </a:solidFill>
                 <a:latin typeface="Century Gothic" pitchFamily="34" charset="0"/>
               </a:rPr>
-              <a:t>The following testing was performed for the localization functions:</a:t>
-            </a:r>
-          </a:p>
-          <a:p>
-            <a:pPr marL="914400" lvl="1" indent="-457200">
-              <a:spcBef>
-                <a:spcPts val="0"/>
-              </a:spcBef>
-              <a:buFont typeface="Arial" pitchFamily="34" charset="0"/>
-              <a:buChar char="•"/>
-            </a:pPr>
+              <a:t>The following </a:t>
+            </a:r>
             <a:r>
               <a:rPr lang="en-US" sz="3000" dirty="0" smtClean="0">
                 <a:solidFill>
@@ -5795,17 +5823,8 @@
                 </a:solidFill>
                 <a:latin typeface="Century Gothic" pitchFamily="34" charset="0"/>
               </a:rPr>
-              <a:t>Functional</a:t>
-            </a:r>
-          </a:p>
-          <a:p>
-            <a:pPr marL="914400" lvl="1" indent="-457200">
-              <a:spcBef>
-                <a:spcPts val="0"/>
-              </a:spcBef>
-              <a:buFont typeface="Arial" pitchFamily="34" charset="0"/>
-              <a:buChar char="•"/>
-            </a:pPr>
+              <a:t>was </a:t>
+            </a:r>
             <a:r>
               <a:rPr lang="en-US" sz="3000" dirty="0" smtClean="0">
                 <a:solidFill>
@@ -5815,7 +5834,7 @@
                 </a:solidFill>
                 <a:latin typeface="Century Gothic" pitchFamily="34" charset="0"/>
               </a:rPr>
-              <a:t>Timing</a:t>
+              <a:t>performed for the localization functions:</a:t>
             </a:r>
           </a:p>
           <a:p>
@@ -5835,624 +5854,39 @@
                 </a:solidFill>
                 <a:latin typeface="Century Gothic" pitchFamily="34" charset="0"/>
               </a:rPr>
-              <a:t>User</a:t>
+              <a:t>Unit Testing </a:t>
+            </a:r>
+            <a:endParaRPr lang="en-US" sz="3000" dirty="0" smtClean="0">
+              <a:solidFill>
+                <a:schemeClr val="bg2">
+                  <a:lumMod val="50000"/>
+                </a:schemeClr>
+              </a:solidFill>
+              <a:latin typeface="Century Gothic" pitchFamily="34" charset="0"/>
+            </a:endParaRPr>
+          </a:p>
+          <a:p>
+            <a:pPr marL="914400" lvl="1" indent="-457200">
+              <a:spcBef>
+                <a:spcPts val="0"/>
+              </a:spcBef>
+              <a:buFont typeface="Arial" pitchFamily="34" charset="0"/>
+              <a:buChar char="•"/>
+            </a:pPr>
+            <a:r>
+              <a:rPr lang="en-US" sz="3000" dirty="0" smtClean="0">
+                <a:solidFill>
+                  <a:schemeClr val="bg2">
+                    <a:lumMod val="50000"/>
+                  </a:schemeClr>
+                </a:solidFill>
+                <a:latin typeface="Century Gothic" pitchFamily="34" charset="0"/>
+              </a:rPr>
+              <a:t>User Testing</a:t>
             </a:r>
           </a:p>
         </p:txBody>
       </p:sp>
-      <p:graphicFrame>
-        <p:nvGraphicFramePr>
-          <p:cNvPr id="11" name="Table 10"/>
-          <p:cNvGraphicFramePr>
-            <a:graphicFrameLocks noGrp="1"/>
-          </p:cNvGraphicFramePr>
-          <p:nvPr>
-            <p:extLst>
-              <p:ext uri="{D42A27DB-BD31-4B8C-83A1-F6EECF244321}">
-                <p14:modId xmlns:p14="http://schemas.microsoft.com/office/powerpoint/2010/main" val="1710503943"/>
-              </p:ext>
-            </p:extLst>
-          </p:nvPr>
-        </p:nvGraphicFramePr>
-        <p:xfrm>
-          <a:off x="31470600" y="11582400"/>
-          <a:ext cx="11582403" cy="8046720"/>
-        </p:xfrm>
-        <a:graphic>
-          <a:graphicData uri="http://schemas.openxmlformats.org/drawingml/2006/table">
-            <a:tbl>
-              <a:tblPr firstRow="1" bandRow="1">
-                <a:tableStyleId>{EB344D84-9AFB-497E-A393-DC336BA19D2E}</a:tableStyleId>
-              </a:tblPr>
-              <a:tblGrid>
-                <a:gridCol w="1654629"/>
-                <a:gridCol w="1654629"/>
-                <a:gridCol w="1654629"/>
-                <a:gridCol w="1654629"/>
-                <a:gridCol w="1654629"/>
-                <a:gridCol w="1654629"/>
-                <a:gridCol w="1654629"/>
-              </a:tblGrid>
-              <a:tr h="1005840">
-                <a:tc>
-                  <a:txBody>
-                    <a:bodyPr/>
-                    <a:lstStyle/>
-                    <a:p>
-                      <a:endParaRPr lang="en-US" dirty="0"/>
-                    </a:p>
-                  </a:txBody>
-                  <a:tcPr/>
-                </a:tc>
-                <a:tc>
-                  <a:txBody>
-                    <a:bodyPr/>
-                    <a:lstStyle/>
-                    <a:p>
-                      <a:endParaRPr lang="en-US" dirty="0"/>
-                    </a:p>
-                  </a:txBody>
-                  <a:tcPr/>
-                </a:tc>
-                <a:tc>
-                  <a:txBody>
-                    <a:bodyPr/>
-                    <a:lstStyle/>
-                    <a:p>
-                      <a:endParaRPr lang="en-US" dirty="0"/>
-                    </a:p>
-                  </a:txBody>
-                  <a:tcPr/>
-                </a:tc>
-                <a:tc>
-                  <a:txBody>
-                    <a:bodyPr/>
-                    <a:lstStyle/>
-                    <a:p>
-                      <a:endParaRPr lang="en-US"/>
-                    </a:p>
-                  </a:txBody>
-                  <a:tcPr/>
-                </a:tc>
-                <a:tc>
-                  <a:txBody>
-                    <a:bodyPr/>
-                    <a:lstStyle/>
-                    <a:p>
-                      <a:endParaRPr lang="en-US" dirty="0"/>
-                    </a:p>
-                  </a:txBody>
-                  <a:tcPr/>
-                </a:tc>
-                <a:tc>
-                  <a:txBody>
-                    <a:bodyPr/>
-                    <a:lstStyle/>
-                    <a:p>
-                      <a:endParaRPr lang="en-US" dirty="0"/>
-                    </a:p>
-                  </a:txBody>
-                  <a:tcPr/>
-                </a:tc>
-                <a:tc>
-                  <a:txBody>
-                    <a:bodyPr/>
-                    <a:lstStyle/>
-                    <a:p>
-                      <a:endParaRPr lang="en-US"/>
-                    </a:p>
-                  </a:txBody>
-                  <a:tcPr/>
-                </a:tc>
-              </a:tr>
-              <a:tr h="1005840">
-                <a:tc>
-                  <a:txBody>
-                    <a:bodyPr/>
-                    <a:lstStyle/>
-                    <a:p>
-                      <a:endParaRPr lang="en-US" dirty="0"/>
-                    </a:p>
-                  </a:txBody>
-                  <a:tcPr/>
-                </a:tc>
-                <a:tc>
-                  <a:txBody>
-                    <a:bodyPr/>
-                    <a:lstStyle/>
-                    <a:p>
-                      <a:endParaRPr lang="en-US" dirty="0"/>
-                    </a:p>
-                  </a:txBody>
-                  <a:tcPr/>
-                </a:tc>
-                <a:tc>
-                  <a:txBody>
-                    <a:bodyPr/>
-                    <a:lstStyle/>
-                    <a:p>
-                      <a:endParaRPr lang="en-US"/>
-                    </a:p>
-                  </a:txBody>
-                  <a:tcPr/>
-                </a:tc>
-                <a:tc>
-                  <a:txBody>
-                    <a:bodyPr/>
-                    <a:lstStyle/>
-                    <a:p>
-                      <a:endParaRPr lang="en-US" dirty="0"/>
-                    </a:p>
-                  </a:txBody>
-                  <a:tcPr/>
-                </a:tc>
-                <a:tc>
-                  <a:txBody>
-                    <a:bodyPr/>
-                    <a:lstStyle/>
-                    <a:p>
-                      <a:endParaRPr lang="en-US" dirty="0"/>
-                    </a:p>
-                  </a:txBody>
-                  <a:tcPr/>
-                </a:tc>
-                <a:tc>
-                  <a:txBody>
-                    <a:bodyPr/>
-                    <a:lstStyle/>
-                    <a:p>
-                      <a:endParaRPr lang="en-US" dirty="0"/>
-                    </a:p>
-                  </a:txBody>
-                  <a:tcPr/>
-                </a:tc>
-                <a:tc>
-                  <a:txBody>
-                    <a:bodyPr/>
-                    <a:lstStyle/>
-                    <a:p>
-                      <a:endParaRPr lang="en-US"/>
-                    </a:p>
-                  </a:txBody>
-                  <a:tcPr/>
-                </a:tc>
-              </a:tr>
-              <a:tr h="1005840">
-                <a:tc>
-                  <a:txBody>
-                    <a:bodyPr/>
-                    <a:lstStyle/>
-                    <a:p>
-                      <a:endParaRPr lang="en-US" dirty="0"/>
-                    </a:p>
-                  </a:txBody>
-                  <a:tcPr/>
-                </a:tc>
-                <a:tc>
-                  <a:txBody>
-                    <a:bodyPr/>
-                    <a:lstStyle/>
-                    <a:p>
-                      <a:endParaRPr lang="en-US"/>
-                    </a:p>
-                  </a:txBody>
-                  <a:tcPr/>
-                </a:tc>
-                <a:tc>
-                  <a:txBody>
-                    <a:bodyPr/>
-                    <a:lstStyle/>
-                    <a:p>
-                      <a:endParaRPr lang="en-US"/>
-                    </a:p>
-                  </a:txBody>
-                  <a:tcPr/>
-                </a:tc>
-                <a:tc>
-                  <a:txBody>
-                    <a:bodyPr/>
-                    <a:lstStyle/>
-                    <a:p>
-                      <a:endParaRPr lang="en-US"/>
-                    </a:p>
-                  </a:txBody>
-                  <a:tcPr/>
-                </a:tc>
-                <a:tc>
-                  <a:txBody>
-                    <a:bodyPr/>
-                    <a:lstStyle/>
-                    <a:p>
-                      <a:endParaRPr lang="en-US"/>
-                    </a:p>
-                  </a:txBody>
-                  <a:tcPr/>
-                </a:tc>
-                <a:tc>
-                  <a:txBody>
-                    <a:bodyPr/>
-                    <a:lstStyle/>
-                    <a:p>
-                      <a:endParaRPr lang="en-US" dirty="0"/>
-                    </a:p>
-                  </a:txBody>
-                  <a:tcPr/>
-                </a:tc>
-                <a:tc>
-                  <a:txBody>
-                    <a:bodyPr/>
-                    <a:lstStyle/>
-                    <a:p>
-                      <a:endParaRPr lang="en-US" dirty="0"/>
-                    </a:p>
-                  </a:txBody>
-                  <a:tcPr/>
-                </a:tc>
-              </a:tr>
-              <a:tr h="1005840">
-                <a:tc>
-                  <a:txBody>
-                    <a:bodyPr/>
-                    <a:lstStyle/>
-                    <a:p>
-                      <a:endParaRPr lang="en-US"/>
-                    </a:p>
-                  </a:txBody>
-                  <a:tcPr/>
-                </a:tc>
-                <a:tc>
-                  <a:txBody>
-                    <a:bodyPr/>
-                    <a:lstStyle/>
-                    <a:p>
-                      <a:endParaRPr lang="en-US"/>
-                    </a:p>
-                  </a:txBody>
-                  <a:tcPr/>
-                </a:tc>
-                <a:tc>
-                  <a:txBody>
-                    <a:bodyPr/>
-                    <a:lstStyle/>
-                    <a:p>
-                      <a:endParaRPr lang="en-US"/>
-                    </a:p>
-                  </a:txBody>
-                  <a:tcPr/>
-                </a:tc>
-                <a:tc>
-                  <a:txBody>
-                    <a:bodyPr/>
-                    <a:lstStyle/>
-                    <a:p>
-                      <a:endParaRPr lang="en-US"/>
-                    </a:p>
-                  </a:txBody>
-                  <a:tcPr/>
-                </a:tc>
-                <a:tc>
-                  <a:txBody>
-                    <a:bodyPr/>
-                    <a:lstStyle/>
-                    <a:p>
-                      <a:endParaRPr lang="en-US"/>
-                    </a:p>
-                  </a:txBody>
-                  <a:tcPr/>
-                </a:tc>
-                <a:tc>
-                  <a:txBody>
-                    <a:bodyPr/>
-                    <a:lstStyle/>
-                    <a:p>
-                      <a:endParaRPr lang="en-US" dirty="0"/>
-                    </a:p>
-                  </a:txBody>
-                  <a:tcPr/>
-                </a:tc>
-                <a:tc>
-                  <a:txBody>
-                    <a:bodyPr/>
-                    <a:lstStyle/>
-                    <a:p>
-                      <a:endParaRPr lang="en-US" dirty="0"/>
-                    </a:p>
-                  </a:txBody>
-                  <a:tcPr/>
-                </a:tc>
-              </a:tr>
-              <a:tr h="1005840">
-                <a:tc>
-                  <a:txBody>
-                    <a:bodyPr/>
-                    <a:lstStyle/>
-                    <a:p>
-                      <a:endParaRPr lang="en-US"/>
-                    </a:p>
-                  </a:txBody>
-                  <a:tcPr/>
-                </a:tc>
-                <a:tc>
-                  <a:txBody>
-                    <a:bodyPr/>
-                    <a:lstStyle/>
-                    <a:p>
-                      <a:endParaRPr lang="en-US"/>
-                    </a:p>
-                  </a:txBody>
-                  <a:tcPr/>
-                </a:tc>
-                <a:tc>
-                  <a:txBody>
-                    <a:bodyPr/>
-                    <a:lstStyle/>
-                    <a:p>
-                      <a:endParaRPr lang="en-US" dirty="0"/>
-                    </a:p>
-                  </a:txBody>
-                  <a:tcPr/>
-                </a:tc>
-                <a:tc>
-                  <a:txBody>
-                    <a:bodyPr/>
-                    <a:lstStyle/>
-                    <a:p>
-                      <a:endParaRPr lang="en-US" dirty="0"/>
-                    </a:p>
-                  </a:txBody>
-                  <a:tcPr/>
-                </a:tc>
-                <a:tc>
-                  <a:txBody>
-                    <a:bodyPr/>
-                    <a:lstStyle/>
-                    <a:p>
-                      <a:endParaRPr lang="en-US"/>
-                    </a:p>
-                  </a:txBody>
-                  <a:tcPr/>
-                </a:tc>
-                <a:tc>
-                  <a:txBody>
-                    <a:bodyPr/>
-                    <a:lstStyle/>
-                    <a:p>
-                      <a:endParaRPr lang="en-US"/>
-                    </a:p>
-                  </a:txBody>
-                  <a:tcPr/>
-                </a:tc>
-                <a:tc>
-                  <a:txBody>
-                    <a:bodyPr/>
-                    <a:lstStyle/>
-                    <a:p>
-                      <a:endParaRPr lang="en-US" dirty="0"/>
-                    </a:p>
-                  </a:txBody>
-                  <a:tcPr/>
-                </a:tc>
-              </a:tr>
-              <a:tr h="1005840">
-                <a:tc>
-                  <a:txBody>
-                    <a:bodyPr/>
-                    <a:lstStyle/>
-                    <a:p>
-                      <a:endParaRPr lang="en-US"/>
-                    </a:p>
-                  </a:txBody>
-                  <a:tcPr/>
-                </a:tc>
-                <a:tc>
-                  <a:txBody>
-                    <a:bodyPr/>
-                    <a:lstStyle/>
-                    <a:p>
-                      <a:endParaRPr lang="en-US"/>
-                    </a:p>
-                  </a:txBody>
-                  <a:tcPr/>
-                </a:tc>
-                <a:tc>
-                  <a:txBody>
-                    <a:bodyPr/>
-                    <a:lstStyle/>
-                    <a:p>
-                      <a:endParaRPr lang="en-US" dirty="0"/>
-                    </a:p>
-                  </a:txBody>
-                  <a:tcPr/>
-                </a:tc>
-                <a:tc>
-                  <a:txBody>
-                    <a:bodyPr/>
-                    <a:lstStyle/>
-                    <a:p>
-                      <a:endParaRPr lang="en-US" dirty="0"/>
-                    </a:p>
-                  </a:txBody>
-                  <a:tcPr/>
-                </a:tc>
-                <a:tc>
-                  <a:txBody>
-                    <a:bodyPr/>
-                    <a:lstStyle/>
-                    <a:p>
-                      <a:endParaRPr lang="en-US"/>
-                    </a:p>
-                  </a:txBody>
-                  <a:tcPr/>
-                </a:tc>
-                <a:tc>
-                  <a:txBody>
-                    <a:bodyPr/>
-                    <a:lstStyle/>
-                    <a:p>
-                      <a:endParaRPr lang="en-US"/>
-                    </a:p>
-                  </a:txBody>
-                  <a:tcPr/>
-                </a:tc>
-                <a:tc>
-                  <a:txBody>
-                    <a:bodyPr/>
-                    <a:lstStyle/>
-                    <a:p>
-                      <a:endParaRPr lang="en-US" dirty="0"/>
-                    </a:p>
-                  </a:txBody>
-                  <a:tcPr/>
-                </a:tc>
-              </a:tr>
-              <a:tr h="1005840">
-                <a:tc>
-                  <a:txBody>
-                    <a:bodyPr/>
-                    <a:lstStyle/>
-                    <a:p>
-                      <a:endParaRPr lang="en-US"/>
-                    </a:p>
-                  </a:txBody>
-                  <a:tcPr/>
-                </a:tc>
-                <a:tc>
-                  <a:txBody>
-                    <a:bodyPr/>
-                    <a:lstStyle/>
-                    <a:p>
-                      <a:endParaRPr lang="en-US"/>
-                    </a:p>
-                  </a:txBody>
-                  <a:tcPr/>
-                </a:tc>
-                <a:tc>
-                  <a:txBody>
-                    <a:bodyPr/>
-                    <a:lstStyle/>
-                    <a:p>
-                      <a:endParaRPr lang="en-US" dirty="0"/>
-                    </a:p>
-                  </a:txBody>
-                  <a:tcPr/>
-                </a:tc>
-                <a:tc>
-                  <a:txBody>
-                    <a:bodyPr/>
-                    <a:lstStyle/>
-                    <a:p>
-                      <a:endParaRPr lang="en-US"/>
-                    </a:p>
-                  </a:txBody>
-                  <a:tcPr/>
-                </a:tc>
-                <a:tc>
-                  <a:txBody>
-                    <a:bodyPr/>
-                    <a:lstStyle/>
-                    <a:p>
-                      <a:endParaRPr lang="en-US"/>
-                    </a:p>
-                  </a:txBody>
-                  <a:tcPr/>
-                </a:tc>
-                <a:tc>
-                  <a:txBody>
-                    <a:bodyPr/>
-                    <a:lstStyle/>
-                    <a:p>
-                      <a:endParaRPr lang="en-US"/>
-                    </a:p>
-                  </a:txBody>
-                  <a:tcPr/>
-                </a:tc>
-                <a:tc>
-                  <a:txBody>
-                    <a:bodyPr/>
-                    <a:lstStyle/>
-                    <a:p>
-                      <a:endParaRPr lang="en-US" dirty="0"/>
-                    </a:p>
-                  </a:txBody>
-                  <a:tcPr/>
-                </a:tc>
-              </a:tr>
-              <a:tr h="1005840">
-                <a:tc>
-                  <a:txBody>
-                    <a:bodyPr/>
-                    <a:lstStyle/>
-                    <a:p>
-                      <a:endParaRPr lang="en-US"/>
-                    </a:p>
-                  </a:txBody>
-                  <a:tcPr/>
-                </a:tc>
-                <a:tc>
-                  <a:txBody>
-                    <a:bodyPr/>
-                    <a:lstStyle/>
-                    <a:p>
-                      <a:endParaRPr lang="en-US"/>
-                    </a:p>
-                  </a:txBody>
-                  <a:tcPr/>
-                </a:tc>
-                <a:tc>
-                  <a:txBody>
-                    <a:bodyPr/>
-                    <a:lstStyle/>
-                    <a:p>
-                      <a:endParaRPr lang="en-US" dirty="0"/>
-                    </a:p>
-                  </a:txBody>
-                  <a:tcPr/>
-                </a:tc>
-                <a:tc>
-                  <a:txBody>
-                    <a:bodyPr/>
-                    <a:lstStyle/>
-                    <a:p>
-                      <a:endParaRPr lang="en-US"/>
-                    </a:p>
-                  </a:txBody>
-                  <a:tcPr/>
-                </a:tc>
-                <a:tc>
-                  <a:txBody>
-                    <a:bodyPr/>
-                    <a:lstStyle/>
-                    <a:p>
-                      <a:endParaRPr lang="en-US"/>
-                    </a:p>
-                  </a:txBody>
-                  <a:tcPr/>
-                </a:tc>
-                <a:tc>
-                  <a:txBody>
-                    <a:bodyPr/>
-                    <a:lstStyle/>
-                    <a:p>
-                      <a:endParaRPr lang="en-US" dirty="0"/>
-                    </a:p>
-                  </a:txBody>
-                  <a:tcPr/>
-                </a:tc>
-                <a:tc>
-                  <a:txBody>
-                    <a:bodyPr/>
-                    <a:lstStyle/>
-                    <a:p>
-                      <a:endParaRPr lang="en-US" dirty="0"/>
-                    </a:p>
-                  </a:txBody>
-                  <a:tcPr/>
-                </a:tc>
-              </a:tr>
-            </a:tbl>
-          </a:graphicData>
-        </a:graphic>
-      </p:graphicFrame>
       <p:sp>
         <p:nvSpPr>
           <p:cNvPr id="12" name="Rectangle 11"/>
@@ -6461,8 +5895,8 @@
         </p:nvSpPr>
         <p:spPr>
           <a:xfrm>
-            <a:off x="15240000" y="18669000"/>
-            <a:ext cx="13564894" cy="523220"/>
+            <a:off x="15087600" y="17602200"/>
+            <a:ext cx="13944600" cy="1384995"/>
           </a:xfrm>
           <a:prstGeom prst="rect">
             <a:avLst/>
@@ -6474,7 +5908,6 @@
           </a:bodyPr>
           <a:lstStyle/>
           <a:p>
-            <a:pPr algn="l"/>
             <a:r>
               <a:rPr lang="en-US" b="1" dirty="0" smtClean="0">
                 <a:solidFill>
@@ -6495,7 +5928,18 @@
                 </a:solidFill>
                 <a:latin typeface="Century Gothic" pitchFamily="34" charset="0"/>
               </a:rPr>
-              <a:t>: Caption goes here for both phones.</a:t>
+              <a:t>: </a:t>
+            </a:r>
+            <a:r>
+              <a:rPr lang="en-US" dirty="0" smtClean="0">
+                <a:solidFill>
+                  <a:schemeClr val="bg2">
+                    <a:lumMod val="50000"/>
+                  </a:schemeClr>
+                </a:solidFill>
+                <a:latin typeface="Century Gothic" pitchFamily="34" charset="0"/>
+              </a:rPr>
+              <a:t>The left image shows an iPhone screenshot of the home page of the merchant app.  The right image shows an Android screenshot of the merchant map page of the customer app. </a:t>
             </a:r>
             <a:endParaRPr lang="en-US" dirty="0">
               <a:solidFill>
@@ -6510,26 +5954,3375 @@
       </p:sp>
       <p:sp>
         <p:nvSpPr>
-          <p:cNvPr id="13" name="Rectangle 12"/>
+          <p:cNvPr id="71" name="Rectangle 48"/>
+          <p:cNvSpPr>
+            <a:spLocks noChangeArrowheads="1"/>
+          </p:cNvSpPr>
+          <p:nvPr/>
+        </p:nvSpPr>
+        <p:spPr bwMode="auto">
+          <a:xfrm>
+            <a:off x="30957837" y="19202400"/>
+            <a:ext cx="10113963" cy="779462"/>
+          </a:xfrm>
+          <a:prstGeom prst="rect">
+            <a:avLst/>
+          </a:prstGeom>
+          <a:noFill/>
+          <a:ln w="12700">
+            <a:noFill/>
+            <a:miter lim="800000"/>
+            <a:headEnd/>
+            <a:tailEnd/>
+          </a:ln>
+        </p:spPr>
+        <p:txBody>
+          <a:bodyPr wrap="none" lIns="90488" tIns="44450" rIns="90488" bIns="44450" anchor="ctr"/>
+          <a:lstStyle/>
+          <a:p>
+            <a:pPr algn="l">
+              <a:spcBef>
+                <a:spcPct val="0"/>
+              </a:spcBef>
+            </a:pPr>
+            <a:r>
+              <a:rPr lang="en-US" sz="5500" b="1" dirty="0" smtClean="0">
+                <a:latin typeface="Lucida Sans" pitchFamily="34" charset="0"/>
+                <a:cs typeface="Lucida Sans" pitchFamily="34" charset="0"/>
+              </a:rPr>
+              <a:t>Statistics</a:t>
+            </a:r>
+            <a:endParaRPr lang="en-US" sz="5500" b="1" dirty="0">
+              <a:latin typeface="Lucida Sans" pitchFamily="34" charset="0"/>
+              <a:cs typeface="Lucida Sans" pitchFamily="34" charset="0"/>
+            </a:endParaRPr>
+          </a:p>
+        </p:txBody>
+      </p:sp>
+      <p:graphicFrame>
+        <p:nvGraphicFramePr>
+          <p:cNvPr id="4" name="Table 3"/>
+          <p:cNvGraphicFramePr>
+            <a:graphicFrameLocks noGrp="1"/>
+          </p:cNvGraphicFramePr>
+          <p:nvPr>
+            <p:extLst>
+              <p:ext uri="{D42A27DB-BD31-4B8C-83A1-F6EECF244321}">
+                <p14:modId xmlns:p14="http://schemas.microsoft.com/office/powerpoint/2010/main" val="1107306011"/>
+              </p:ext>
+            </p:extLst>
+          </p:nvPr>
+        </p:nvGraphicFramePr>
+        <p:xfrm>
+          <a:off x="31394400" y="21366480"/>
+          <a:ext cx="11430000" cy="3779520"/>
+        </p:xfrm>
+        <a:graphic>
+          <a:graphicData uri="http://schemas.openxmlformats.org/drawingml/2006/table">
+            <a:tbl>
+              <a:tblPr firstRow="1" bandRow="1">
+                <a:tableStyleId>{9D7B26C5-4107-4FEC-AEDC-1716B250A1EF}</a:tableStyleId>
+              </a:tblPr>
+              <a:tblGrid>
+                <a:gridCol w="2743200"/>
+                <a:gridCol w="2171700"/>
+                <a:gridCol w="2171700"/>
+                <a:gridCol w="2171700"/>
+                <a:gridCol w="2171700"/>
+              </a:tblGrid>
+              <a:tr h="452120">
+                <a:tc rowSpan="2">
+                  <a:txBody>
+                    <a:bodyPr/>
+                    <a:lstStyle/>
+                    <a:p>
+                      <a:pPr algn="ctr"/>
+                      <a:r>
+                        <a:rPr lang="en-US" sz="2500" b="1" dirty="0" smtClean="0">
+                          <a:latin typeface="Century Gothic" pitchFamily="34" charset="0"/>
+                        </a:rPr>
+                        <a:t>Action</a:t>
+                      </a:r>
+                      <a:endParaRPr lang="en-US" sz="2500" b="1" dirty="0">
+                        <a:solidFill>
+                          <a:schemeClr val="bg2">
+                            <a:lumMod val="50000"/>
+                          </a:schemeClr>
+                        </a:solidFill>
+                        <a:latin typeface="Century Gothic" pitchFamily="34" charset="0"/>
+                      </a:endParaRPr>
+                    </a:p>
+                  </a:txBody>
+                  <a:tcPr anchor="ctr">
+                    <a:lnL w="12700" cap="flat" cmpd="sng" algn="ctr">
+                      <a:solidFill>
+                        <a:schemeClr val="tx1">
+                          <a:lumMod val="50000"/>
+                          <a:lumOff val="50000"/>
+                        </a:schemeClr>
+                      </a:solidFill>
+                      <a:prstDash val="solid"/>
+                      <a:round/>
+                      <a:headEnd type="none" w="med" len="med"/>
+                      <a:tailEnd type="none" w="med" len="med"/>
+                    </a:lnL>
+                    <a:lnR w="12700" cap="flat" cmpd="sng" algn="ctr">
+                      <a:solidFill>
+                        <a:schemeClr val="tx1">
+                          <a:lumMod val="50000"/>
+                          <a:lumOff val="50000"/>
+                        </a:schemeClr>
+                      </a:solidFill>
+                      <a:prstDash val="solid"/>
+                      <a:round/>
+                      <a:headEnd type="none" w="med" len="med"/>
+                      <a:tailEnd type="none" w="med" len="med"/>
+                    </a:lnR>
+                    <a:lnT w="12700" cap="flat" cmpd="sng" algn="ctr">
+                      <a:solidFill>
+                        <a:schemeClr val="tx1">
+                          <a:lumMod val="50000"/>
+                          <a:lumOff val="50000"/>
+                        </a:schemeClr>
+                      </a:solidFill>
+                      <a:prstDash val="solid"/>
+                      <a:round/>
+                      <a:headEnd type="none" w="med" len="med"/>
+                      <a:tailEnd type="none" w="med" len="med"/>
+                    </a:lnT>
+                    <a:lnB w="12700" cap="flat" cmpd="sng" algn="ctr">
+                      <a:solidFill>
+                        <a:schemeClr val="tx1">
+                          <a:lumMod val="50000"/>
+                          <a:lumOff val="50000"/>
+                        </a:schemeClr>
+                      </a:solidFill>
+                      <a:prstDash val="solid"/>
+                      <a:round/>
+                      <a:headEnd type="none" w="med" len="med"/>
+                      <a:tailEnd type="none" w="med" len="med"/>
+                    </a:lnB>
+                    <a:lnTlToBr w="12700" cmpd="sng">
+                      <a:noFill/>
+                      <a:prstDash val="solid"/>
+                    </a:lnTlToBr>
+                    <a:lnBlToTr w="12700" cmpd="sng">
+                      <a:noFill/>
+                      <a:prstDash val="solid"/>
+                    </a:lnBlToTr>
+                    <a:noFill/>
+                  </a:tcPr>
+                </a:tc>
+                <a:tc gridSpan="2">
+                  <a:txBody>
+                    <a:bodyPr/>
+                    <a:lstStyle/>
+                    <a:p>
+                      <a:pPr algn="ctr"/>
+                      <a:r>
+                        <a:rPr lang="en-US" sz="2500" b="1" dirty="0" smtClean="0">
+                          <a:latin typeface="Century Gothic" pitchFamily="34" charset="0"/>
+                        </a:rPr>
+                        <a:t>Android</a:t>
+                      </a:r>
+                      <a:endParaRPr lang="en-US" sz="2500" b="1" dirty="0">
+                        <a:solidFill>
+                          <a:schemeClr val="bg2">
+                            <a:lumMod val="50000"/>
+                          </a:schemeClr>
+                        </a:solidFill>
+                        <a:latin typeface="Century Gothic" pitchFamily="34" charset="0"/>
+                      </a:endParaRPr>
+                    </a:p>
+                  </a:txBody>
+                  <a:tcPr anchor="ctr">
+                    <a:lnL w="12700" cap="flat" cmpd="sng" algn="ctr">
+                      <a:solidFill>
+                        <a:schemeClr val="tx1">
+                          <a:lumMod val="50000"/>
+                          <a:lumOff val="50000"/>
+                        </a:schemeClr>
+                      </a:solidFill>
+                      <a:prstDash val="solid"/>
+                      <a:round/>
+                      <a:headEnd type="none" w="med" len="med"/>
+                      <a:tailEnd type="none" w="med" len="med"/>
+                    </a:lnL>
+                    <a:lnR w="12700" cap="flat" cmpd="sng" algn="ctr">
+                      <a:solidFill>
+                        <a:schemeClr val="tx1">
+                          <a:lumMod val="50000"/>
+                          <a:lumOff val="50000"/>
+                        </a:schemeClr>
+                      </a:solidFill>
+                      <a:prstDash val="solid"/>
+                      <a:round/>
+                      <a:headEnd type="none" w="med" len="med"/>
+                      <a:tailEnd type="none" w="med" len="med"/>
+                    </a:lnR>
+                    <a:lnT w="12700" cap="flat" cmpd="sng" algn="ctr">
+                      <a:solidFill>
+                        <a:schemeClr val="tx1">
+                          <a:lumMod val="50000"/>
+                          <a:lumOff val="50000"/>
+                        </a:schemeClr>
+                      </a:solidFill>
+                      <a:prstDash val="solid"/>
+                      <a:round/>
+                      <a:headEnd type="none" w="med" len="med"/>
+                      <a:tailEnd type="none" w="med" len="med"/>
+                    </a:lnT>
+                    <a:lnB w="12700" cap="flat" cmpd="sng" algn="ctr">
+                      <a:solidFill>
+                        <a:schemeClr val="tx1">
+                          <a:lumMod val="50000"/>
+                          <a:lumOff val="50000"/>
+                        </a:schemeClr>
+                      </a:solidFill>
+                      <a:prstDash val="solid"/>
+                      <a:round/>
+                      <a:headEnd type="none" w="med" len="med"/>
+                      <a:tailEnd type="none" w="med" len="med"/>
+                    </a:lnB>
+                  </a:tcPr>
+                </a:tc>
+                <a:tc hMerge="1">
+                  <a:txBody>
+                    <a:bodyPr/>
+                    <a:lstStyle/>
+                    <a:p>
+                      <a:endParaRPr lang="en-US" sz="3000" dirty="0">
+                        <a:solidFill>
+                          <a:schemeClr val="bg2">
+                            <a:lumMod val="50000"/>
+                          </a:schemeClr>
+                        </a:solidFill>
+                        <a:latin typeface="Century Gothic" pitchFamily="34" charset="0"/>
+                      </a:endParaRPr>
+                    </a:p>
+                  </a:txBody>
+                  <a:tcPr>
+                    <a:lnL w="12700" cap="flat" cmpd="sng" algn="ctr">
+                      <a:solidFill>
+                        <a:schemeClr val="tx1"/>
+                      </a:solidFill>
+                      <a:prstDash val="solid"/>
+                      <a:round/>
+                      <a:headEnd type="none" w="med" len="med"/>
+                      <a:tailEnd type="none" w="med" len="med"/>
+                    </a:lnL>
+                    <a:lnR w="12700" cap="flat" cmpd="sng" algn="ctr">
+                      <a:solidFill>
+                        <a:schemeClr val="tx1"/>
+                      </a:solidFill>
+                      <a:prstDash val="solid"/>
+                      <a:round/>
+                      <a:headEnd type="none" w="med" len="med"/>
+                      <a:tailEnd type="none" w="med" len="med"/>
+                    </a:lnR>
+                    <a:lnT w="12700" cap="flat" cmpd="sng" algn="ctr">
+                      <a:solidFill>
+                        <a:schemeClr val="tx1"/>
+                      </a:solidFill>
+                      <a:prstDash val="solid"/>
+                      <a:round/>
+                      <a:headEnd type="none" w="med" len="med"/>
+                      <a:tailEnd type="none" w="med" len="med"/>
+                    </a:lnT>
+                    <a:lnB w="12700" cap="flat" cmpd="sng" algn="ctr">
+                      <a:solidFill>
+                        <a:schemeClr val="tx1"/>
+                      </a:solidFill>
+                      <a:prstDash val="solid"/>
+                      <a:round/>
+                      <a:headEnd type="none" w="med" len="med"/>
+                      <a:tailEnd type="none" w="med" len="med"/>
+                    </a:lnB>
+                    <a:noFill/>
+                  </a:tcPr>
+                </a:tc>
+                <a:tc gridSpan="2">
+                  <a:txBody>
+                    <a:bodyPr/>
+                    <a:lstStyle/>
+                    <a:p>
+                      <a:pPr algn="ctr"/>
+                      <a:r>
+                        <a:rPr lang="en-US" sz="2500" b="1" dirty="0" smtClean="0">
+                          <a:latin typeface="Century Gothic" pitchFamily="34" charset="0"/>
+                        </a:rPr>
+                        <a:t>iPhone</a:t>
+                      </a:r>
+                      <a:endParaRPr lang="en-US" sz="2500" b="1" dirty="0">
+                        <a:solidFill>
+                          <a:schemeClr val="bg2">
+                            <a:lumMod val="50000"/>
+                          </a:schemeClr>
+                        </a:solidFill>
+                        <a:latin typeface="Century Gothic" pitchFamily="34" charset="0"/>
+                      </a:endParaRPr>
+                    </a:p>
+                  </a:txBody>
+                  <a:tcPr anchor="ctr">
+                    <a:lnL w="12700" cap="flat" cmpd="sng" algn="ctr">
+                      <a:solidFill>
+                        <a:schemeClr val="tx1">
+                          <a:lumMod val="50000"/>
+                          <a:lumOff val="50000"/>
+                        </a:schemeClr>
+                      </a:solidFill>
+                      <a:prstDash val="solid"/>
+                      <a:round/>
+                      <a:headEnd type="none" w="med" len="med"/>
+                      <a:tailEnd type="none" w="med" len="med"/>
+                    </a:lnL>
+                    <a:lnR w="12700" cap="flat" cmpd="sng" algn="ctr">
+                      <a:solidFill>
+                        <a:schemeClr val="tx1">
+                          <a:lumMod val="50000"/>
+                          <a:lumOff val="50000"/>
+                        </a:schemeClr>
+                      </a:solidFill>
+                      <a:prstDash val="solid"/>
+                      <a:round/>
+                      <a:headEnd type="none" w="med" len="med"/>
+                      <a:tailEnd type="none" w="med" len="med"/>
+                    </a:lnR>
+                    <a:lnT w="12700" cap="flat" cmpd="sng" algn="ctr">
+                      <a:solidFill>
+                        <a:schemeClr val="tx1">
+                          <a:lumMod val="50000"/>
+                          <a:lumOff val="50000"/>
+                        </a:schemeClr>
+                      </a:solidFill>
+                      <a:prstDash val="solid"/>
+                      <a:round/>
+                      <a:headEnd type="none" w="med" len="med"/>
+                      <a:tailEnd type="none" w="med" len="med"/>
+                    </a:lnT>
+                    <a:lnB w="12700" cap="flat" cmpd="sng" algn="ctr">
+                      <a:solidFill>
+                        <a:schemeClr val="tx1">
+                          <a:lumMod val="50000"/>
+                          <a:lumOff val="50000"/>
+                        </a:schemeClr>
+                      </a:solidFill>
+                      <a:prstDash val="solid"/>
+                      <a:round/>
+                      <a:headEnd type="none" w="med" len="med"/>
+                      <a:tailEnd type="none" w="med" len="med"/>
+                    </a:lnB>
+                  </a:tcPr>
+                </a:tc>
+                <a:tc hMerge="1">
+                  <a:txBody>
+                    <a:bodyPr/>
+                    <a:lstStyle/>
+                    <a:p>
+                      <a:endParaRPr lang="en-US" sz="3000" dirty="0">
+                        <a:solidFill>
+                          <a:schemeClr val="bg2">
+                            <a:lumMod val="50000"/>
+                          </a:schemeClr>
+                        </a:solidFill>
+                        <a:latin typeface="Century Gothic" pitchFamily="34" charset="0"/>
+                      </a:endParaRPr>
+                    </a:p>
+                  </a:txBody>
+                  <a:tcPr>
+                    <a:lnL w="12700" cap="flat" cmpd="sng" algn="ctr">
+                      <a:solidFill>
+                        <a:schemeClr val="tx1"/>
+                      </a:solidFill>
+                      <a:prstDash val="solid"/>
+                      <a:round/>
+                      <a:headEnd type="none" w="med" len="med"/>
+                      <a:tailEnd type="none" w="med" len="med"/>
+                    </a:lnL>
+                    <a:lnR w="12700" cap="flat" cmpd="sng" algn="ctr">
+                      <a:solidFill>
+                        <a:schemeClr val="tx1"/>
+                      </a:solidFill>
+                      <a:prstDash val="solid"/>
+                      <a:round/>
+                      <a:headEnd type="none" w="med" len="med"/>
+                      <a:tailEnd type="none" w="med" len="med"/>
+                    </a:lnR>
+                    <a:lnT w="12700" cap="flat" cmpd="sng" algn="ctr">
+                      <a:solidFill>
+                        <a:schemeClr val="tx1"/>
+                      </a:solidFill>
+                      <a:prstDash val="solid"/>
+                      <a:round/>
+                      <a:headEnd type="none" w="med" len="med"/>
+                      <a:tailEnd type="none" w="med" len="med"/>
+                    </a:lnT>
+                    <a:lnB w="12700" cap="flat" cmpd="sng" algn="ctr">
+                      <a:solidFill>
+                        <a:schemeClr val="tx1"/>
+                      </a:solidFill>
+                      <a:prstDash val="solid"/>
+                      <a:round/>
+                      <a:headEnd type="none" w="med" len="med"/>
+                      <a:tailEnd type="none" w="med" len="med"/>
+                    </a:lnB>
+                    <a:noFill/>
+                  </a:tcPr>
+                </a:tc>
+              </a:tr>
+              <a:tr h="452120">
+                <a:tc vMerge="1">
+                  <a:txBody>
+                    <a:bodyPr/>
+                    <a:lstStyle/>
+                    <a:p>
+                      <a:endParaRPr lang="en-US" sz="3000" dirty="0">
+                        <a:solidFill>
+                          <a:schemeClr val="bg2">
+                            <a:lumMod val="50000"/>
+                          </a:schemeClr>
+                        </a:solidFill>
+                        <a:latin typeface="Century Gothic" pitchFamily="34" charset="0"/>
+                      </a:endParaRPr>
+                    </a:p>
+                  </a:txBody>
+                  <a:tcPr>
+                    <a:lnL w="12700" cap="flat" cmpd="sng" algn="ctr">
+                      <a:solidFill>
+                        <a:schemeClr val="tx1"/>
+                      </a:solidFill>
+                      <a:prstDash val="solid"/>
+                      <a:round/>
+                      <a:headEnd type="none" w="med" len="med"/>
+                      <a:tailEnd type="none" w="med" len="med"/>
+                    </a:lnL>
+                    <a:lnR w="12700" cap="flat" cmpd="sng" algn="ctr">
+                      <a:solidFill>
+                        <a:schemeClr val="tx1"/>
+                      </a:solidFill>
+                      <a:prstDash val="solid"/>
+                      <a:round/>
+                      <a:headEnd type="none" w="med" len="med"/>
+                      <a:tailEnd type="none" w="med" len="med"/>
+                    </a:lnR>
+                    <a:lnT w="12700" cap="flat" cmpd="sng" algn="ctr">
+                      <a:solidFill>
+                        <a:schemeClr val="tx1"/>
+                      </a:solidFill>
+                      <a:prstDash val="solid"/>
+                      <a:round/>
+                      <a:headEnd type="none" w="med" len="med"/>
+                      <a:tailEnd type="none" w="med" len="med"/>
+                    </a:lnT>
+                    <a:lnB w="12700" cap="flat" cmpd="sng" algn="ctr">
+                      <a:solidFill>
+                        <a:schemeClr val="tx1"/>
+                      </a:solidFill>
+                      <a:prstDash val="solid"/>
+                      <a:round/>
+                      <a:headEnd type="none" w="med" len="med"/>
+                      <a:tailEnd type="none" w="med" len="med"/>
+                    </a:lnB>
+                    <a:noFill/>
+                  </a:tcPr>
+                </a:tc>
+                <a:tc>
+                  <a:txBody>
+                    <a:bodyPr/>
+                    <a:lstStyle/>
+                    <a:p>
+                      <a:pPr algn="ctr"/>
+                      <a:r>
+                        <a:rPr lang="en-US" sz="2500" b="1" dirty="0" smtClean="0">
+                          <a:latin typeface="Century Gothic" pitchFamily="34" charset="0"/>
+                        </a:rPr>
+                        <a:t>Receive</a:t>
+                      </a:r>
+                      <a:endParaRPr lang="en-US" sz="2500" b="1" dirty="0">
+                        <a:solidFill>
+                          <a:schemeClr val="bg2">
+                            <a:lumMod val="50000"/>
+                          </a:schemeClr>
+                        </a:solidFill>
+                        <a:latin typeface="Century Gothic" pitchFamily="34" charset="0"/>
+                      </a:endParaRPr>
+                    </a:p>
+                  </a:txBody>
+                  <a:tcPr anchor="ctr">
+                    <a:lnL w="12700" cap="flat" cmpd="sng" algn="ctr">
+                      <a:solidFill>
+                        <a:schemeClr val="tx1">
+                          <a:lumMod val="50000"/>
+                          <a:lumOff val="50000"/>
+                        </a:schemeClr>
+                      </a:solidFill>
+                      <a:prstDash val="solid"/>
+                      <a:round/>
+                      <a:headEnd type="none" w="med" len="med"/>
+                      <a:tailEnd type="none" w="med" len="med"/>
+                    </a:lnL>
+                    <a:lnR w="12700" cap="flat" cmpd="sng" algn="ctr">
+                      <a:solidFill>
+                        <a:schemeClr val="tx1">
+                          <a:lumMod val="50000"/>
+                          <a:lumOff val="50000"/>
+                        </a:schemeClr>
+                      </a:solidFill>
+                      <a:prstDash val="solid"/>
+                      <a:round/>
+                      <a:headEnd type="none" w="med" len="med"/>
+                      <a:tailEnd type="none" w="med" len="med"/>
+                    </a:lnR>
+                    <a:lnT w="12700" cap="flat" cmpd="sng" algn="ctr">
+                      <a:solidFill>
+                        <a:schemeClr val="tx1">
+                          <a:lumMod val="50000"/>
+                          <a:lumOff val="50000"/>
+                        </a:schemeClr>
+                      </a:solidFill>
+                      <a:prstDash val="solid"/>
+                      <a:round/>
+                      <a:headEnd type="none" w="med" len="med"/>
+                      <a:tailEnd type="none" w="med" len="med"/>
+                    </a:lnT>
+                    <a:lnB w="12700" cap="flat" cmpd="sng" algn="ctr">
+                      <a:solidFill>
+                        <a:schemeClr val="tx1">
+                          <a:lumMod val="50000"/>
+                          <a:lumOff val="50000"/>
+                        </a:schemeClr>
+                      </a:solidFill>
+                      <a:prstDash val="solid"/>
+                      <a:round/>
+                      <a:headEnd type="none" w="med" len="med"/>
+                      <a:tailEnd type="none" w="med" len="med"/>
+                    </a:lnB>
+                  </a:tcPr>
+                </a:tc>
+                <a:tc>
+                  <a:txBody>
+                    <a:bodyPr/>
+                    <a:lstStyle/>
+                    <a:p>
+                      <a:pPr algn="ctr"/>
+                      <a:r>
+                        <a:rPr lang="en-US" sz="2500" b="1" dirty="0" smtClean="0">
+                          <a:latin typeface="Century Gothic" pitchFamily="34" charset="0"/>
+                        </a:rPr>
+                        <a:t>Transmit</a:t>
+                      </a:r>
+                      <a:endParaRPr lang="en-US" sz="2500" b="1" dirty="0">
+                        <a:solidFill>
+                          <a:schemeClr val="bg2">
+                            <a:lumMod val="50000"/>
+                          </a:schemeClr>
+                        </a:solidFill>
+                        <a:latin typeface="Century Gothic" pitchFamily="34" charset="0"/>
+                      </a:endParaRPr>
+                    </a:p>
+                  </a:txBody>
+                  <a:tcPr anchor="ctr">
+                    <a:lnL w="12700" cap="flat" cmpd="sng" algn="ctr">
+                      <a:solidFill>
+                        <a:schemeClr val="tx1">
+                          <a:lumMod val="50000"/>
+                          <a:lumOff val="50000"/>
+                        </a:schemeClr>
+                      </a:solidFill>
+                      <a:prstDash val="solid"/>
+                      <a:round/>
+                      <a:headEnd type="none" w="med" len="med"/>
+                      <a:tailEnd type="none" w="med" len="med"/>
+                    </a:lnL>
+                    <a:lnR w="12700" cap="flat" cmpd="sng" algn="ctr">
+                      <a:solidFill>
+                        <a:schemeClr val="tx1">
+                          <a:lumMod val="50000"/>
+                          <a:lumOff val="50000"/>
+                        </a:schemeClr>
+                      </a:solidFill>
+                      <a:prstDash val="solid"/>
+                      <a:round/>
+                      <a:headEnd type="none" w="med" len="med"/>
+                      <a:tailEnd type="none" w="med" len="med"/>
+                    </a:lnR>
+                    <a:lnT w="12700" cap="flat" cmpd="sng" algn="ctr">
+                      <a:solidFill>
+                        <a:schemeClr val="tx1">
+                          <a:lumMod val="50000"/>
+                          <a:lumOff val="50000"/>
+                        </a:schemeClr>
+                      </a:solidFill>
+                      <a:prstDash val="solid"/>
+                      <a:round/>
+                      <a:headEnd type="none" w="med" len="med"/>
+                      <a:tailEnd type="none" w="med" len="med"/>
+                    </a:lnT>
+                    <a:lnB w="12700" cap="flat" cmpd="sng" algn="ctr">
+                      <a:solidFill>
+                        <a:schemeClr val="tx1">
+                          <a:lumMod val="50000"/>
+                          <a:lumOff val="50000"/>
+                        </a:schemeClr>
+                      </a:solidFill>
+                      <a:prstDash val="solid"/>
+                      <a:round/>
+                      <a:headEnd type="none" w="med" len="med"/>
+                      <a:tailEnd type="none" w="med" len="med"/>
+                    </a:lnB>
+                  </a:tcPr>
+                </a:tc>
+                <a:tc>
+                  <a:txBody>
+                    <a:bodyPr/>
+                    <a:lstStyle/>
+                    <a:p>
+                      <a:pPr algn="ctr"/>
+                      <a:r>
+                        <a:rPr lang="en-US" sz="2500" b="1" dirty="0" smtClean="0">
+                          <a:latin typeface="Century Gothic" pitchFamily="34" charset="0"/>
+                        </a:rPr>
+                        <a:t>Receive </a:t>
+                      </a:r>
+                      <a:endParaRPr lang="en-US" sz="2500" b="1" dirty="0">
+                        <a:solidFill>
+                          <a:schemeClr val="bg2">
+                            <a:lumMod val="50000"/>
+                          </a:schemeClr>
+                        </a:solidFill>
+                        <a:latin typeface="Century Gothic" pitchFamily="34" charset="0"/>
+                      </a:endParaRPr>
+                    </a:p>
+                  </a:txBody>
+                  <a:tcPr anchor="ctr">
+                    <a:lnL w="12700" cap="flat" cmpd="sng" algn="ctr">
+                      <a:solidFill>
+                        <a:schemeClr val="tx1">
+                          <a:lumMod val="50000"/>
+                          <a:lumOff val="50000"/>
+                        </a:schemeClr>
+                      </a:solidFill>
+                      <a:prstDash val="solid"/>
+                      <a:round/>
+                      <a:headEnd type="none" w="med" len="med"/>
+                      <a:tailEnd type="none" w="med" len="med"/>
+                    </a:lnL>
+                    <a:lnR w="12700" cap="flat" cmpd="sng" algn="ctr">
+                      <a:solidFill>
+                        <a:schemeClr val="tx1">
+                          <a:lumMod val="50000"/>
+                          <a:lumOff val="50000"/>
+                        </a:schemeClr>
+                      </a:solidFill>
+                      <a:prstDash val="solid"/>
+                      <a:round/>
+                      <a:headEnd type="none" w="med" len="med"/>
+                      <a:tailEnd type="none" w="med" len="med"/>
+                    </a:lnR>
+                    <a:lnT w="12700" cap="flat" cmpd="sng" algn="ctr">
+                      <a:solidFill>
+                        <a:schemeClr val="tx1">
+                          <a:lumMod val="50000"/>
+                          <a:lumOff val="50000"/>
+                        </a:schemeClr>
+                      </a:solidFill>
+                      <a:prstDash val="solid"/>
+                      <a:round/>
+                      <a:headEnd type="none" w="med" len="med"/>
+                      <a:tailEnd type="none" w="med" len="med"/>
+                    </a:lnT>
+                    <a:lnB w="12700" cap="flat" cmpd="sng" algn="ctr">
+                      <a:solidFill>
+                        <a:schemeClr val="tx1">
+                          <a:lumMod val="50000"/>
+                          <a:lumOff val="50000"/>
+                        </a:schemeClr>
+                      </a:solidFill>
+                      <a:prstDash val="solid"/>
+                      <a:round/>
+                      <a:headEnd type="none" w="med" len="med"/>
+                      <a:tailEnd type="none" w="med" len="med"/>
+                    </a:lnB>
+                  </a:tcPr>
+                </a:tc>
+                <a:tc>
+                  <a:txBody>
+                    <a:bodyPr/>
+                    <a:lstStyle/>
+                    <a:p>
+                      <a:pPr algn="ctr"/>
+                      <a:r>
+                        <a:rPr lang="en-US" sz="2500" b="1" dirty="0" smtClean="0">
+                          <a:latin typeface="Century Gothic" pitchFamily="34" charset="0"/>
+                        </a:rPr>
+                        <a:t>Transmit</a:t>
+                      </a:r>
+                      <a:endParaRPr lang="en-US" sz="2500" b="1" dirty="0">
+                        <a:solidFill>
+                          <a:schemeClr val="bg2">
+                            <a:lumMod val="50000"/>
+                          </a:schemeClr>
+                        </a:solidFill>
+                        <a:latin typeface="Century Gothic" pitchFamily="34" charset="0"/>
+                      </a:endParaRPr>
+                    </a:p>
+                  </a:txBody>
+                  <a:tcPr anchor="ctr">
+                    <a:lnL w="12700" cap="flat" cmpd="sng" algn="ctr">
+                      <a:solidFill>
+                        <a:schemeClr val="tx1">
+                          <a:lumMod val="50000"/>
+                          <a:lumOff val="50000"/>
+                        </a:schemeClr>
+                      </a:solidFill>
+                      <a:prstDash val="solid"/>
+                      <a:round/>
+                      <a:headEnd type="none" w="med" len="med"/>
+                      <a:tailEnd type="none" w="med" len="med"/>
+                    </a:lnL>
+                    <a:lnR w="12700" cap="flat" cmpd="sng" algn="ctr">
+                      <a:solidFill>
+                        <a:schemeClr val="tx1">
+                          <a:lumMod val="50000"/>
+                          <a:lumOff val="50000"/>
+                        </a:schemeClr>
+                      </a:solidFill>
+                      <a:prstDash val="solid"/>
+                      <a:round/>
+                      <a:headEnd type="none" w="med" len="med"/>
+                      <a:tailEnd type="none" w="med" len="med"/>
+                    </a:lnR>
+                    <a:lnT w="12700" cap="flat" cmpd="sng" algn="ctr">
+                      <a:solidFill>
+                        <a:schemeClr val="tx1">
+                          <a:lumMod val="50000"/>
+                          <a:lumOff val="50000"/>
+                        </a:schemeClr>
+                      </a:solidFill>
+                      <a:prstDash val="solid"/>
+                      <a:round/>
+                      <a:headEnd type="none" w="med" len="med"/>
+                      <a:tailEnd type="none" w="med" len="med"/>
+                    </a:lnT>
+                    <a:lnB w="12700" cap="flat" cmpd="sng" algn="ctr">
+                      <a:solidFill>
+                        <a:schemeClr val="tx1">
+                          <a:lumMod val="50000"/>
+                          <a:lumOff val="50000"/>
+                        </a:schemeClr>
+                      </a:solidFill>
+                      <a:prstDash val="solid"/>
+                      <a:round/>
+                      <a:headEnd type="none" w="med" len="med"/>
+                      <a:tailEnd type="none" w="med" len="med"/>
+                    </a:lnB>
+                  </a:tcPr>
+                </a:tc>
+              </a:tr>
+              <a:tr h="452120">
+                <a:tc>
+                  <a:txBody>
+                    <a:bodyPr/>
+                    <a:lstStyle/>
+                    <a:p>
+                      <a:pPr algn="ctr"/>
+                      <a:r>
+                        <a:rPr lang="en-US" sz="2500" dirty="0" smtClean="0">
+                          <a:latin typeface="Century Gothic" pitchFamily="34" charset="0"/>
+                        </a:rPr>
+                        <a:t>Log in</a:t>
+                      </a:r>
+                      <a:endParaRPr lang="en-US" sz="2500" dirty="0">
+                        <a:solidFill>
+                          <a:schemeClr val="bg2">
+                            <a:lumMod val="50000"/>
+                          </a:schemeClr>
+                        </a:solidFill>
+                        <a:latin typeface="Century Gothic" pitchFamily="34" charset="0"/>
+                      </a:endParaRPr>
+                    </a:p>
+                  </a:txBody>
+                  <a:tcPr anchor="ctr">
+                    <a:lnL w="12700" cap="flat" cmpd="sng" algn="ctr">
+                      <a:solidFill>
+                        <a:schemeClr val="tx1">
+                          <a:lumMod val="50000"/>
+                          <a:lumOff val="50000"/>
+                        </a:schemeClr>
+                      </a:solidFill>
+                      <a:prstDash val="solid"/>
+                      <a:round/>
+                      <a:headEnd type="none" w="med" len="med"/>
+                      <a:tailEnd type="none" w="med" len="med"/>
+                    </a:lnL>
+                    <a:lnR w="12700" cap="flat" cmpd="sng" algn="ctr">
+                      <a:solidFill>
+                        <a:schemeClr val="tx1">
+                          <a:lumMod val="50000"/>
+                          <a:lumOff val="50000"/>
+                        </a:schemeClr>
+                      </a:solidFill>
+                      <a:prstDash val="solid"/>
+                      <a:round/>
+                      <a:headEnd type="none" w="med" len="med"/>
+                      <a:tailEnd type="none" w="med" len="med"/>
+                    </a:lnR>
+                    <a:lnT w="12700" cap="flat" cmpd="sng" algn="ctr">
+                      <a:solidFill>
+                        <a:schemeClr val="tx1">
+                          <a:lumMod val="50000"/>
+                          <a:lumOff val="50000"/>
+                        </a:schemeClr>
+                      </a:solidFill>
+                      <a:prstDash val="solid"/>
+                      <a:round/>
+                      <a:headEnd type="none" w="med" len="med"/>
+                      <a:tailEnd type="none" w="med" len="med"/>
+                    </a:lnT>
+                    <a:lnB w="12700" cap="flat" cmpd="sng" algn="ctr">
+                      <a:solidFill>
+                        <a:schemeClr val="tx1">
+                          <a:lumMod val="50000"/>
+                          <a:lumOff val="50000"/>
+                        </a:schemeClr>
+                      </a:solidFill>
+                      <a:prstDash val="solid"/>
+                      <a:round/>
+                      <a:headEnd type="none" w="med" len="med"/>
+                      <a:tailEnd type="none" w="med" len="med"/>
+                    </a:lnB>
+                  </a:tcPr>
+                </a:tc>
+                <a:tc>
+                  <a:txBody>
+                    <a:bodyPr/>
+                    <a:lstStyle/>
+                    <a:p>
+                      <a:pPr algn="ctr"/>
+                      <a:r>
+                        <a:rPr lang="en-US" sz="2500" dirty="0" smtClean="0">
+                          <a:latin typeface="Century Gothic" pitchFamily="34" charset="0"/>
+                        </a:rPr>
+                        <a:t>2322</a:t>
+                      </a:r>
+                      <a:endParaRPr lang="en-US" sz="2500" dirty="0">
+                        <a:solidFill>
+                          <a:schemeClr val="bg2">
+                            <a:lumMod val="50000"/>
+                          </a:schemeClr>
+                        </a:solidFill>
+                        <a:latin typeface="Century Gothic" pitchFamily="34" charset="0"/>
+                      </a:endParaRPr>
+                    </a:p>
+                  </a:txBody>
+                  <a:tcPr anchor="ctr">
+                    <a:lnL w="12700" cap="flat" cmpd="sng" algn="ctr">
+                      <a:solidFill>
+                        <a:schemeClr val="tx1">
+                          <a:lumMod val="50000"/>
+                          <a:lumOff val="50000"/>
+                        </a:schemeClr>
+                      </a:solidFill>
+                      <a:prstDash val="solid"/>
+                      <a:round/>
+                      <a:headEnd type="none" w="med" len="med"/>
+                      <a:tailEnd type="none" w="med" len="med"/>
+                    </a:lnL>
+                    <a:lnR w="12700" cap="flat" cmpd="sng" algn="ctr">
+                      <a:solidFill>
+                        <a:schemeClr val="tx1">
+                          <a:lumMod val="50000"/>
+                          <a:lumOff val="50000"/>
+                        </a:schemeClr>
+                      </a:solidFill>
+                      <a:prstDash val="solid"/>
+                      <a:round/>
+                      <a:headEnd type="none" w="med" len="med"/>
+                      <a:tailEnd type="none" w="med" len="med"/>
+                    </a:lnR>
+                    <a:lnT w="12700" cap="flat" cmpd="sng" algn="ctr">
+                      <a:solidFill>
+                        <a:schemeClr val="tx1">
+                          <a:lumMod val="50000"/>
+                          <a:lumOff val="50000"/>
+                        </a:schemeClr>
+                      </a:solidFill>
+                      <a:prstDash val="solid"/>
+                      <a:round/>
+                      <a:headEnd type="none" w="med" len="med"/>
+                      <a:tailEnd type="none" w="med" len="med"/>
+                    </a:lnT>
+                    <a:lnB w="12700" cap="flat" cmpd="sng" algn="ctr">
+                      <a:solidFill>
+                        <a:schemeClr val="tx1">
+                          <a:lumMod val="50000"/>
+                          <a:lumOff val="50000"/>
+                        </a:schemeClr>
+                      </a:solidFill>
+                      <a:prstDash val="solid"/>
+                      <a:round/>
+                      <a:headEnd type="none" w="med" len="med"/>
+                      <a:tailEnd type="none" w="med" len="med"/>
+                    </a:lnB>
+                  </a:tcPr>
+                </a:tc>
+                <a:tc>
+                  <a:txBody>
+                    <a:bodyPr/>
+                    <a:lstStyle/>
+                    <a:p>
+                      <a:pPr algn="ctr"/>
+                      <a:r>
+                        <a:rPr lang="en-US" sz="2500" dirty="0" smtClean="0">
+                          <a:latin typeface="Century Gothic" pitchFamily="34" charset="0"/>
+                        </a:rPr>
+                        <a:t>3100</a:t>
+                      </a:r>
+                      <a:endParaRPr lang="en-US" sz="2500" dirty="0">
+                        <a:solidFill>
+                          <a:schemeClr val="bg2">
+                            <a:lumMod val="50000"/>
+                          </a:schemeClr>
+                        </a:solidFill>
+                        <a:latin typeface="Century Gothic" pitchFamily="34" charset="0"/>
+                      </a:endParaRPr>
+                    </a:p>
+                  </a:txBody>
+                  <a:tcPr anchor="ctr">
+                    <a:lnL w="12700" cap="flat" cmpd="sng" algn="ctr">
+                      <a:solidFill>
+                        <a:schemeClr val="tx1">
+                          <a:lumMod val="50000"/>
+                          <a:lumOff val="50000"/>
+                        </a:schemeClr>
+                      </a:solidFill>
+                      <a:prstDash val="solid"/>
+                      <a:round/>
+                      <a:headEnd type="none" w="med" len="med"/>
+                      <a:tailEnd type="none" w="med" len="med"/>
+                    </a:lnL>
+                    <a:lnR w="12700" cap="flat" cmpd="sng" algn="ctr">
+                      <a:solidFill>
+                        <a:schemeClr val="tx1">
+                          <a:lumMod val="50000"/>
+                          <a:lumOff val="50000"/>
+                        </a:schemeClr>
+                      </a:solidFill>
+                      <a:prstDash val="solid"/>
+                      <a:round/>
+                      <a:headEnd type="none" w="med" len="med"/>
+                      <a:tailEnd type="none" w="med" len="med"/>
+                    </a:lnR>
+                    <a:lnT w="12700" cap="flat" cmpd="sng" algn="ctr">
+                      <a:solidFill>
+                        <a:schemeClr val="tx1">
+                          <a:lumMod val="50000"/>
+                          <a:lumOff val="50000"/>
+                        </a:schemeClr>
+                      </a:solidFill>
+                      <a:prstDash val="solid"/>
+                      <a:round/>
+                      <a:headEnd type="none" w="med" len="med"/>
+                      <a:tailEnd type="none" w="med" len="med"/>
+                    </a:lnT>
+                    <a:lnB w="12700" cap="flat" cmpd="sng" algn="ctr">
+                      <a:solidFill>
+                        <a:schemeClr val="tx1">
+                          <a:lumMod val="50000"/>
+                          <a:lumOff val="50000"/>
+                        </a:schemeClr>
+                      </a:solidFill>
+                      <a:prstDash val="solid"/>
+                      <a:round/>
+                      <a:headEnd type="none" w="med" len="med"/>
+                      <a:tailEnd type="none" w="med" len="med"/>
+                    </a:lnB>
+                  </a:tcPr>
+                </a:tc>
+                <a:tc>
+                  <a:txBody>
+                    <a:bodyPr/>
+                    <a:lstStyle/>
+                    <a:p>
+                      <a:pPr algn="ctr"/>
+                      <a:r>
+                        <a:rPr lang="en-US" sz="2500" dirty="0" smtClean="0">
+                          <a:latin typeface="Century Gothic" pitchFamily="34" charset="0"/>
+                        </a:rPr>
+                        <a:t>433</a:t>
+                      </a:r>
+                      <a:endParaRPr lang="en-US" sz="2500" dirty="0">
+                        <a:solidFill>
+                          <a:schemeClr val="bg2">
+                            <a:lumMod val="50000"/>
+                          </a:schemeClr>
+                        </a:solidFill>
+                        <a:latin typeface="Century Gothic" pitchFamily="34" charset="0"/>
+                      </a:endParaRPr>
+                    </a:p>
+                  </a:txBody>
+                  <a:tcPr anchor="ctr">
+                    <a:lnL w="12700" cap="flat" cmpd="sng" algn="ctr">
+                      <a:solidFill>
+                        <a:schemeClr val="tx1">
+                          <a:lumMod val="50000"/>
+                          <a:lumOff val="50000"/>
+                        </a:schemeClr>
+                      </a:solidFill>
+                      <a:prstDash val="solid"/>
+                      <a:round/>
+                      <a:headEnd type="none" w="med" len="med"/>
+                      <a:tailEnd type="none" w="med" len="med"/>
+                    </a:lnL>
+                    <a:lnR w="12700" cap="flat" cmpd="sng" algn="ctr">
+                      <a:solidFill>
+                        <a:schemeClr val="tx1">
+                          <a:lumMod val="50000"/>
+                          <a:lumOff val="50000"/>
+                        </a:schemeClr>
+                      </a:solidFill>
+                      <a:prstDash val="solid"/>
+                      <a:round/>
+                      <a:headEnd type="none" w="med" len="med"/>
+                      <a:tailEnd type="none" w="med" len="med"/>
+                    </a:lnR>
+                    <a:lnT w="12700" cap="flat" cmpd="sng" algn="ctr">
+                      <a:solidFill>
+                        <a:schemeClr val="tx1">
+                          <a:lumMod val="50000"/>
+                          <a:lumOff val="50000"/>
+                        </a:schemeClr>
+                      </a:solidFill>
+                      <a:prstDash val="solid"/>
+                      <a:round/>
+                      <a:headEnd type="none" w="med" len="med"/>
+                      <a:tailEnd type="none" w="med" len="med"/>
+                    </a:lnT>
+                    <a:lnB w="12700" cap="flat" cmpd="sng" algn="ctr">
+                      <a:solidFill>
+                        <a:schemeClr val="tx1">
+                          <a:lumMod val="50000"/>
+                          <a:lumOff val="50000"/>
+                        </a:schemeClr>
+                      </a:solidFill>
+                      <a:prstDash val="solid"/>
+                      <a:round/>
+                      <a:headEnd type="none" w="med" len="med"/>
+                      <a:tailEnd type="none" w="med" len="med"/>
+                    </a:lnB>
+                  </a:tcPr>
+                </a:tc>
+                <a:tc>
+                  <a:txBody>
+                    <a:bodyPr/>
+                    <a:lstStyle/>
+                    <a:p>
+                      <a:pPr algn="ctr"/>
+                      <a:r>
+                        <a:rPr lang="en-US" sz="2500" dirty="0" smtClean="0">
+                          <a:latin typeface="Century Gothic" pitchFamily="34" charset="0"/>
+                        </a:rPr>
+                        <a:t>592</a:t>
+                      </a:r>
+                      <a:endParaRPr lang="en-US" sz="2500" dirty="0">
+                        <a:solidFill>
+                          <a:schemeClr val="bg2">
+                            <a:lumMod val="50000"/>
+                          </a:schemeClr>
+                        </a:solidFill>
+                        <a:latin typeface="Century Gothic" pitchFamily="34" charset="0"/>
+                      </a:endParaRPr>
+                    </a:p>
+                  </a:txBody>
+                  <a:tcPr anchor="ctr">
+                    <a:lnL w="12700" cap="flat" cmpd="sng" algn="ctr">
+                      <a:solidFill>
+                        <a:schemeClr val="tx1">
+                          <a:lumMod val="50000"/>
+                          <a:lumOff val="50000"/>
+                        </a:schemeClr>
+                      </a:solidFill>
+                      <a:prstDash val="solid"/>
+                      <a:round/>
+                      <a:headEnd type="none" w="med" len="med"/>
+                      <a:tailEnd type="none" w="med" len="med"/>
+                    </a:lnL>
+                    <a:lnR w="12700" cap="flat" cmpd="sng" algn="ctr">
+                      <a:solidFill>
+                        <a:schemeClr val="tx1">
+                          <a:lumMod val="50000"/>
+                          <a:lumOff val="50000"/>
+                        </a:schemeClr>
+                      </a:solidFill>
+                      <a:prstDash val="solid"/>
+                      <a:round/>
+                      <a:headEnd type="none" w="med" len="med"/>
+                      <a:tailEnd type="none" w="med" len="med"/>
+                    </a:lnR>
+                    <a:lnT w="12700" cap="flat" cmpd="sng" algn="ctr">
+                      <a:solidFill>
+                        <a:schemeClr val="tx1">
+                          <a:lumMod val="50000"/>
+                          <a:lumOff val="50000"/>
+                        </a:schemeClr>
+                      </a:solidFill>
+                      <a:prstDash val="solid"/>
+                      <a:round/>
+                      <a:headEnd type="none" w="med" len="med"/>
+                      <a:tailEnd type="none" w="med" len="med"/>
+                    </a:lnT>
+                    <a:lnB w="12700" cap="flat" cmpd="sng" algn="ctr">
+                      <a:solidFill>
+                        <a:schemeClr val="tx1">
+                          <a:lumMod val="50000"/>
+                          <a:lumOff val="50000"/>
+                        </a:schemeClr>
+                      </a:solidFill>
+                      <a:prstDash val="solid"/>
+                      <a:round/>
+                      <a:headEnd type="none" w="med" len="med"/>
+                      <a:tailEnd type="none" w="med" len="med"/>
+                    </a:lnB>
+                  </a:tcPr>
+                </a:tc>
+              </a:tr>
+              <a:tr h="452120">
+                <a:tc>
+                  <a:txBody>
+                    <a:bodyPr/>
+                    <a:lstStyle/>
+                    <a:p>
+                      <a:pPr algn="ctr"/>
+                      <a:r>
+                        <a:rPr lang="en-US" sz="2500" dirty="0" smtClean="0">
+                          <a:latin typeface="Century Gothic" pitchFamily="34" charset="0"/>
+                        </a:rPr>
+                        <a:t>Merchant Map</a:t>
+                      </a:r>
+                      <a:endParaRPr lang="en-US" sz="2500" dirty="0">
+                        <a:solidFill>
+                          <a:schemeClr val="bg2">
+                            <a:lumMod val="50000"/>
+                          </a:schemeClr>
+                        </a:solidFill>
+                        <a:latin typeface="Century Gothic" pitchFamily="34" charset="0"/>
+                      </a:endParaRPr>
+                    </a:p>
+                  </a:txBody>
+                  <a:tcPr anchor="ctr">
+                    <a:lnL w="12700" cap="flat" cmpd="sng" algn="ctr">
+                      <a:solidFill>
+                        <a:schemeClr val="tx1">
+                          <a:lumMod val="50000"/>
+                          <a:lumOff val="50000"/>
+                        </a:schemeClr>
+                      </a:solidFill>
+                      <a:prstDash val="solid"/>
+                      <a:round/>
+                      <a:headEnd type="none" w="med" len="med"/>
+                      <a:tailEnd type="none" w="med" len="med"/>
+                    </a:lnL>
+                    <a:lnR w="12700" cap="flat" cmpd="sng" algn="ctr">
+                      <a:solidFill>
+                        <a:schemeClr val="tx1">
+                          <a:lumMod val="50000"/>
+                          <a:lumOff val="50000"/>
+                        </a:schemeClr>
+                      </a:solidFill>
+                      <a:prstDash val="solid"/>
+                      <a:round/>
+                      <a:headEnd type="none" w="med" len="med"/>
+                      <a:tailEnd type="none" w="med" len="med"/>
+                    </a:lnR>
+                    <a:lnT w="12700" cap="flat" cmpd="sng" algn="ctr">
+                      <a:solidFill>
+                        <a:schemeClr val="tx1">
+                          <a:lumMod val="50000"/>
+                          <a:lumOff val="50000"/>
+                        </a:schemeClr>
+                      </a:solidFill>
+                      <a:prstDash val="solid"/>
+                      <a:round/>
+                      <a:headEnd type="none" w="med" len="med"/>
+                      <a:tailEnd type="none" w="med" len="med"/>
+                    </a:lnT>
+                    <a:lnB w="12700" cap="flat" cmpd="sng" algn="ctr">
+                      <a:solidFill>
+                        <a:schemeClr val="tx1">
+                          <a:lumMod val="50000"/>
+                          <a:lumOff val="50000"/>
+                        </a:schemeClr>
+                      </a:solidFill>
+                      <a:prstDash val="solid"/>
+                      <a:round/>
+                      <a:headEnd type="none" w="med" len="med"/>
+                      <a:tailEnd type="none" w="med" len="med"/>
+                    </a:lnB>
+                  </a:tcPr>
+                </a:tc>
+                <a:tc>
+                  <a:txBody>
+                    <a:bodyPr/>
+                    <a:lstStyle/>
+                    <a:p>
+                      <a:pPr algn="ctr"/>
+                      <a:r>
+                        <a:rPr lang="en-US" sz="2500" dirty="0" smtClean="0">
+                          <a:latin typeface="Century Gothic" pitchFamily="34" charset="0"/>
+                        </a:rPr>
+                        <a:t>1942</a:t>
+                      </a:r>
+                      <a:endParaRPr lang="en-US" sz="2500" dirty="0">
+                        <a:solidFill>
+                          <a:schemeClr val="bg2">
+                            <a:lumMod val="50000"/>
+                          </a:schemeClr>
+                        </a:solidFill>
+                        <a:latin typeface="Century Gothic" pitchFamily="34" charset="0"/>
+                      </a:endParaRPr>
+                    </a:p>
+                  </a:txBody>
+                  <a:tcPr anchor="ctr">
+                    <a:lnL w="12700" cap="flat" cmpd="sng" algn="ctr">
+                      <a:solidFill>
+                        <a:schemeClr val="tx1">
+                          <a:lumMod val="50000"/>
+                          <a:lumOff val="50000"/>
+                        </a:schemeClr>
+                      </a:solidFill>
+                      <a:prstDash val="solid"/>
+                      <a:round/>
+                      <a:headEnd type="none" w="med" len="med"/>
+                      <a:tailEnd type="none" w="med" len="med"/>
+                    </a:lnL>
+                    <a:lnR w="12700" cap="flat" cmpd="sng" algn="ctr">
+                      <a:solidFill>
+                        <a:schemeClr val="tx1">
+                          <a:lumMod val="50000"/>
+                          <a:lumOff val="50000"/>
+                        </a:schemeClr>
+                      </a:solidFill>
+                      <a:prstDash val="solid"/>
+                      <a:round/>
+                      <a:headEnd type="none" w="med" len="med"/>
+                      <a:tailEnd type="none" w="med" len="med"/>
+                    </a:lnR>
+                    <a:lnT w="12700" cap="flat" cmpd="sng" algn="ctr">
+                      <a:solidFill>
+                        <a:schemeClr val="tx1">
+                          <a:lumMod val="50000"/>
+                          <a:lumOff val="50000"/>
+                        </a:schemeClr>
+                      </a:solidFill>
+                      <a:prstDash val="solid"/>
+                      <a:round/>
+                      <a:headEnd type="none" w="med" len="med"/>
+                      <a:tailEnd type="none" w="med" len="med"/>
+                    </a:lnT>
+                    <a:lnB w="12700" cap="flat" cmpd="sng" algn="ctr">
+                      <a:solidFill>
+                        <a:schemeClr val="tx1">
+                          <a:lumMod val="50000"/>
+                          <a:lumOff val="50000"/>
+                        </a:schemeClr>
+                      </a:solidFill>
+                      <a:prstDash val="solid"/>
+                      <a:round/>
+                      <a:headEnd type="none" w="med" len="med"/>
+                      <a:tailEnd type="none" w="med" len="med"/>
+                    </a:lnB>
+                  </a:tcPr>
+                </a:tc>
+                <a:tc>
+                  <a:txBody>
+                    <a:bodyPr/>
+                    <a:lstStyle/>
+                    <a:p>
+                      <a:pPr algn="ctr"/>
+                      <a:r>
+                        <a:rPr lang="en-US" sz="2500" dirty="0" smtClean="0">
+                          <a:latin typeface="Century Gothic" pitchFamily="34" charset="0"/>
+                        </a:rPr>
+                        <a:t>1912</a:t>
+                      </a:r>
+                      <a:endParaRPr lang="en-US" sz="2500" dirty="0">
+                        <a:solidFill>
+                          <a:schemeClr val="bg2">
+                            <a:lumMod val="50000"/>
+                          </a:schemeClr>
+                        </a:solidFill>
+                        <a:latin typeface="Century Gothic" pitchFamily="34" charset="0"/>
+                      </a:endParaRPr>
+                    </a:p>
+                  </a:txBody>
+                  <a:tcPr anchor="ctr">
+                    <a:lnL w="12700" cap="flat" cmpd="sng" algn="ctr">
+                      <a:solidFill>
+                        <a:schemeClr val="tx1">
+                          <a:lumMod val="50000"/>
+                          <a:lumOff val="50000"/>
+                        </a:schemeClr>
+                      </a:solidFill>
+                      <a:prstDash val="solid"/>
+                      <a:round/>
+                      <a:headEnd type="none" w="med" len="med"/>
+                      <a:tailEnd type="none" w="med" len="med"/>
+                    </a:lnL>
+                    <a:lnR w="12700" cap="flat" cmpd="sng" algn="ctr">
+                      <a:solidFill>
+                        <a:schemeClr val="tx1">
+                          <a:lumMod val="50000"/>
+                          <a:lumOff val="50000"/>
+                        </a:schemeClr>
+                      </a:solidFill>
+                      <a:prstDash val="solid"/>
+                      <a:round/>
+                      <a:headEnd type="none" w="med" len="med"/>
+                      <a:tailEnd type="none" w="med" len="med"/>
+                    </a:lnR>
+                    <a:lnT w="12700" cap="flat" cmpd="sng" algn="ctr">
+                      <a:solidFill>
+                        <a:schemeClr val="tx1">
+                          <a:lumMod val="50000"/>
+                          <a:lumOff val="50000"/>
+                        </a:schemeClr>
+                      </a:solidFill>
+                      <a:prstDash val="solid"/>
+                      <a:round/>
+                      <a:headEnd type="none" w="med" len="med"/>
+                      <a:tailEnd type="none" w="med" len="med"/>
+                    </a:lnT>
+                    <a:lnB w="12700" cap="flat" cmpd="sng" algn="ctr">
+                      <a:solidFill>
+                        <a:schemeClr val="tx1">
+                          <a:lumMod val="50000"/>
+                          <a:lumOff val="50000"/>
+                        </a:schemeClr>
+                      </a:solidFill>
+                      <a:prstDash val="solid"/>
+                      <a:round/>
+                      <a:headEnd type="none" w="med" len="med"/>
+                      <a:tailEnd type="none" w="med" len="med"/>
+                    </a:lnB>
+                  </a:tcPr>
+                </a:tc>
+                <a:tc>
+                  <a:txBody>
+                    <a:bodyPr/>
+                    <a:lstStyle/>
+                    <a:p>
+                      <a:pPr algn="ctr"/>
+                      <a:r>
+                        <a:rPr lang="en-US" sz="2500" dirty="0" smtClean="0">
+                          <a:latin typeface="Century Gothic" pitchFamily="34" charset="0"/>
+                        </a:rPr>
+                        <a:t>1804</a:t>
+                      </a:r>
+                      <a:endParaRPr lang="en-US" sz="2500" dirty="0">
+                        <a:solidFill>
+                          <a:schemeClr val="bg2">
+                            <a:lumMod val="50000"/>
+                          </a:schemeClr>
+                        </a:solidFill>
+                        <a:latin typeface="Century Gothic" pitchFamily="34" charset="0"/>
+                      </a:endParaRPr>
+                    </a:p>
+                  </a:txBody>
+                  <a:tcPr anchor="ctr">
+                    <a:lnL w="12700" cap="flat" cmpd="sng" algn="ctr">
+                      <a:solidFill>
+                        <a:schemeClr val="tx1">
+                          <a:lumMod val="50000"/>
+                          <a:lumOff val="50000"/>
+                        </a:schemeClr>
+                      </a:solidFill>
+                      <a:prstDash val="solid"/>
+                      <a:round/>
+                      <a:headEnd type="none" w="med" len="med"/>
+                      <a:tailEnd type="none" w="med" len="med"/>
+                    </a:lnL>
+                    <a:lnR w="12700" cap="flat" cmpd="sng" algn="ctr">
+                      <a:solidFill>
+                        <a:schemeClr val="tx1">
+                          <a:lumMod val="50000"/>
+                          <a:lumOff val="50000"/>
+                        </a:schemeClr>
+                      </a:solidFill>
+                      <a:prstDash val="solid"/>
+                      <a:round/>
+                      <a:headEnd type="none" w="med" len="med"/>
+                      <a:tailEnd type="none" w="med" len="med"/>
+                    </a:lnR>
+                    <a:lnT w="12700" cap="flat" cmpd="sng" algn="ctr">
+                      <a:solidFill>
+                        <a:schemeClr val="tx1">
+                          <a:lumMod val="50000"/>
+                          <a:lumOff val="50000"/>
+                        </a:schemeClr>
+                      </a:solidFill>
+                      <a:prstDash val="solid"/>
+                      <a:round/>
+                      <a:headEnd type="none" w="med" len="med"/>
+                      <a:tailEnd type="none" w="med" len="med"/>
+                    </a:lnT>
+                    <a:lnB w="12700" cap="flat" cmpd="sng" algn="ctr">
+                      <a:solidFill>
+                        <a:schemeClr val="tx1">
+                          <a:lumMod val="50000"/>
+                          <a:lumOff val="50000"/>
+                        </a:schemeClr>
+                      </a:solidFill>
+                      <a:prstDash val="solid"/>
+                      <a:round/>
+                      <a:headEnd type="none" w="med" len="med"/>
+                      <a:tailEnd type="none" w="med" len="med"/>
+                    </a:lnB>
+                  </a:tcPr>
+                </a:tc>
+                <a:tc>
+                  <a:txBody>
+                    <a:bodyPr/>
+                    <a:lstStyle/>
+                    <a:p>
+                      <a:pPr algn="ctr"/>
+                      <a:r>
+                        <a:rPr lang="en-US" sz="2500" dirty="0" smtClean="0">
+                          <a:latin typeface="Century Gothic" pitchFamily="34" charset="0"/>
+                        </a:rPr>
+                        <a:t>1703</a:t>
+                      </a:r>
+                      <a:endParaRPr lang="en-US" sz="2500" dirty="0">
+                        <a:solidFill>
+                          <a:schemeClr val="bg2">
+                            <a:lumMod val="50000"/>
+                          </a:schemeClr>
+                        </a:solidFill>
+                        <a:latin typeface="Century Gothic" pitchFamily="34" charset="0"/>
+                      </a:endParaRPr>
+                    </a:p>
+                  </a:txBody>
+                  <a:tcPr anchor="ctr">
+                    <a:lnL w="12700" cap="flat" cmpd="sng" algn="ctr">
+                      <a:solidFill>
+                        <a:schemeClr val="tx1">
+                          <a:lumMod val="50000"/>
+                          <a:lumOff val="50000"/>
+                        </a:schemeClr>
+                      </a:solidFill>
+                      <a:prstDash val="solid"/>
+                      <a:round/>
+                      <a:headEnd type="none" w="med" len="med"/>
+                      <a:tailEnd type="none" w="med" len="med"/>
+                    </a:lnL>
+                    <a:lnR w="12700" cap="flat" cmpd="sng" algn="ctr">
+                      <a:solidFill>
+                        <a:schemeClr val="tx1">
+                          <a:lumMod val="50000"/>
+                          <a:lumOff val="50000"/>
+                        </a:schemeClr>
+                      </a:solidFill>
+                      <a:prstDash val="solid"/>
+                      <a:round/>
+                      <a:headEnd type="none" w="med" len="med"/>
+                      <a:tailEnd type="none" w="med" len="med"/>
+                    </a:lnR>
+                    <a:lnT w="12700" cap="flat" cmpd="sng" algn="ctr">
+                      <a:solidFill>
+                        <a:schemeClr val="tx1">
+                          <a:lumMod val="50000"/>
+                          <a:lumOff val="50000"/>
+                        </a:schemeClr>
+                      </a:solidFill>
+                      <a:prstDash val="solid"/>
+                      <a:round/>
+                      <a:headEnd type="none" w="med" len="med"/>
+                      <a:tailEnd type="none" w="med" len="med"/>
+                    </a:lnT>
+                    <a:lnB w="12700" cap="flat" cmpd="sng" algn="ctr">
+                      <a:solidFill>
+                        <a:schemeClr val="tx1">
+                          <a:lumMod val="50000"/>
+                          <a:lumOff val="50000"/>
+                        </a:schemeClr>
+                      </a:solidFill>
+                      <a:prstDash val="solid"/>
+                      <a:round/>
+                      <a:headEnd type="none" w="med" len="med"/>
+                      <a:tailEnd type="none" w="med" len="med"/>
+                    </a:lnB>
+                  </a:tcPr>
+                </a:tc>
+              </a:tr>
+              <a:tr h="452120">
+                <a:tc>
+                  <a:txBody>
+                    <a:bodyPr/>
+                    <a:lstStyle/>
+                    <a:p>
+                      <a:pPr algn="ctr"/>
+                      <a:r>
+                        <a:rPr lang="en-US" sz="2500" dirty="0" smtClean="0">
+                          <a:latin typeface="Century Gothic" pitchFamily="34" charset="0"/>
+                        </a:rPr>
+                        <a:t>Deals</a:t>
+                      </a:r>
+                      <a:endParaRPr lang="en-US" sz="2500" dirty="0">
+                        <a:solidFill>
+                          <a:schemeClr val="bg2">
+                            <a:lumMod val="50000"/>
+                          </a:schemeClr>
+                        </a:solidFill>
+                        <a:latin typeface="Century Gothic" pitchFamily="34" charset="0"/>
+                      </a:endParaRPr>
+                    </a:p>
+                  </a:txBody>
+                  <a:tcPr anchor="ctr">
+                    <a:lnL w="12700" cap="flat" cmpd="sng" algn="ctr">
+                      <a:solidFill>
+                        <a:schemeClr val="tx1">
+                          <a:lumMod val="50000"/>
+                          <a:lumOff val="50000"/>
+                        </a:schemeClr>
+                      </a:solidFill>
+                      <a:prstDash val="solid"/>
+                      <a:round/>
+                      <a:headEnd type="none" w="med" len="med"/>
+                      <a:tailEnd type="none" w="med" len="med"/>
+                    </a:lnL>
+                    <a:lnR w="12700" cap="flat" cmpd="sng" algn="ctr">
+                      <a:solidFill>
+                        <a:schemeClr val="tx1">
+                          <a:lumMod val="50000"/>
+                          <a:lumOff val="50000"/>
+                        </a:schemeClr>
+                      </a:solidFill>
+                      <a:prstDash val="solid"/>
+                      <a:round/>
+                      <a:headEnd type="none" w="med" len="med"/>
+                      <a:tailEnd type="none" w="med" len="med"/>
+                    </a:lnR>
+                    <a:lnT w="12700" cap="flat" cmpd="sng" algn="ctr">
+                      <a:solidFill>
+                        <a:schemeClr val="tx1">
+                          <a:lumMod val="50000"/>
+                          <a:lumOff val="50000"/>
+                        </a:schemeClr>
+                      </a:solidFill>
+                      <a:prstDash val="solid"/>
+                      <a:round/>
+                      <a:headEnd type="none" w="med" len="med"/>
+                      <a:tailEnd type="none" w="med" len="med"/>
+                    </a:lnT>
+                    <a:lnB w="12700" cap="flat" cmpd="sng" algn="ctr">
+                      <a:solidFill>
+                        <a:schemeClr val="tx1">
+                          <a:lumMod val="50000"/>
+                          <a:lumOff val="50000"/>
+                        </a:schemeClr>
+                      </a:solidFill>
+                      <a:prstDash val="solid"/>
+                      <a:round/>
+                      <a:headEnd type="none" w="med" len="med"/>
+                      <a:tailEnd type="none" w="med" len="med"/>
+                    </a:lnB>
+                  </a:tcPr>
+                </a:tc>
+                <a:tc>
+                  <a:txBody>
+                    <a:bodyPr/>
+                    <a:lstStyle/>
+                    <a:p>
+                      <a:pPr algn="ctr"/>
+                      <a:r>
+                        <a:rPr lang="en-US" sz="2500" dirty="0" smtClean="0">
+                          <a:latin typeface="Century Gothic" pitchFamily="34" charset="0"/>
+                        </a:rPr>
+                        <a:t>3328</a:t>
+                      </a:r>
+                      <a:endParaRPr lang="en-US" sz="2500" dirty="0">
+                        <a:solidFill>
+                          <a:schemeClr val="bg2">
+                            <a:lumMod val="50000"/>
+                          </a:schemeClr>
+                        </a:solidFill>
+                        <a:latin typeface="Century Gothic" pitchFamily="34" charset="0"/>
+                      </a:endParaRPr>
+                    </a:p>
+                  </a:txBody>
+                  <a:tcPr anchor="ctr">
+                    <a:lnL w="12700" cap="flat" cmpd="sng" algn="ctr">
+                      <a:solidFill>
+                        <a:schemeClr val="tx1">
+                          <a:lumMod val="50000"/>
+                          <a:lumOff val="50000"/>
+                        </a:schemeClr>
+                      </a:solidFill>
+                      <a:prstDash val="solid"/>
+                      <a:round/>
+                      <a:headEnd type="none" w="med" len="med"/>
+                      <a:tailEnd type="none" w="med" len="med"/>
+                    </a:lnL>
+                    <a:lnR w="12700" cap="flat" cmpd="sng" algn="ctr">
+                      <a:solidFill>
+                        <a:schemeClr val="tx1">
+                          <a:lumMod val="50000"/>
+                          <a:lumOff val="50000"/>
+                        </a:schemeClr>
+                      </a:solidFill>
+                      <a:prstDash val="solid"/>
+                      <a:round/>
+                      <a:headEnd type="none" w="med" len="med"/>
+                      <a:tailEnd type="none" w="med" len="med"/>
+                    </a:lnR>
+                    <a:lnT w="12700" cap="flat" cmpd="sng" algn="ctr">
+                      <a:solidFill>
+                        <a:schemeClr val="tx1">
+                          <a:lumMod val="50000"/>
+                          <a:lumOff val="50000"/>
+                        </a:schemeClr>
+                      </a:solidFill>
+                      <a:prstDash val="solid"/>
+                      <a:round/>
+                      <a:headEnd type="none" w="med" len="med"/>
+                      <a:tailEnd type="none" w="med" len="med"/>
+                    </a:lnT>
+                    <a:lnB w="12700" cap="flat" cmpd="sng" algn="ctr">
+                      <a:solidFill>
+                        <a:schemeClr val="tx1">
+                          <a:lumMod val="50000"/>
+                          <a:lumOff val="50000"/>
+                        </a:schemeClr>
+                      </a:solidFill>
+                      <a:prstDash val="solid"/>
+                      <a:round/>
+                      <a:headEnd type="none" w="med" len="med"/>
+                      <a:tailEnd type="none" w="med" len="med"/>
+                    </a:lnB>
+                  </a:tcPr>
+                </a:tc>
+                <a:tc>
+                  <a:txBody>
+                    <a:bodyPr/>
+                    <a:lstStyle/>
+                    <a:p>
+                      <a:pPr algn="ctr"/>
+                      <a:r>
+                        <a:rPr lang="en-US" sz="2500" dirty="0" smtClean="0">
+                          <a:latin typeface="Century Gothic" pitchFamily="34" charset="0"/>
+                        </a:rPr>
+                        <a:t>1002</a:t>
+                      </a:r>
+                      <a:endParaRPr lang="en-US" sz="2500" dirty="0">
+                        <a:solidFill>
+                          <a:schemeClr val="bg2">
+                            <a:lumMod val="50000"/>
+                          </a:schemeClr>
+                        </a:solidFill>
+                        <a:latin typeface="Century Gothic" pitchFamily="34" charset="0"/>
+                      </a:endParaRPr>
+                    </a:p>
+                  </a:txBody>
+                  <a:tcPr anchor="ctr">
+                    <a:lnL w="12700" cap="flat" cmpd="sng" algn="ctr">
+                      <a:solidFill>
+                        <a:schemeClr val="tx1">
+                          <a:lumMod val="50000"/>
+                          <a:lumOff val="50000"/>
+                        </a:schemeClr>
+                      </a:solidFill>
+                      <a:prstDash val="solid"/>
+                      <a:round/>
+                      <a:headEnd type="none" w="med" len="med"/>
+                      <a:tailEnd type="none" w="med" len="med"/>
+                    </a:lnL>
+                    <a:lnR w="12700" cap="flat" cmpd="sng" algn="ctr">
+                      <a:solidFill>
+                        <a:schemeClr val="tx1">
+                          <a:lumMod val="50000"/>
+                          <a:lumOff val="50000"/>
+                        </a:schemeClr>
+                      </a:solidFill>
+                      <a:prstDash val="solid"/>
+                      <a:round/>
+                      <a:headEnd type="none" w="med" len="med"/>
+                      <a:tailEnd type="none" w="med" len="med"/>
+                    </a:lnR>
+                    <a:lnT w="12700" cap="flat" cmpd="sng" algn="ctr">
+                      <a:solidFill>
+                        <a:schemeClr val="tx1">
+                          <a:lumMod val="50000"/>
+                          <a:lumOff val="50000"/>
+                        </a:schemeClr>
+                      </a:solidFill>
+                      <a:prstDash val="solid"/>
+                      <a:round/>
+                      <a:headEnd type="none" w="med" len="med"/>
+                      <a:tailEnd type="none" w="med" len="med"/>
+                    </a:lnT>
+                    <a:lnB w="12700" cap="flat" cmpd="sng" algn="ctr">
+                      <a:solidFill>
+                        <a:schemeClr val="tx1">
+                          <a:lumMod val="50000"/>
+                          <a:lumOff val="50000"/>
+                        </a:schemeClr>
+                      </a:solidFill>
+                      <a:prstDash val="solid"/>
+                      <a:round/>
+                      <a:headEnd type="none" w="med" len="med"/>
+                      <a:tailEnd type="none" w="med" len="med"/>
+                    </a:lnB>
+                  </a:tcPr>
+                </a:tc>
+                <a:tc>
+                  <a:txBody>
+                    <a:bodyPr/>
+                    <a:lstStyle/>
+                    <a:p>
+                      <a:pPr algn="ctr"/>
+                      <a:r>
+                        <a:rPr lang="en-US" sz="2500" dirty="0" smtClean="0">
+                          <a:latin typeface="Century Gothic" pitchFamily="34" charset="0"/>
+                        </a:rPr>
+                        <a:t>1692</a:t>
+                      </a:r>
+                      <a:endParaRPr lang="en-US" sz="2500" dirty="0">
+                        <a:solidFill>
+                          <a:schemeClr val="bg2">
+                            <a:lumMod val="50000"/>
+                          </a:schemeClr>
+                        </a:solidFill>
+                        <a:latin typeface="Century Gothic" pitchFamily="34" charset="0"/>
+                      </a:endParaRPr>
+                    </a:p>
+                  </a:txBody>
+                  <a:tcPr anchor="ctr">
+                    <a:lnL w="12700" cap="flat" cmpd="sng" algn="ctr">
+                      <a:solidFill>
+                        <a:schemeClr val="tx1">
+                          <a:lumMod val="50000"/>
+                          <a:lumOff val="50000"/>
+                        </a:schemeClr>
+                      </a:solidFill>
+                      <a:prstDash val="solid"/>
+                      <a:round/>
+                      <a:headEnd type="none" w="med" len="med"/>
+                      <a:tailEnd type="none" w="med" len="med"/>
+                    </a:lnL>
+                    <a:lnR w="12700" cap="flat" cmpd="sng" algn="ctr">
+                      <a:solidFill>
+                        <a:schemeClr val="tx1">
+                          <a:lumMod val="50000"/>
+                          <a:lumOff val="50000"/>
+                        </a:schemeClr>
+                      </a:solidFill>
+                      <a:prstDash val="solid"/>
+                      <a:round/>
+                      <a:headEnd type="none" w="med" len="med"/>
+                      <a:tailEnd type="none" w="med" len="med"/>
+                    </a:lnR>
+                    <a:lnT w="12700" cap="flat" cmpd="sng" algn="ctr">
+                      <a:solidFill>
+                        <a:schemeClr val="tx1">
+                          <a:lumMod val="50000"/>
+                          <a:lumOff val="50000"/>
+                        </a:schemeClr>
+                      </a:solidFill>
+                      <a:prstDash val="solid"/>
+                      <a:round/>
+                      <a:headEnd type="none" w="med" len="med"/>
+                      <a:tailEnd type="none" w="med" len="med"/>
+                    </a:lnT>
+                    <a:lnB w="12700" cap="flat" cmpd="sng" algn="ctr">
+                      <a:solidFill>
+                        <a:schemeClr val="tx1">
+                          <a:lumMod val="50000"/>
+                          <a:lumOff val="50000"/>
+                        </a:schemeClr>
+                      </a:solidFill>
+                      <a:prstDash val="solid"/>
+                      <a:round/>
+                      <a:headEnd type="none" w="med" len="med"/>
+                      <a:tailEnd type="none" w="med" len="med"/>
+                    </a:lnB>
+                  </a:tcPr>
+                </a:tc>
+                <a:tc>
+                  <a:txBody>
+                    <a:bodyPr/>
+                    <a:lstStyle/>
+                    <a:p>
+                      <a:pPr algn="ctr"/>
+                      <a:r>
+                        <a:rPr lang="en-US" sz="2500" dirty="0" smtClean="0">
+                          <a:latin typeface="Century Gothic" pitchFamily="34" charset="0"/>
+                        </a:rPr>
+                        <a:t>571</a:t>
+                      </a:r>
+                      <a:endParaRPr lang="en-US" sz="2500" dirty="0">
+                        <a:solidFill>
+                          <a:schemeClr val="bg2">
+                            <a:lumMod val="50000"/>
+                          </a:schemeClr>
+                        </a:solidFill>
+                        <a:latin typeface="Century Gothic" pitchFamily="34" charset="0"/>
+                      </a:endParaRPr>
+                    </a:p>
+                  </a:txBody>
+                  <a:tcPr anchor="ctr">
+                    <a:lnL w="12700" cap="flat" cmpd="sng" algn="ctr">
+                      <a:solidFill>
+                        <a:schemeClr val="tx1">
+                          <a:lumMod val="50000"/>
+                          <a:lumOff val="50000"/>
+                        </a:schemeClr>
+                      </a:solidFill>
+                      <a:prstDash val="solid"/>
+                      <a:round/>
+                      <a:headEnd type="none" w="med" len="med"/>
+                      <a:tailEnd type="none" w="med" len="med"/>
+                    </a:lnL>
+                    <a:lnR w="12700" cap="flat" cmpd="sng" algn="ctr">
+                      <a:solidFill>
+                        <a:schemeClr val="tx1">
+                          <a:lumMod val="50000"/>
+                          <a:lumOff val="50000"/>
+                        </a:schemeClr>
+                      </a:solidFill>
+                      <a:prstDash val="solid"/>
+                      <a:round/>
+                      <a:headEnd type="none" w="med" len="med"/>
+                      <a:tailEnd type="none" w="med" len="med"/>
+                    </a:lnR>
+                    <a:lnT w="12700" cap="flat" cmpd="sng" algn="ctr">
+                      <a:solidFill>
+                        <a:schemeClr val="tx1">
+                          <a:lumMod val="50000"/>
+                          <a:lumOff val="50000"/>
+                        </a:schemeClr>
+                      </a:solidFill>
+                      <a:prstDash val="solid"/>
+                      <a:round/>
+                      <a:headEnd type="none" w="med" len="med"/>
+                      <a:tailEnd type="none" w="med" len="med"/>
+                    </a:lnT>
+                    <a:lnB w="12700" cap="flat" cmpd="sng" algn="ctr">
+                      <a:solidFill>
+                        <a:schemeClr val="tx1">
+                          <a:lumMod val="50000"/>
+                          <a:lumOff val="50000"/>
+                        </a:schemeClr>
+                      </a:solidFill>
+                      <a:prstDash val="solid"/>
+                      <a:round/>
+                      <a:headEnd type="none" w="med" len="med"/>
+                      <a:tailEnd type="none" w="med" len="med"/>
+                    </a:lnB>
+                  </a:tcPr>
+                </a:tc>
+              </a:tr>
+              <a:tr h="452120">
+                <a:tc>
+                  <a:txBody>
+                    <a:bodyPr/>
+                    <a:lstStyle/>
+                    <a:p>
+                      <a:pPr algn="ctr"/>
+                      <a:r>
+                        <a:rPr lang="en-US" sz="2500" dirty="0" smtClean="0">
+                          <a:latin typeface="Century Gothic" pitchFamily="34" charset="0"/>
+                        </a:rPr>
+                        <a:t>Pay Charge</a:t>
+                      </a:r>
+                      <a:endParaRPr lang="en-US" sz="2500" dirty="0">
+                        <a:solidFill>
+                          <a:schemeClr val="bg2">
+                            <a:lumMod val="50000"/>
+                          </a:schemeClr>
+                        </a:solidFill>
+                        <a:latin typeface="Century Gothic" pitchFamily="34" charset="0"/>
+                      </a:endParaRPr>
+                    </a:p>
+                  </a:txBody>
+                  <a:tcPr anchor="ctr">
+                    <a:lnL w="12700" cap="flat" cmpd="sng" algn="ctr">
+                      <a:solidFill>
+                        <a:schemeClr val="tx1">
+                          <a:lumMod val="50000"/>
+                          <a:lumOff val="50000"/>
+                        </a:schemeClr>
+                      </a:solidFill>
+                      <a:prstDash val="solid"/>
+                      <a:round/>
+                      <a:headEnd type="none" w="med" len="med"/>
+                      <a:tailEnd type="none" w="med" len="med"/>
+                    </a:lnL>
+                    <a:lnR w="12700" cap="flat" cmpd="sng" algn="ctr">
+                      <a:solidFill>
+                        <a:schemeClr val="tx1">
+                          <a:lumMod val="50000"/>
+                          <a:lumOff val="50000"/>
+                        </a:schemeClr>
+                      </a:solidFill>
+                      <a:prstDash val="solid"/>
+                      <a:round/>
+                      <a:headEnd type="none" w="med" len="med"/>
+                      <a:tailEnd type="none" w="med" len="med"/>
+                    </a:lnR>
+                    <a:lnT w="12700" cap="flat" cmpd="sng" algn="ctr">
+                      <a:solidFill>
+                        <a:schemeClr val="tx1">
+                          <a:lumMod val="50000"/>
+                          <a:lumOff val="50000"/>
+                        </a:schemeClr>
+                      </a:solidFill>
+                      <a:prstDash val="solid"/>
+                      <a:round/>
+                      <a:headEnd type="none" w="med" len="med"/>
+                      <a:tailEnd type="none" w="med" len="med"/>
+                    </a:lnT>
+                    <a:lnB w="12700" cap="flat" cmpd="sng" algn="ctr">
+                      <a:solidFill>
+                        <a:schemeClr val="tx1">
+                          <a:lumMod val="50000"/>
+                          <a:lumOff val="50000"/>
+                        </a:schemeClr>
+                      </a:solidFill>
+                      <a:prstDash val="solid"/>
+                      <a:round/>
+                      <a:headEnd type="none" w="med" len="med"/>
+                      <a:tailEnd type="none" w="med" len="med"/>
+                    </a:lnB>
+                  </a:tcPr>
+                </a:tc>
+                <a:tc>
+                  <a:txBody>
+                    <a:bodyPr/>
+                    <a:lstStyle/>
+                    <a:p>
+                      <a:pPr algn="ctr"/>
+                      <a:r>
+                        <a:rPr lang="en-US" sz="2500" dirty="0" smtClean="0">
+                          <a:latin typeface="Century Gothic" pitchFamily="34" charset="0"/>
+                        </a:rPr>
+                        <a:t>942</a:t>
+                      </a:r>
+                      <a:endParaRPr lang="en-US" sz="2500" dirty="0">
+                        <a:solidFill>
+                          <a:schemeClr val="bg2">
+                            <a:lumMod val="50000"/>
+                          </a:schemeClr>
+                        </a:solidFill>
+                        <a:latin typeface="Century Gothic" pitchFamily="34" charset="0"/>
+                      </a:endParaRPr>
+                    </a:p>
+                  </a:txBody>
+                  <a:tcPr anchor="ctr">
+                    <a:lnL w="12700" cap="flat" cmpd="sng" algn="ctr">
+                      <a:solidFill>
+                        <a:schemeClr val="tx1">
+                          <a:lumMod val="50000"/>
+                          <a:lumOff val="50000"/>
+                        </a:schemeClr>
+                      </a:solidFill>
+                      <a:prstDash val="solid"/>
+                      <a:round/>
+                      <a:headEnd type="none" w="med" len="med"/>
+                      <a:tailEnd type="none" w="med" len="med"/>
+                    </a:lnL>
+                    <a:lnR w="12700" cap="flat" cmpd="sng" algn="ctr">
+                      <a:solidFill>
+                        <a:schemeClr val="tx1">
+                          <a:lumMod val="50000"/>
+                          <a:lumOff val="50000"/>
+                        </a:schemeClr>
+                      </a:solidFill>
+                      <a:prstDash val="solid"/>
+                      <a:round/>
+                      <a:headEnd type="none" w="med" len="med"/>
+                      <a:tailEnd type="none" w="med" len="med"/>
+                    </a:lnR>
+                    <a:lnT w="12700" cap="flat" cmpd="sng" algn="ctr">
+                      <a:solidFill>
+                        <a:schemeClr val="tx1">
+                          <a:lumMod val="50000"/>
+                          <a:lumOff val="50000"/>
+                        </a:schemeClr>
+                      </a:solidFill>
+                      <a:prstDash val="solid"/>
+                      <a:round/>
+                      <a:headEnd type="none" w="med" len="med"/>
+                      <a:tailEnd type="none" w="med" len="med"/>
+                    </a:lnT>
+                    <a:lnB w="12700" cap="flat" cmpd="sng" algn="ctr">
+                      <a:solidFill>
+                        <a:schemeClr val="tx1">
+                          <a:lumMod val="50000"/>
+                          <a:lumOff val="50000"/>
+                        </a:schemeClr>
+                      </a:solidFill>
+                      <a:prstDash val="solid"/>
+                      <a:round/>
+                      <a:headEnd type="none" w="med" len="med"/>
+                      <a:tailEnd type="none" w="med" len="med"/>
+                    </a:lnB>
+                  </a:tcPr>
+                </a:tc>
+                <a:tc>
+                  <a:txBody>
+                    <a:bodyPr/>
+                    <a:lstStyle/>
+                    <a:p>
+                      <a:pPr algn="ctr"/>
+                      <a:r>
+                        <a:rPr lang="en-US" sz="2500" dirty="0" smtClean="0">
+                          <a:latin typeface="Century Gothic" pitchFamily="34" charset="0"/>
+                        </a:rPr>
+                        <a:t>1740</a:t>
+                      </a:r>
+                      <a:endParaRPr lang="en-US" sz="2500" dirty="0">
+                        <a:solidFill>
+                          <a:schemeClr val="bg2">
+                            <a:lumMod val="50000"/>
+                          </a:schemeClr>
+                        </a:solidFill>
+                        <a:latin typeface="Century Gothic" pitchFamily="34" charset="0"/>
+                      </a:endParaRPr>
+                    </a:p>
+                  </a:txBody>
+                  <a:tcPr anchor="ctr">
+                    <a:lnL w="12700" cap="flat" cmpd="sng" algn="ctr">
+                      <a:solidFill>
+                        <a:schemeClr val="tx1">
+                          <a:lumMod val="50000"/>
+                          <a:lumOff val="50000"/>
+                        </a:schemeClr>
+                      </a:solidFill>
+                      <a:prstDash val="solid"/>
+                      <a:round/>
+                      <a:headEnd type="none" w="med" len="med"/>
+                      <a:tailEnd type="none" w="med" len="med"/>
+                    </a:lnL>
+                    <a:lnR w="12700" cap="flat" cmpd="sng" algn="ctr">
+                      <a:solidFill>
+                        <a:schemeClr val="tx1">
+                          <a:lumMod val="50000"/>
+                          <a:lumOff val="50000"/>
+                        </a:schemeClr>
+                      </a:solidFill>
+                      <a:prstDash val="solid"/>
+                      <a:round/>
+                      <a:headEnd type="none" w="med" len="med"/>
+                      <a:tailEnd type="none" w="med" len="med"/>
+                    </a:lnR>
+                    <a:lnT w="12700" cap="flat" cmpd="sng" algn="ctr">
+                      <a:solidFill>
+                        <a:schemeClr val="tx1">
+                          <a:lumMod val="50000"/>
+                          <a:lumOff val="50000"/>
+                        </a:schemeClr>
+                      </a:solidFill>
+                      <a:prstDash val="solid"/>
+                      <a:round/>
+                      <a:headEnd type="none" w="med" len="med"/>
+                      <a:tailEnd type="none" w="med" len="med"/>
+                    </a:lnT>
+                    <a:lnB w="12700" cap="flat" cmpd="sng" algn="ctr">
+                      <a:solidFill>
+                        <a:schemeClr val="tx1">
+                          <a:lumMod val="50000"/>
+                          <a:lumOff val="50000"/>
+                        </a:schemeClr>
+                      </a:solidFill>
+                      <a:prstDash val="solid"/>
+                      <a:round/>
+                      <a:headEnd type="none" w="med" len="med"/>
+                      <a:tailEnd type="none" w="med" len="med"/>
+                    </a:lnB>
+                  </a:tcPr>
+                </a:tc>
+                <a:tc>
+                  <a:txBody>
+                    <a:bodyPr/>
+                    <a:lstStyle/>
+                    <a:p>
+                      <a:pPr algn="ctr"/>
+                      <a:r>
+                        <a:rPr lang="en-US" sz="2500" dirty="0" smtClean="0">
+                          <a:latin typeface="Century Gothic" pitchFamily="34" charset="0"/>
+                        </a:rPr>
+                        <a:t>298</a:t>
+                      </a:r>
+                      <a:endParaRPr lang="en-US" sz="2500" dirty="0">
+                        <a:solidFill>
+                          <a:schemeClr val="bg2">
+                            <a:lumMod val="50000"/>
+                          </a:schemeClr>
+                        </a:solidFill>
+                        <a:latin typeface="Century Gothic" pitchFamily="34" charset="0"/>
+                      </a:endParaRPr>
+                    </a:p>
+                  </a:txBody>
+                  <a:tcPr anchor="ctr">
+                    <a:lnL w="12700" cap="flat" cmpd="sng" algn="ctr">
+                      <a:solidFill>
+                        <a:schemeClr val="tx1">
+                          <a:lumMod val="50000"/>
+                          <a:lumOff val="50000"/>
+                        </a:schemeClr>
+                      </a:solidFill>
+                      <a:prstDash val="solid"/>
+                      <a:round/>
+                      <a:headEnd type="none" w="med" len="med"/>
+                      <a:tailEnd type="none" w="med" len="med"/>
+                    </a:lnL>
+                    <a:lnR w="12700" cap="flat" cmpd="sng" algn="ctr">
+                      <a:solidFill>
+                        <a:schemeClr val="tx1">
+                          <a:lumMod val="50000"/>
+                          <a:lumOff val="50000"/>
+                        </a:schemeClr>
+                      </a:solidFill>
+                      <a:prstDash val="solid"/>
+                      <a:round/>
+                      <a:headEnd type="none" w="med" len="med"/>
+                      <a:tailEnd type="none" w="med" len="med"/>
+                    </a:lnR>
+                    <a:lnT w="12700" cap="flat" cmpd="sng" algn="ctr">
+                      <a:solidFill>
+                        <a:schemeClr val="tx1">
+                          <a:lumMod val="50000"/>
+                          <a:lumOff val="50000"/>
+                        </a:schemeClr>
+                      </a:solidFill>
+                      <a:prstDash val="solid"/>
+                      <a:round/>
+                      <a:headEnd type="none" w="med" len="med"/>
+                      <a:tailEnd type="none" w="med" len="med"/>
+                    </a:lnT>
+                    <a:lnB w="12700" cap="flat" cmpd="sng" algn="ctr">
+                      <a:solidFill>
+                        <a:schemeClr val="tx1">
+                          <a:lumMod val="50000"/>
+                          <a:lumOff val="50000"/>
+                        </a:schemeClr>
+                      </a:solidFill>
+                      <a:prstDash val="solid"/>
+                      <a:round/>
+                      <a:headEnd type="none" w="med" len="med"/>
+                      <a:tailEnd type="none" w="med" len="med"/>
+                    </a:lnB>
+                  </a:tcPr>
+                </a:tc>
+                <a:tc>
+                  <a:txBody>
+                    <a:bodyPr/>
+                    <a:lstStyle/>
+                    <a:p>
+                      <a:pPr algn="ctr"/>
+                      <a:r>
+                        <a:rPr lang="en-US" sz="2500" dirty="0" smtClean="0">
+                          <a:latin typeface="Century Gothic" pitchFamily="34" charset="0"/>
+                        </a:rPr>
+                        <a:t>283</a:t>
+                      </a:r>
+                      <a:endParaRPr lang="en-US" sz="2500" dirty="0">
+                        <a:solidFill>
+                          <a:schemeClr val="bg2">
+                            <a:lumMod val="50000"/>
+                          </a:schemeClr>
+                        </a:solidFill>
+                        <a:latin typeface="Century Gothic" pitchFamily="34" charset="0"/>
+                      </a:endParaRPr>
+                    </a:p>
+                  </a:txBody>
+                  <a:tcPr anchor="ctr">
+                    <a:lnL w="12700" cap="flat" cmpd="sng" algn="ctr">
+                      <a:solidFill>
+                        <a:schemeClr val="tx1">
+                          <a:lumMod val="50000"/>
+                          <a:lumOff val="50000"/>
+                        </a:schemeClr>
+                      </a:solidFill>
+                      <a:prstDash val="solid"/>
+                      <a:round/>
+                      <a:headEnd type="none" w="med" len="med"/>
+                      <a:tailEnd type="none" w="med" len="med"/>
+                    </a:lnL>
+                    <a:lnR w="12700" cap="flat" cmpd="sng" algn="ctr">
+                      <a:solidFill>
+                        <a:schemeClr val="tx1">
+                          <a:lumMod val="50000"/>
+                          <a:lumOff val="50000"/>
+                        </a:schemeClr>
+                      </a:solidFill>
+                      <a:prstDash val="solid"/>
+                      <a:round/>
+                      <a:headEnd type="none" w="med" len="med"/>
+                      <a:tailEnd type="none" w="med" len="med"/>
+                    </a:lnR>
+                    <a:lnT w="12700" cap="flat" cmpd="sng" algn="ctr">
+                      <a:solidFill>
+                        <a:schemeClr val="tx1">
+                          <a:lumMod val="50000"/>
+                          <a:lumOff val="50000"/>
+                        </a:schemeClr>
+                      </a:solidFill>
+                      <a:prstDash val="solid"/>
+                      <a:round/>
+                      <a:headEnd type="none" w="med" len="med"/>
+                      <a:tailEnd type="none" w="med" len="med"/>
+                    </a:lnT>
+                    <a:lnB w="12700" cap="flat" cmpd="sng" algn="ctr">
+                      <a:solidFill>
+                        <a:schemeClr val="tx1">
+                          <a:lumMod val="50000"/>
+                          <a:lumOff val="50000"/>
+                        </a:schemeClr>
+                      </a:solidFill>
+                      <a:prstDash val="solid"/>
+                      <a:round/>
+                      <a:headEnd type="none" w="med" len="med"/>
+                      <a:tailEnd type="none" w="med" len="med"/>
+                    </a:lnB>
+                  </a:tcPr>
+                </a:tc>
+              </a:tr>
+              <a:tr h="452120">
+                <a:tc>
+                  <a:txBody>
+                    <a:bodyPr/>
+                    <a:lstStyle/>
+                    <a:p>
+                      <a:pPr algn="ctr"/>
+                      <a:r>
+                        <a:rPr lang="en-US" sz="2500" dirty="0" smtClean="0">
+                          <a:latin typeface="Century Gothic" pitchFamily="34" charset="0"/>
+                        </a:rPr>
+                        <a:t>View History</a:t>
+                      </a:r>
+                      <a:endParaRPr lang="en-US" sz="2500" dirty="0">
+                        <a:solidFill>
+                          <a:schemeClr val="bg2">
+                            <a:lumMod val="50000"/>
+                          </a:schemeClr>
+                        </a:solidFill>
+                        <a:latin typeface="Century Gothic" pitchFamily="34" charset="0"/>
+                      </a:endParaRPr>
+                    </a:p>
+                  </a:txBody>
+                  <a:tcPr anchor="ctr">
+                    <a:lnL w="12700" cap="flat" cmpd="sng" algn="ctr">
+                      <a:solidFill>
+                        <a:schemeClr val="tx1">
+                          <a:lumMod val="50000"/>
+                          <a:lumOff val="50000"/>
+                        </a:schemeClr>
+                      </a:solidFill>
+                      <a:prstDash val="solid"/>
+                      <a:round/>
+                      <a:headEnd type="none" w="med" len="med"/>
+                      <a:tailEnd type="none" w="med" len="med"/>
+                    </a:lnL>
+                    <a:lnR w="12700" cap="flat" cmpd="sng" algn="ctr">
+                      <a:solidFill>
+                        <a:schemeClr val="tx1">
+                          <a:lumMod val="50000"/>
+                          <a:lumOff val="50000"/>
+                        </a:schemeClr>
+                      </a:solidFill>
+                      <a:prstDash val="solid"/>
+                      <a:round/>
+                      <a:headEnd type="none" w="med" len="med"/>
+                      <a:tailEnd type="none" w="med" len="med"/>
+                    </a:lnR>
+                    <a:lnT w="12700" cap="flat" cmpd="sng" algn="ctr">
+                      <a:solidFill>
+                        <a:schemeClr val="tx1">
+                          <a:lumMod val="50000"/>
+                          <a:lumOff val="50000"/>
+                        </a:schemeClr>
+                      </a:solidFill>
+                      <a:prstDash val="solid"/>
+                      <a:round/>
+                      <a:headEnd type="none" w="med" len="med"/>
+                      <a:tailEnd type="none" w="med" len="med"/>
+                    </a:lnT>
+                    <a:lnB w="12700" cap="flat" cmpd="sng" algn="ctr">
+                      <a:solidFill>
+                        <a:schemeClr val="tx1">
+                          <a:lumMod val="50000"/>
+                          <a:lumOff val="50000"/>
+                        </a:schemeClr>
+                      </a:solidFill>
+                      <a:prstDash val="solid"/>
+                      <a:round/>
+                      <a:headEnd type="none" w="med" len="med"/>
+                      <a:tailEnd type="none" w="med" len="med"/>
+                    </a:lnB>
+                  </a:tcPr>
+                </a:tc>
+                <a:tc>
+                  <a:txBody>
+                    <a:bodyPr/>
+                    <a:lstStyle/>
+                    <a:p>
+                      <a:pPr algn="ctr"/>
+                      <a:r>
+                        <a:rPr lang="en-US" sz="2500" dirty="0" smtClean="0">
+                          <a:latin typeface="Century Gothic" pitchFamily="34" charset="0"/>
+                        </a:rPr>
+                        <a:t>2070</a:t>
+                      </a:r>
+                      <a:endParaRPr lang="en-US" sz="2500" dirty="0">
+                        <a:solidFill>
+                          <a:schemeClr val="bg2">
+                            <a:lumMod val="50000"/>
+                          </a:schemeClr>
+                        </a:solidFill>
+                        <a:latin typeface="Century Gothic" pitchFamily="34" charset="0"/>
+                      </a:endParaRPr>
+                    </a:p>
+                  </a:txBody>
+                  <a:tcPr anchor="ctr">
+                    <a:lnL w="12700" cap="flat" cmpd="sng" algn="ctr">
+                      <a:solidFill>
+                        <a:schemeClr val="tx1">
+                          <a:lumMod val="50000"/>
+                          <a:lumOff val="50000"/>
+                        </a:schemeClr>
+                      </a:solidFill>
+                      <a:prstDash val="solid"/>
+                      <a:round/>
+                      <a:headEnd type="none" w="med" len="med"/>
+                      <a:tailEnd type="none" w="med" len="med"/>
+                    </a:lnL>
+                    <a:lnR w="12700" cap="flat" cmpd="sng" algn="ctr">
+                      <a:solidFill>
+                        <a:schemeClr val="tx1">
+                          <a:lumMod val="50000"/>
+                          <a:lumOff val="50000"/>
+                        </a:schemeClr>
+                      </a:solidFill>
+                      <a:prstDash val="solid"/>
+                      <a:round/>
+                      <a:headEnd type="none" w="med" len="med"/>
+                      <a:tailEnd type="none" w="med" len="med"/>
+                    </a:lnR>
+                    <a:lnT w="12700" cap="flat" cmpd="sng" algn="ctr">
+                      <a:solidFill>
+                        <a:schemeClr val="tx1">
+                          <a:lumMod val="50000"/>
+                          <a:lumOff val="50000"/>
+                        </a:schemeClr>
+                      </a:solidFill>
+                      <a:prstDash val="solid"/>
+                      <a:round/>
+                      <a:headEnd type="none" w="med" len="med"/>
+                      <a:tailEnd type="none" w="med" len="med"/>
+                    </a:lnT>
+                    <a:lnB w="12700" cap="flat" cmpd="sng" algn="ctr">
+                      <a:solidFill>
+                        <a:schemeClr val="tx1">
+                          <a:lumMod val="50000"/>
+                          <a:lumOff val="50000"/>
+                        </a:schemeClr>
+                      </a:solidFill>
+                      <a:prstDash val="solid"/>
+                      <a:round/>
+                      <a:headEnd type="none" w="med" len="med"/>
+                      <a:tailEnd type="none" w="med" len="med"/>
+                    </a:lnB>
+                  </a:tcPr>
+                </a:tc>
+                <a:tc>
+                  <a:txBody>
+                    <a:bodyPr/>
+                    <a:lstStyle/>
+                    <a:p>
+                      <a:pPr algn="ctr"/>
+                      <a:r>
+                        <a:rPr lang="en-US" sz="2500" dirty="0" smtClean="0">
+                          <a:latin typeface="Century Gothic" pitchFamily="34" charset="0"/>
+                        </a:rPr>
+                        <a:t>872</a:t>
+                      </a:r>
+                      <a:endParaRPr lang="en-US" sz="2500" dirty="0">
+                        <a:solidFill>
+                          <a:schemeClr val="bg2">
+                            <a:lumMod val="50000"/>
+                          </a:schemeClr>
+                        </a:solidFill>
+                        <a:latin typeface="Century Gothic" pitchFamily="34" charset="0"/>
+                      </a:endParaRPr>
+                    </a:p>
+                  </a:txBody>
+                  <a:tcPr anchor="ctr">
+                    <a:lnL w="12700" cap="flat" cmpd="sng" algn="ctr">
+                      <a:solidFill>
+                        <a:schemeClr val="tx1">
+                          <a:lumMod val="50000"/>
+                          <a:lumOff val="50000"/>
+                        </a:schemeClr>
+                      </a:solidFill>
+                      <a:prstDash val="solid"/>
+                      <a:round/>
+                      <a:headEnd type="none" w="med" len="med"/>
+                      <a:tailEnd type="none" w="med" len="med"/>
+                    </a:lnL>
+                    <a:lnR w="12700" cap="flat" cmpd="sng" algn="ctr">
+                      <a:solidFill>
+                        <a:schemeClr val="tx1">
+                          <a:lumMod val="50000"/>
+                          <a:lumOff val="50000"/>
+                        </a:schemeClr>
+                      </a:solidFill>
+                      <a:prstDash val="solid"/>
+                      <a:round/>
+                      <a:headEnd type="none" w="med" len="med"/>
+                      <a:tailEnd type="none" w="med" len="med"/>
+                    </a:lnR>
+                    <a:lnT w="12700" cap="flat" cmpd="sng" algn="ctr">
+                      <a:solidFill>
+                        <a:schemeClr val="tx1">
+                          <a:lumMod val="50000"/>
+                          <a:lumOff val="50000"/>
+                        </a:schemeClr>
+                      </a:solidFill>
+                      <a:prstDash val="solid"/>
+                      <a:round/>
+                      <a:headEnd type="none" w="med" len="med"/>
+                      <a:tailEnd type="none" w="med" len="med"/>
+                    </a:lnT>
+                    <a:lnB w="12700" cap="flat" cmpd="sng" algn="ctr">
+                      <a:solidFill>
+                        <a:schemeClr val="tx1">
+                          <a:lumMod val="50000"/>
+                          <a:lumOff val="50000"/>
+                        </a:schemeClr>
+                      </a:solidFill>
+                      <a:prstDash val="solid"/>
+                      <a:round/>
+                      <a:headEnd type="none" w="med" len="med"/>
+                      <a:tailEnd type="none" w="med" len="med"/>
+                    </a:lnB>
+                  </a:tcPr>
+                </a:tc>
+                <a:tc>
+                  <a:txBody>
+                    <a:bodyPr/>
+                    <a:lstStyle/>
+                    <a:p>
+                      <a:pPr algn="ctr"/>
+                      <a:r>
+                        <a:rPr lang="en-US" sz="2500" dirty="0" smtClean="0">
+                          <a:latin typeface="Century Gothic" pitchFamily="34" charset="0"/>
+                        </a:rPr>
+                        <a:t>4226</a:t>
+                      </a:r>
+                      <a:endParaRPr lang="en-US" sz="2500" dirty="0">
+                        <a:solidFill>
+                          <a:schemeClr val="bg2">
+                            <a:lumMod val="50000"/>
+                          </a:schemeClr>
+                        </a:solidFill>
+                        <a:latin typeface="Century Gothic" pitchFamily="34" charset="0"/>
+                      </a:endParaRPr>
+                    </a:p>
+                  </a:txBody>
+                  <a:tcPr anchor="ctr">
+                    <a:lnL w="12700" cap="flat" cmpd="sng" algn="ctr">
+                      <a:solidFill>
+                        <a:schemeClr val="tx1">
+                          <a:lumMod val="50000"/>
+                          <a:lumOff val="50000"/>
+                        </a:schemeClr>
+                      </a:solidFill>
+                      <a:prstDash val="solid"/>
+                      <a:round/>
+                      <a:headEnd type="none" w="med" len="med"/>
+                      <a:tailEnd type="none" w="med" len="med"/>
+                    </a:lnL>
+                    <a:lnR w="12700" cap="flat" cmpd="sng" algn="ctr">
+                      <a:solidFill>
+                        <a:schemeClr val="tx1">
+                          <a:lumMod val="50000"/>
+                          <a:lumOff val="50000"/>
+                        </a:schemeClr>
+                      </a:solidFill>
+                      <a:prstDash val="solid"/>
+                      <a:round/>
+                      <a:headEnd type="none" w="med" len="med"/>
+                      <a:tailEnd type="none" w="med" len="med"/>
+                    </a:lnR>
+                    <a:lnT w="12700" cap="flat" cmpd="sng" algn="ctr">
+                      <a:solidFill>
+                        <a:schemeClr val="tx1">
+                          <a:lumMod val="50000"/>
+                          <a:lumOff val="50000"/>
+                        </a:schemeClr>
+                      </a:solidFill>
+                      <a:prstDash val="solid"/>
+                      <a:round/>
+                      <a:headEnd type="none" w="med" len="med"/>
+                      <a:tailEnd type="none" w="med" len="med"/>
+                    </a:lnT>
+                    <a:lnB w="12700" cap="flat" cmpd="sng" algn="ctr">
+                      <a:solidFill>
+                        <a:schemeClr val="tx1">
+                          <a:lumMod val="50000"/>
+                          <a:lumOff val="50000"/>
+                        </a:schemeClr>
+                      </a:solidFill>
+                      <a:prstDash val="solid"/>
+                      <a:round/>
+                      <a:headEnd type="none" w="med" len="med"/>
+                      <a:tailEnd type="none" w="med" len="med"/>
+                    </a:lnB>
+                  </a:tcPr>
+                </a:tc>
+                <a:tc>
+                  <a:txBody>
+                    <a:bodyPr/>
+                    <a:lstStyle/>
+                    <a:p>
+                      <a:pPr algn="ctr"/>
+                      <a:r>
+                        <a:rPr lang="en-US" sz="2500" dirty="0" smtClean="0">
+                          <a:latin typeface="Century Gothic" pitchFamily="34" charset="0"/>
+                        </a:rPr>
+                        <a:t>570</a:t>
+                      </a:r>
+                      <a:endParaRPr lang="en-US" sz="2500" dirty="0">
+                        <a:solidFill>
+                          <a:schemeClr val="bg2">
+                            <a:lumMod val="50000"/>
+                          </a:schemeClr>
+                        </a:solidFill>
+                        <a:latin typeface="Century Gothic" pitchFamily="34" charset="0"/>
+                      </a:endParaRPr>
+                    </a:p>
+                  </a:txBody>
+                  <a:tcPr anchor="ctr">
+                    <a:lnL w="12700" cap="flat" cmpd="sng" algn="ctr">
+                      <a:solidFill>
+                        <a:schemeClr val="tx1">
+                          <a:lumMod val="50000"/>
+                          <a:lumOff val="50000"/>
+                        </a:schemeClr>
+                      </a:solidFill>
+                      <a:prstDash val="solid"/>
+                      <a:round/>
+                      <a:headEnd type="none" w="med" len="med"/>
+                      <a:tailEnd type="none" w="med" len="med"/>
+                    </a:lnL>
+                    <a:lnR w="12700" cap="flat" cmpd="sng" algn="ctr">
+                      <a:solidFill>
+                        <a:schemeClr val="tx1">
+                          <a:lumMod val="50000"/>
+                          <a:lumOff val="50000"/>
+                        </a:schemeClr>
+                      </a:solidFill>
+                      <a:prstDash val="solid"/>
+                      <a:round/>
+                      <a:headEnd type="none" w="med" len="med"/>
+                      <a:tailEnd type="none" w="med" len="med"/>
+                    </a:lnR>
+                    <a:lnT w="12700" cap="flat" cmpd="sng" algn="ctr">
+                      <a:solidFill>
+                        <a:schemeClr val="tx1">
+                          <a:lumMod val="50000"/>
+                          <a:lumOff val="50000"/>
+                        </a:schemeClr>
+                      </a:solidFill>
+                      <a:prstDash val="solid"/>
+                      <a:round/>
+                      <a:headEnd type="none" w="med" len="med"/>
+                      <a:tailEnd type="none" w="med" len="med"/>
+                    </a:lnT>
+                    <a:lnB w="12700" cap="flat" cmpd="sng" algn="ctr">
+                      <a:solidFill>
+                        <a:schemeClr val="tx1">
+                          <a:lumMod val="50000"/>
+                          <a:lumOff val="50000"/>
+                        </a:schemeClr>
+                      </a:solidFill>
+                      <a:prstDash val="solid"/>
+                      <a:round/>
+                      <a:headEnd type="none" w="med" len="med"/>
+                      <a:tailEnd type="none" w="med" len="med"/>
+                    </a:lnB>
+                  </a:tcPr>
+                </a:tc>
+              </a:tr>
+              <a:tr h="452120">
+                <a:tc>
+                  <a:txBody>
+                    <a:bodyPr/>
+                    <a:lstStyle/>
+                    <a:p>
+                      <a:pPr algn="ctr"/>
+                      <a:r>
+                        <a:rPr lang="en-US" sz="2500" dirty="0" smtClean="0">
+                          <a:latin typeface="Century Gothic" pitchFamily="34" charset="0"/>
+                        </a:rPr>
+                        <a:t>Log</a:t>
+                      </a:r>
+                      <a:r>
+                        <a:rPr lang="en-US" sz="2500" baseline="0" dirty="0" smtClean="0">
+                          <a:latin typeface="Century Gothic" pitchFamily="34" charset="0"/>
+                        </a:rPr>
+                        <a:t>out</a:t>
+                      </a:r>
+                      <a:endParaRPr lang="en-US" sz="2500" dirty="0">
+                        <a:solidFill>
+                          <a:schemeClr val="bg2">
+                            <a:lumMod val="50000"/>
+                          </a:schemeClr>
+                        </a:solidFill>
+                        <a:latin typeface="Century Gothic" pitchFamily="34" charset="0"/>
+                      </a:endParaRPr>
+                    </a:p>
+                  </a:txBody>
+                  <a:tcPr anchor="ctr">
+                    <a:lnL w="12700" cap="flat" cmpd="sng" algn="ctr">
+                      <a:solidFill>
+                        <a:schemeClr val="tx1">
+                          <a:lumMod val="50000"/>
+                          <a:lumOff val="50000"/>
+                        </a:schemeClr>
+                      </a:solidFill>
+                      <a:prstDash val="solid"/>
+                      <a:round/>
+                      <a:headEnd type="none" w="med" len="med"/>
+                      <a:tailEnd type="none" w="med" len="med"/>
+                    </a:lnL>
+                    <a:lnR w="12700" cap="flat" cmpd="sng" algn="ctr">
+                      <a:solidFill>
+                        <a:schemeClr val="tx1">
+                          <a:lumMod val="50000"/>
+                          <a:lumOff val="50000"/>
+                        </a:schemeClr>
+                      </a:solidFill>
+                      <a:prstDash val="solid"/>
+                      <a:round/>
+                      <a:headEnd type="none" w="med" len="med"/>
+                      <a:tailEnd type="none" w="med" len="med"/>
+                    </a:lnR>
+                    <a:lnT w="12700" cap="flat" cmpd="sng" algn="ctr">
+                      <a:solidFill>
+                        <a:schemeClr val="tx1">
+                          <a:lumMod val="50000"/>
+                          <a:lumOff val="50000"/>
+                        </a:schemeClr>
+                      </a:solidFill>
+                      <a:prstDash val="solid"/>
+                      <a:round/>
+                      <a:headEnd type="none" w="med" len="med"/>
+                      <a:tailEnd type="none" w="med" len="med"/>
+                    </a:lnT>
+                    <a:lnB w="12700" cap="flat" cmpd="sng" algn="ctr">
+                      <a:solidFill>
+                        <a:schemeClr val="tx1">
+                          <a:lumMod val="50000"/>
+                          <a:lumOff val="50000"/>
+                        </a:schemeClr>
+                      </a:solidFill>
+                      <a:prstDash val="solid"/>
+                      <a:round/>
+                      <a:headEnd type="none" w="med" len="med"/>
+                      <a:tailEnd type="none" w="med" len="med"/>
+                    </a:lnB>
+                  </a:tcPr>
+                </a:tc>
+                <a:tc>
+                  <a:txBody>
+                    <a:bodyPr/>
+                    <a:lstStyle/>
+                    <a:p>
+                      <a:pPr algn="ctr"/>
+                      <a:r>
+                        <a:rPr lang="en-US" sz="2500" dirty="0" smtClean="0">
+                          <a:latin typeface="Century Gothic" pitchFamily="34" charset="0"/>
+                        </a:rPr>
+                        <a:t>0</a:t>
+                      </a:r>
+                      <a:endParaRPr lang="en-US" sz="2500" dirty="0">
+                        <a:solidFill>
+                          <a:schemeClr val="bg2">
+                            <a:lumMod val="50000"/>
+                          </a:schemeClr>
+                        </a:solidFill>
+                        <a:latin typeface="Century Gothic" pitchFamily="34" charset="0"/>
+                      </a:endParaRPr>
+                    </a:p>
+                  </a:txBody>
+                  <a:tcPr anchor="ctr">
+                    <a:lnL w="12700" cap="flat" cmpd="sng" algn="ctr">
+                      <a:solidFill>
+                        <a:schemeClr val="tx1">
+                          <a:lumMod val="50000"/>
+                          <a:lumOff val="50000"/>
+                        </a:schemeClr>
+                      </a:solidFill>
+                      <a:prstDash val="solid"/>
+                      <a:round/>
+                      <a:headEnd type="none" w="med" len="med"/>
+                      <a:tailEnd type="none" w="med" len="med"/>
+                    </a:lnL>
+                    <a:lnR w="12700" cap="flat" cmpd="sng" algn="ctr">
+                      <a:solidFill>
+                        <a:schemeClr val="tx1">
+                          <a:lumMod val="50000"/>
+                          <a:lumOff val="50000"/>
+                        </a:schemeClr>
+                      </a:solidFill>
+                      <a:prstDash val="solid"/>
+                      <a:round/>
+                      <a:headEnd type="none" w="med" len="med"/>
+                      <a:tailEnd type="none" w="med" len="med"/>
+                    </a:lnR>
+                    <a:lnT w="12700" cap="flat" cmpd="sng" algn="ctr">
+                      <a:solidFill>
+                        <a:schemeClr val="tx1">
+                          <a:lumMod val="50000"/>
+                          <a:lumOff val="50000"/>
+                        </a:schemeClr>
+                      </a:solidFill>
+                      <a:prstDash val="solid"/>
+                      <a:round/>
+                      <a:headEnd type="none" w="med" len="med"/>
+                      <a:tailEnd type="none" w="med" len="med"/>
+                    </a:lnT>
+                    <a:lnB w="12700" cap="flat" cmpd="sng" algn="ctr">
+                      <a:solidFill>
+                        <a:schemeClr val="tx1">
+                          <a:lumMod val="50000"/>
+                          <a:lumOff val="50000"/>
+                        </a:schemeClr>
+                      </a:solidFill>
+                      <a:prstDash val="solid"/>
+                      <a:round/>
+                      <a:headEnd type="none" w="med" len="med"/>
+                      <a:tailEnd type="none" w="med" len="med"/>
+                    </a:lnB>
+                  </a:tcPr>
+                </a:tc>
+                <a:tc>
+                  <a:txBody>
+                    <a:bodyPr/>
+                    <a:lstStyle/>
+                    <a:p>
+                      <a:pPr algn="ctr"/>
+                      <a:r>
+                        <a:rPr lang="en-US" sz="2500" dirty="0" smtClean="0">
+                          <a:latin typeface="Century Gothic" pitchFamily="34" charset="0"/>
+                        </a:rPr>
+                        <a:t>0</a:t>
+                      </a:r>
+                      <a:endParaRPr lang="en-US" sz="2500" dirty="0">
+                        <a:solidFill>
+                          <a:schemeClr val="bg2">
+                            <a:lumMod val="50000"/>
+                          </a:schemeClr>
+                        </a:solidFill>
+                        <a:latin typeface="Century Gothic" pitchFamily="34" charset="0"/>
+                      </a:endParaRPr>
+                    </a:p>
+                  </a:txBody>
+                  <a:tcPr anchor="ctr">
+                    <a:lnL w="12700" cap="flat" cmpd="sng" algn="ctr">
+                      <a:solidFill>
+                        <a:schemeClr val="tx1">
+                          <a:lumMod val="50000"/>
+                          <a:lumOff val="50000"/>
+                        </a:schemeClr>
+                      </a:solidFill>
+                      <a:prstDash val="solid"/>
+                      <a:round/>
+                      <a:headEnd type="none" w="med" len="med"/>
+                      <a:tailEnd type="none" w="med" len="med"/>
+                    </a:lnL>
+                    <a:lnR w="12700" cap="flat" cmpd="sng" algn="ctr">
+                      <a:solidFill>
+                        <a:schemeClr val="tx1">
+                          <a:lumMod val="50000"/>
+                          <a:lumOff val="50000"/>
+                        </a:schemeClr>
+                      </a:solidFill>
+                      <a:prstDash val="solid"/>
+                      <a:round/>
+                      <a:headEnd type="none" w="med" len="med"/>
+                      <a:tailEnd type="none" w="med" len="med"/>
+                    </a:lnR>
+                    <a:lnT w="12700" cap="flat" cmpd="sng" algn="ctr">
+                      <a:solidFill>
+                        <a:schemeClr val="tx1">
+                          <a:lumMod val="50000"/>
+                          <a:lumOff val="50000"/>
+                        </a:schemeClr>
+                      </a:solidFill>
+                      <a:prstDash val="solid"/>
+                      <a:round/>
+                      <a:headEnd type="none" w="med" len="med"/>
+                      <a:tailEnd type="none" w="med" len="med"/>
+                    </a:lnT>
+                    <a:lnB w="12700" cap="flat" cmpd="sng" algn="ctr">
+                      <a:solidFill>
+                        <a:schemeClr val="tx1">
+                          <a:lumMod val="50000"/>
+                          <a:lumOff val="50000"/>
+                        </a:schemeClr>
+                      </a:solidFill>
+                      <a:prstDash val="solid"/>
+                      <a:round/>
+                      <a:headEnd type="none" w="med" len="med"/>
+                      <a:tailEnd type="none" w="med" len="med"/>
+                    </a:lnB>
+                  </a:tcPr>
+                </a:tc>
+                <a:tc>
+                  <a:txBody>
+                    <a:bodyPr/>
+                    <a:lstStyle/>
+                    <a:p>
+                      <a:pPr algn="ctr"/>
+                      <a:r>
+                        <a:rPr lang="en-US" sz="2500" dirty="0" smtClean="0">
+                          <a:latin typeface="Century Gothic" pitchFamily="34" charset="0"/>
+                        </a:rPr>
+                        <a:t>0</a:t>
+                      </a:r>
+                      <a:endParaRPr lang="en-US" sz="2500" dirty="0">
+                        <a:solidFill>
+                          <a:schemeClr val="bg2">
+                            <a:lumMod val="50000"/>
+                          </a:schemeClr>
+                        </a:solidFill>
+                        <a:latin typeface="Century Gothic" pitchFamily="34" charset="0"/>
+                      </a:endParaRPr>
+                    </a:p>
+                  </a:txBody>
+                  <a:tcPr anchor="ctr">
+                    <a:lnL w="12700" cap="flat" cmpd="sng" algn="ctr">
+                      <a:solidFill>
+                        <a:schemeClr val="tx1">
+                          <a:lumMod val="50000"/>
+                          <a:lumOff val="50000"/>
+                        </a:schemeClr>
+                      </a:solidFill>
+                      <a:prstDash val="solid"/>
+                      <a:round/>
+                      <a:headEnd type="none" w="med" len="med"/>
+                      <a:tailEnd type="none" w="med" len="med"/>
+                    </a:lnL>
+                    <a:lnR w="12700" cap="flat" cmpd="sng" algn="ctr">
+                      <a:solidFill>
+                        <a:schemeClr val="tx1">
+                          <a:lumMod val="50000"/>
+                          <a:lumOff val="50000"/>
+                        </a:schemeClr>
+                      </a:solidFill>
+                      <a:prstDash val="solid"/>
+                      <a:round/>
+                      <a:headEnd type="none" w="med" len="med"/>
+                      <a:tailEnd type="none" w="med" len="med"/>
+                    </a:lnR>
+                    <a:lnT w="12700" cap="flat" cmpd="sng" algn="ctr">
+                      <a:solidFill>
+                        <a:schemeClr val="tx1">
+                          <a:lumMod val="50000"/>
+                          <a:lumOff val="50000"/>
+                        </a:schemeClr>
+                      </a:solidFill>
+                      <a:prstDash val="solid"/>
+                      <a:round/>
+                      <a:headEnd type="none" w="med" len="med"/>
+                      <a:tailEnd type="none" w="med" len="med"/>
+                    </a:lnT>
+                    <a:lnB w="12700" cap="flat" cmpd="sng" algn="ctr">
+                      <a:solidFill>
+                        <a:schemeClr val="tx1">
+                          <a:lumMod val="50000"/>
+                          <a:lumOff val="50000"/>
+                        </a:schemeClr>
+                      </a:solidFill>
+                      <a:prstDash val="solid"/>
+                      <a:round/>
+                      <a:headEnd type="none" w="med" len="med"/>
+                      <a:tailEnd type="none" w="med" len="med"/>
+                    </a:lnB>
+                  </a:tcPr>
+                </a:tc>
+                <a:tc>
+                  <a:txBody>
+                    <a:bodyPr/>
+                    <a:lstStyle/>
+                    <a:p>
+                      <a:pPr algn="ctr"/>
+                      <a:r>
+                        <a:rPr lang="en-US" sz="2500" dirty="0" smtClean="0">
+                          <a:latin typeface="Century Gothic" pitchFamily="34" charset="0"/>
+                        </a:rPr>
+                        <a:t>0</a:t>
+                      </a:r>
+                      <a:endParaRPr lang="en-US" sz="2500" dirty="0">
+                        <a:solidFill>
+                          <a:schemeClr val="bg2">
+                            <a:lumMod val="50000"/>
+                          </a:schemeClr>
+                        </a:solidFill>
+                        <a:latin typeface="Century Gothic" pitchFamily="34" charset="0"/>
+                      </a:endParaRPr>
+                    </a:p>
+                  </a:txBody>
+                  <a:tcPr anchor="ctr">
+                    <a:lnL w="12700" cap="flat" cmpd="sng" algn="ctr">
+                      <a:solidFill>
+                        <a:schemeClr val="tx1">
+                          <a:lumMod val="50000"/>
+                          <a:lumOff val="50000"/>
+                        </a:schemeClr>
+                      </a:solidFill>
+                      <a:prstDash val="solid"/>
+                      <a:round/>
+                      <a:headEnd type="none" w="med" len="med"/>
+                      <a:tailEnd type="none" w="med" len="med"/>
+                    </a:lnL>
+                    <a:lnR w="12700" cap="flat" cmpd="sng" algn="ctr">
+                      <a:solidFill>
+                        <a:schemeClr val="tx1">
+                          <a:lumMod val="50000"/>
+                          <a:lumOff val="50000"/>
+                        </a:schemeClr>
+                      </a:solidFill>
+                      <a:prstDash val="solid"/>
+                      <a:round/>
+                      <a:headEnd type="none" w="med" len="med"/>
+                      <a:tailEnd type="none" w="med" len="med"/>
+                    </a:lnR>
+                    <a:lnT w="12700" cap="flat" cmpd="sng" algn="ctr">
+                      <a:solidFill>
+                        <a:schemeClr val="tx1">
+                          <a:lumMod val="50000"/>
+                          <a:lumOff val="50000"/>
+                        </a:schemeClr>
+                      </a:solidFill>
+                      <a:prstDash val="solid"/>
+                      <a:round/>
+                      <a:headEnd type="none" w="med" len="med"/>
+                      <a:tailEnd type="none" w="med" len="med"/>
+                    </a:lnT>
+                    <a:lnB w="12700" cap="flat" cmpd="sng" algn="ctr">
+                      <a:solidFill>
+                        <a:schemeClr val="tx1">
+                          <a:lumMod val="50000"/>
+                          <a:lumOff val="50000"/>
+                        </a:schemeClr>
+                      </a:solidFill>
+                      <a:prstDash val="solid"/>
+                      <a:round/>
+                      <a:headEnd type="none" w="med" len="med"/>
+                      <a:tailEnd type="none" w="med" len="med"/>
+                    </a:lnB>
+                  </a:tcPr>
+                </a:tc>
+              </a:tr>
+            </a:tbl>
+          </a:graphicData>
+        </a:graphic>
+      </p:graphicFrame>
+      <p:sp>
+        <p:nvSpPr>
+          <p:cNvPr id="79" name="Rectangle 48"/>
+          <p:cNvSpPr>
+            <a:spLocks noChangeArrowheads="1"/>
+          </p:cNvSpPr>
+          <p:nvPr/>
+        </p:nvSpPr>
+        <p:spPr bwMode="auto">
+          <a:xfrm>
+            <a:off x="31318200" y="9144000"/>
+            <a:ext cx="10113963" cy="779462"/>
+          </a:xfrm>
+          <a:prstGeom prst="rect">
+            <a:avLst/>
+          </a:prstGeom>
+          <a:noFill/>
+          <a:ln w="12700">
+            <a:noFill/>
+            <a:miter lim="800000"/>
+            <a:headEnd/>
+            <a:tailEnd/>
+          </a:ln>
+        </p:spPr>
+        <p:txBody>
+          <a:bodyPr wrap="none" lIns="90488" tIns="44450" rIns="90488" bIns="44450" anchor="ctr"/>
+          <a:lstStyle/>
+          <a:p>
+            <a:pPr algn="l">
+              <a:spcBef>
+                <a:spcPct val="0"/>
+              </a:spcBef>
+            </a:pPr>
+            <a:r>
+              <a:rPr lang="en-US" sz="4000" b="1" dirty="0" smtClean="0">
+                <a:latin typeface="Lucida Sans" pitchFamily="34" charset="0"/>
+                <a:cs typeface="Lucida Sans" pitchFamily="34" charset="0"/>
+              </a:rPr>
+              <a:t>User Testing</a:t>
+            </a:r>
+            <a:endParaRPr lang="en-US" sz="4000" b="1" dirty="0">
+              <a:latin typeface="Lucida Sans" pitchFamily="34" charset="0"/>
+              <a:cs typeface="Lucida Sans" pitchFamily="34" charset="0"/>
+            </a:endParaRPr>
+          </a:p>
+        </p:txBody>
+      </p:sp>
+      <p:sp>
+        <p:nvSpPr>
+          <p:cNvPr id="80" name="Rectangle 79"/>
           <p:cNvSpPr/>
           <p:nvPr/>
         </p:nvSpPr>
         <p:spPr>
           <a:xfrm>
-            <a:off x="31394400" y="10820400"/>
-            <a:ext cx="5192447" cy="523220"/>
+            <a:off x="31546800" y="9906000"/>
+            <a:ext cx="11430000" cy="4708981"/>
           </a:xfrm>
           <a:prstGeom prst="rect">
             <a:avLst/>
           </a:prstGeom>
         </p:spPr>
         <p:txBody>
-          <a:bodyPr wrap="none">
+          <a:bodyPr wrap="square">
             <a:spAutoFit/>
           </a:bodyPr>
           <a:lstStyle/>
           <a:p>
-            <a:pPr algn="l"/>
+            <a:pPr>
+              <a:spcBef>
+                <a:spcPts val="0"/>
+              </a:spcBef>
+            </a:pPr>
+            <a:r>
+              <a:rPr lang="en-US" sz="3000" dirty="0" smtClean="0">
+                <a:solidFill>
+                  <a:schemeClr val="bg2">
+                    <a:lumMod val="50000"/>
+                  </a:schemeClr>
+                </a:solidFill>
+                <a:latin typeface="Century Gothic" pitchFamily="34" charset="0"/>
+              </a:rPr>
+              <a:t>Over 40 people from diverse groups were tested using three different versions of each app.   </a:t>
+            </a:r>
+          </a:p>
+          <a:p>
+            <a:pPr>
+              <a:spcBef>
+                <a:spcPts val="0"/>
+              </a:spcBef>
+            </a:pPr>
+            <a:endParaRPr lang="en-US" sz="3000" dirty="0">
+              <a:solidFill>
+                <a:schemeClr val="bg2">
+                  <a:lumMod val="50000"/>
+                </a:schemeClr>
+              </a:solidFill>
+              <a:latin typeface="Century Gothic" pitchFamily="34" charset="0"/>
+            </a:endParaRPr>
+          </a:p>
+          <a:p>
+            <a:pPr>
+              <a:spcBef>
+                <a:spcPts val="0"/>
+              </a:spcBef>
+            </a:pPr>
+            <a:r>
+              <a:rPr lang="en-US" sz="3000" dirty="0" smtClean="0">
+                <a:solidFill>
+                  <a:schemeClr val="bg2">
+                    <a:lumMod val="50000"/>
+                  </a:schemeClr>
+                </a:solidFill>
+                <a:latin typeface="Century Gothic" pitchFamily="34" charset="0"/>
+              </a:rPr>
+              <a:t>Common issues found were: </a:t>
+            </a:r>
+          </a:p>
+          <a:p>
+            <a:pPr marL="914400" lvl="1" indent="-457200">
+              <a:spcBef>
+                <a:spcPts val="0"/>
+              </a:spcBef>
+              <a:buFont typeface="Arial" pitchFamily="34" charset="0"/>
+              <a:buChar char="•"/>
+            </a:pPr>
+            <a:r>
+              <a:rPr lang="en-US" sz="3000" dirty="0" smtClean="0">
+                <a:solidFill>
+                  <a:schemeClr val="bg2">
+                    <a:lumMod val="50000"/>
+                  </a:schemeClr>
+                </a:solidFill>
+                <a:latin typeface="Century Gothic" pitchFamily="34" charset="0"/>
+              </a:rPr>
+              <a:t>Expected functionality for map page</a:t>
+            </a:r>
+          </a:p>
+          <a:p>
+            <a:pPr marL="914400" lvl="1" indent="-457200">
+              <a:spcBef>
+                <a:spcPts val="0"/>
+              </a:spcBef>
+              <a:buFont typeface="Arial" pitchFamily="34" charset="0"/>
+              <a:buChar char="•"/>
+            </a:pPr>
+            <a:r>
+              <a:rPr lang="en-US" sz="3000" dirty="0" smtClean="0">
+                <a:solidFill>
+                  <a:schemeClr val="bg2">
+                    <a:lumMod val="50000"/>
+                  </a:schemeClr>
+                </a:solidFill>
+                <a:latin typeface="Century Gothic" pitchFamily="34" charset="0"/>
+              </a:rPr>
+              <a:t>Shortcut/navigation </a:t>
+            </a:r>
+          </a:p>
+          <a:p>
+            <a:pPr marL="914400" lvl="1" indent="-457200">
+              <a:spcBef>
+                <a:spcPts val="0"/>
+              </a:spcBef>
+              <a:buFont typeface="Arial" pitchFamily="34" charset="0"/>
+              <a:buChar char="•"/>
+            </a:pPr>
+            <a:r>
+              <a:rPr lang="en-US" sz="3000" dirty="0" smtClean="0">
+                <a:solidFill>
+                  <a:schemeClr val="bg2">
+                    <a:lumMod val="50000"/>
+                  </a:schemeClr>
+                </a:solidFill>
+                <a:latin typeface="Century Gothic" pitchFamily="34" charset="0"/>
+              </a:rPr>
+              <a:t>Poor feedback for user </a:t>
+            </a:r>
+          </a:p>
+          <a:p>
+            <a:pPr marL="1371600" lvl="2" indent="-457200">
+              <a:spcBef>
+                <a:spcPts val="0"/>
+              </a:spcBef>
+              <a:buFont typeface="Courier New" pitchFamily="49" charset="0"/>
+              <a:buChar char="o"/>
+            </a:pPr>
+            <a:r>
+              <a:rPr lang="en-US" sz="3000" dirty="0" smtClean="0">
+                <a:solidFill>
+                  <a:schemeClr val="bg2">
+                    <a:lumMod val="50000"/>
+                  </a:schemeClr>
+                </a:solidFill>
+                <a:latin typeface="Century Gothic" pitchFamily="34" charset="0"/>
+              </a:rPr>
+              <a:t>Error messages</a:t>
+            </a:r>
+          </a:p>
+          <a:p>
+            <a:pPr marL="1371600" lvl="2" indent="-457200">
+              <a:spcBef>
+                <a:spcPts val="0"/>
+              </a:spcBef>
+              <a:buFont typeface="Courier New" pitchFamily="49" charset="0"/>
+              <a:buChar char="o"/>
+            </a:pPr>
+            <a:r>
+              <a:rPr lang="en-US" sz="3000" dirty="0" smtClean="0">
+                <a:solidFill>
+                  <a:schemeClr val="bg2">
+                    <a:lumMod val="50000"/>
+                  </a:schemeClr>
+                </a:solidFill>
+                <a:latin typeface="Century Gothic" pitchFamily="34" charset="0"/>
+              </a:rPr>
+              <a:t>Confirmation for important user actions</a:t>
+            </a:r>
+          </a:p>
+          <a:p>
+            <a:pPr marL="1371600" lvl="2" indent="-457200">
+              <a:spcBef>
+                <a:spcPts val="0"/>
+              </a:spcBef>
+              <a:buFont typeface="Courier New" pitchFamily="49" charset="0"/>
+              <a:buChar char="o"/>
+            </a:pPr>
+            <a:r>
+              <a:rPr lang="en-US" sz="3000" dirty="0" smtClean="0">
+                <a:solidFill>
+                  <a:schemeClr val="bg2">
+                    <a:lumMod val="50000"/>
+                  </a:schemeClr>
+                </a:solidFill>
+                <a:latin typeface="Century Gothic" pitchFamily="34" charset="0"/>
+              </a:rPr>
+              <a:t>Explanation of empty lists</a:t>
+            </a:r>
+          </a:p>
+        </p:txBody>
+      </p:sp>
+      <p:sp>
+        <p:nvSpPr>
+          <p:cNvPr id="81" name="Rectangle 48"/>
+          <p:cNvSpPr>
+            <a:spLocks noChangeArrowheads="1"/>
+          </p:cNvSpPr>
+          <p:nvPr/>
+        </p:nvSpPr>
+        <p:spPr bwMode="auto">
+          <a:xfrm>
+            <a:off x="31318200" y="15193010"/>
+            <a:ext cx="10113963" cy="779462"/>
+          </a:xfrm>
+          <a:prstGeom prst="rect">
+            <a:avLst/>
+          </a:prstGeom>
+          <a:noFill/>
+          <a:ln w="12700">
+            <a:noFill/>
+            <a:miter lim="800000"/>
+            <a:headEnd/>
+            <a:tailEnd/>
+          </a:ln>
+        </p:spPr>
+        <p:txBody>
+          <a:bodyPr wrap="none" lIns="90488" tIns="44450" rIns="90488" bIns="44450" anchor="ctr"/>
+          <a:lstStyle/>
+          <a:p>
+            <a:pPr algn="l">
+              <a:spcBef>
+                <a:spcPct val="0"/>
+              </a:spcBef>
+            </a:pPr>
+            <a:r>
+              <a:rPr lang="en-US" sz="4000" b="1" dirty="0" smtClean="0">
+                <a:latin typeface="Lucida Sans" pitchFamily="34" charset="0"/>
+                <a:cs typeface="Lucida Sans" pitchFamily="34" charset="0"/>
+              </a:rPr>
+              <a:t>Unit Testing</a:t>
+            </a:r>
+            <a:endParaRPr lang="en-US" sz="4000" b="1" dirty="0">
+              <a:latin typeface="Lucida Sans" pitchFamily="34" charset="0"/>
+              <a:cs typeface="Lucida Sans" pitchFamily="34" charset="0"/>
+            </a:endParaRPr>
+          </a:p>
+        </p:txBody>
+      </p:sp>
+      <p:sp>
+        <p:nvSpPr>
+          <p:cNvPr id="5" name="AutoShape 2" descr="https://mail.google.com/mail/u/0/?ui=2&amp;ik=c9e8a5f354&amp;view=att&amp;th=13dfbb35feca3559&amp;attid=0.1.1&amp;disp=emb&amp;zw&amp;atsh=1"/>
+          <p:cNvSpPr>
+            <a:spLocks noChangeAspect="1" noChangeArrowheads="1"/>
+          </p:cNvSpPr>
+          <p:nvPr/>
+        </p:nvSpPr>
+        <p:spPr bwMode="auto">
+          <a:xfrm>
+            <a:off x="155575" y="-144463"/>
+            <a:ext cx="304800" cy="304801"/>
+          </a:xfrm>
+          <a:prstGeom prst="rect">
+            <a:avLst/>
+          </a:prstGeom>
+          <a:noFill/>
+          <a:extLst>
+            <a:ext uri="{909E8E84-426E-40DD-AFC4-6F175D3DCCD1}">
+              <a14:hiddenFill xmlns:a14="http://schemas.microsoft.com/office/drawing/2010/main">
+                <a:solidFill>
+                  <a:srgbClr val="FFFFFF"/>
+                </a:solidFill>
+              </a14:hiddenFill>
+            </a:ext>
+          </a:extLst>
+        </p:spPr>
+        <p:txBody>
+          <a:bodyPr vert="horz" wrap="square" lIns="91440" tIns="45720" rIns="91440" bIns="45720" numCol="1" anchor="t" anchorCtr="0" compatLnSpc="1">
+            <a:prstTxWarp prst="textNoShape">
+              <a:avLst/>
+            </a:prstTxWarp>
+          </a:bodyPr>
+          <a:lstStyle/>
+          <a:p>
+            <a:endParaRPr lang="en-US"/>
+          </a:p>
+        </p:txBody>
+      </p:sp>
+      <p:sp>
+        <p:nvSpPr>
+          <p:cNvPr id="83" name="Rectangle 82"/>
+          <p:cNvSpPr/>
+          <p:nvPr/>
+        </p:nvSpPr>
+        <p:spPr>
+          <a:xfrm>
+            <a:off x="31546800" y="15972472"/>
+            <a:ext cx="11430000" cy="1477328"/>
+          </a:xfrm>
+          <a:prstGeom prst="rect">
+            <a:avLst/>
+          </a:prstGeom>
+        </p:spPr>
+        <p:txBody>
+          <a:bodyPr wrap="square">
+            <a:spAutoFit/>
+          </a:bodyPr>
+          <a:lstStyle/>
+          <a:p>
+            <a:pPr>
+              <a:spcBef>
+                <a:spcPts val="0"/>
+              </a:spcBef>
+            </a:pPr>
+            <a:r>
+              <a:rPr lang="en-US" sz="3000" dirty="0" smtClean="0">
+                <a:solidFill>
+                  <a:schemeClr val="bg2">
+                    <a:lumMod val="50000"/>
+                  </a:schemeClr>
+                </a:solidFill>
+                <a:latin typeface="Century Gothic" pitchFamily="34" charset="0"/>
+              </a:rPr>
+              <a:t>The backend software is being unit-tested for correct functionality.  As functions were developed for the app, they were manually tested.  </a:t>
+            </a:r>
+          </a:p>
+        </p:txBody>
+      </p:sp>
+      <p:sp>
+        <p:nvSpPr>
+          <p:cNvPr id="85" name="Rectangle 84"/>
+          <p:cNvSpPr/>
+          <p:nvPr/>
+        </p:nvSpPr>
+        <p:spPr>
+          <a:xfrm>
+            <a:off x="31318200" y="20305693"/>
+            <a:ext cx="11658600" cy="954107"/>
+          </a:xfrm>
+          <a:prstGeom prst="rect">
+            <a:avLst/>
+          </a:prstGeom>
+        </p:spPr>
+        <p:txBody>
+          <a:bodyPr wrap="square">
+            <a:spAutoFit/>
+          </a:bodyPr>
+          <a:lstStyle/>
+          <a:p>
+            <a:pPr>
+              <a:spcBef>
+                <a:spcPts val="0"/>
+              </a:spcBef>
+            </a:pPr>
             <a:r>
               <a:rPr lang="en-US" b="1" dirty="0" smtClean="0">
                 <a:solidFill>
@@ -6539,18 +9332,7 @@
                 </a:solidFill>
                 <a:latin typeface="Century Gothic" pitchFamily="34" charset="0"/>
               </a:rPr>
-              <a:t>Table1</a:t>
-            </a:r>
-            <a:r>
-              <a:rPr lang="en-US" dirty="0">
-                <a:solidFill>
-                  <a:schemeClr val="bg2">
-                    <a:lumMod val="50000"/>
-                  </a:schemeClr>
-                </a:solidFill>
-                <a:latin typeface="Century Gothic" pitchFamily="34" charset="0"/>
-              </a:rPr>
-              <a:t>: </a:t>
+              <a:t>Table 1: </a:t>
             </a:r>
             <a:r>
               <a:rPr lang="en-US" dirty="0" smtClean="0">
@@ -6561,9 +9343,9 @@
                 </a:solidFill>
                 <a:latin typeface="Century Gothic" pitchFamily="34" charset="0"/>
               </a:rPr>
-              <a:t>Test results from _____</a:t>
-            </a:r>
-            <a:endParaRPr lang="en-US" dirty="0">
+              <a:t>Data transfer information for Android and iPhone.  Data transferred depends on the length of the specific record.</a:t>
+            </a:r>
+            <a:endParaRPr lang="en-US" b="1" dirty="0" smtClean="0">
               <a:solidFill>
                 <a:schemeClr val="bg2">
                   <a:lumMod val="50000"/>
@@ -6576,7 +9358,7 @@
       </p:sp>
       <p:pic>
         <p:nvPicPr>
-          <p:cNvPr id="1071" name="Picture 47"/>
+          <p:cNvPr id="1035" name="Picture 11"/>
           <p:cNvPicPr>
             <a:picLocks noChangeAspect="1" noChangeArrowheads="1"/>
           </p:cNvPicPr>
@@ -6597,8 +9379,8 @@
         </p:blipFill>
         <p:spPr bwMode="auto">
           <a:xfrm>
-            <a:off x="14478001" y="5866409"/>
-            <a:ext cx="6476999" cy="12573991"/>
+            <a:off x="15030807" y="6019801"/>
+            <a:ext cx="5847993" cy="11353800"/>
           </a:xfrm>
           <a:prstGeom prst="rect">
             <a:avLst/>
@@ -6607,6 +9389,7 @@
           <a:ln>
             <a:noFill/>
           </a:ln>
+          <a:effectLst/>
           <a:extLst>
             <a:ext uri="{909E8E84-426E-40DD-AFC4-6F175D3DCCD1}">
               <a14:hiddenFill xmlns:a14="http://schemas.microsoft.com/office/drawing/2010/main">
@@ -6625,12 +9408,21 @@
                 <a:tailEnd/>
               </a14:hiddenLine>
             </a:ext>
+            <a:ext uri="{AF507438-7753-43E0-B8FC-AC1667EBCBE1}">
+              <a14:hiddenEffects xmlns:a14="http://schemas.microsoft.com/office/drawing/2010/main">
+                <a:effectLst>
+                  <a:outerShdw dist="35921" dir="2700000" algn="ctr" rotWithShape="0">
+                    <a:schemeClr val="bg2"/>
+                  </a:outerShdw>
+                </a:effectLst>
+              </a14:hiddenEffects>
+            </a:ext>
           </a:extLst>
         </p:spPr>
       </p:pic>
       <p:pic>
         <p:nvPicPr>
-          <p:cNvPr id="15" name="Picture 50"/>
+          <p:cNvPr id="1036" name="Picture 12"/>
           <p:cNvPicPr>
             <a:picLocks noChangeAspect="1" noChangeArrowheads="1"/>
           </p:cNvPicPr>
@@ -6651,8 +9443,8 @@
         </p:blipFill>
         <p:spPr bwMode="auto">
           <a:xfrm>
-            <a:off x="22326600" y="5943600"/>
-            <a:ext cx="6536992" cy="12540496"/>
+            <a:off x="22783800" y="5943600"/>
+            <a:ext cx="5956269" cy="11431588"/>
           </a:xfrm>
           <a:prstGeom prst="rect">
             <a:avLst/>
@@ -6661,6 +9453,7 @@
           <a:ln>
             <a:noFill/>
           </a:ln>
+          <a:effectLst/>
           <a:extLst>
             <a:ext uri="{909E8E84-426E-40DD-AFC4-6F175D3DCCD1}">
               <a14:hiddenFill xmlns:a14="http://schemas.microsoft.com/office/drawing/2010/main">
@@ -6679,1251 +9472,18 @@
                 <a:tailEnd/>
               </a14:hiddenLine>
             </a:ext>
+            <a:ext uri="{AF507438-7753-43E0-B8FC-AC1667EBCBE1}">
+              <a14:hiddenEffects xmlns:a14="http://schemas.microsoft.com/office/drawing/2010/main">
+                <a:effectLst>
+                  <a:outerShdw dist="35921" dir="2700000" algn="ctr" rotWithShape="0">
+                    <a:schemeClr val="bg2"/>
+                  </a:outerShdw>
+                </a:effectLst>
+              </a14:hiddenEffects>
+            </a:ext>
           </a:extLst>
         </p:spPr>
       </p:pic>
-      <p:sp>
-        <p:nvSpPr>
-          <p:cNvPr id="71" name="Rectangle 48"/>
-          <p:cNvSpPr>
-            <a:spLocks noChangeArrowheads="1"/>
-          </p:cNvSpPr>
-          <p:nvPr/>
-        </p:nvSpPr>
-        <p:spPr bwMode="auto">
-          <a:xfrm>
-            <a:off x="31529865" y="20175538"/>
-            <a:ext cx="10113963" cy="779462"/>
-          </a:xfrm>
-          <a:prstGeom prst="rect">
-            <a:avLst/>
-          </a:prstGeom>
-          <a:noFill/>
-          <a:ln w="12700">
-            <a:noFill/>
-            <a:miter lim="800000"/>
-            <a:headEnd/>
-            <a:tailEnd/>
-          </a:ln>
-        </p:spPr>
-        <p:txBody>
-          <a:bodyPr wrap="none" lIns="90488" tIns="44450" rIns="90488" bIns="44450" anchor="ctr"/>
-          <a:lstStyle/>
-          <a:p>
-            <a:pPr algn="l">
-              <a:spcBef>
-                <a:spcPct val="0"/>
-              </a:spcBef>
-            </a:pPr>
-            <a:r>
-              <a:rPr lang="en-US" sz="5500" b="1" dirty="0" smtClean="0">
-                <a:latin typeface="Lucida Sans" pitchFamily="34" charset="0"/>
-                <a:cs typeface="Lucida Sans" pitchFamily="34" charset="0"/>
-              </a:rPr>
-              <a:t>Statistics</a:t>
-            </a:r>
-            <a:endParaRPr lang="en-US" sz="5500" b="1" dirty="0">
-              <a:latin typeface="Lucida Sans" pitchFamily="34" charset="0"/>
-              <a:cs typeface="Lucida Sans" pitchFamily="34" charset="0"/>
-            </a:endParaRPr>
-          </a:p>
-        </p:txBody>
-      </p:sp>
-      <p:sp>
-        <p:nvSpPr>
-          <p:cNvPr id="2" name="Rectangle 1"/>
-          <p:cNvSpPr/>
-          <p:nvPr/>
-        </p:nvSpPr>
-        <p:spPr>
-          <a:xfrm>
-            <a:off x="31112777" y="21183600"/>
-            <a:ext cx="5990743" cy="2862322"/>
-          </a:xfrm>
-          <a:prstGeom prst="rect">
-            <a:avLst/>
-          </a:prstGeom>
-        </p:spPr>
-        <p:txBody>
-          <a:bodyPr wrap="none">
-            <a:spAutoFit/>
-          </a:bodyPr>
-          <a:lstStyle/>
-          <a:p>
-            <a:pPr marL="914400" lvl="1" indent="-457200">
-              <a:spcBef>
-                <a:spcPts val="0"/>
-              </a:spcBef>
-              <a:buFont typeface="Arial" pitchFamily="34" charset="0"/>
-              <a:buChar char="•"/>
-            </a:pPr>
-            <a:r>
-              <a:rPr lang="en-US" sz="3000" dirty="0">
-                <a:solidFill>
-                  <a:schemeClr val="bg2">
-                    <a:lumMod val="50000"/>
-                  </a:schemeClr>
-                </a:solidFill>
-                <a:latin typeface="Century Gothic" pitchFamily="34" charset="0"/>
-              </a:rPr>
-              <a:t>Memory </a:t>
-            </a:r>
-            <a:r>
-              <a:rPr lang="en-US" sz="3000" dirty="0" smtClean="0">
-                <a:solidFill>
-                  <a:schemeClr val="bg2">
-                    <a:lumMod val="50000"/>
-                  </a:schemeClr>
-                </a:solidFill>
-                <a:latin typeface="Century Gothic" pitchFamily="34" charset="0"/>
-              </a:rPr>
-              <a:t>Usage</a:t>
-            </a:r>
-          </a:p>
-          <a:p>
-            <a:pPr marL="1371600" lvl="2" indent="-457200">
-              <a:spcBef>
-                <a:spcPts val="0"/>
-              </a:spcBef>
-              <a:buFont typeface="Arial" pitchFamily="34" charset="0"/>
-              <a:buChar char="•"/>
-            </a:pPr>
-            <a:r>
-              <a:rPr lang="en-US" sz="3000" dirty="0" smtClean="0">
-                <a:solidFill>
-                  <a:schemeClr val="bg2">
-                    <a:lumMod val="50000"/>
-                  </a:schemeClr>
-                </a:solidFill>
-                <a:latin typeface="Century Gothic" pitchFamily="34" charset="0"/>
-              </a:rPr>
-              <a:t>On phone</a:t>
-            </a:r>
-          </a:p>
-          <a:p>
-            <a:pPr marL="1371600" lvl="2" indent="-457200">
-              <a:spcBef>
-                <a:spcPts val="0"/>
-              </a:spcBef>
-              <a:buFont typeface="Arial" pitchFamily="34" charset="0"/>
-              <a:buChar char="•"/>
-            </a:pPr>
-            <a:r>
-              <a:rPr lang="en-US" sz="3000" dirty="0" smtClean="0">
-                <a:solidFill>
-                  <a:schemeClr val="bg2">
-                    <a:lumMod val="50000"/>
-                  </a:schemeClr>
-                </a:solidFill>
-                <a:latin typeface="Century Gothic" pitchFamily="34" charset="0"/>
-              </a:rPr>
-              <a:t>On server</a:t>
-            </a:r>
-          </a:p>
-          <a:p>
-            <a:pPr marL="914400" lvl="1" indent="-457200">
-              <a:spcBef>
-                <a:spcPts val="0"/>
-              </a:spcBef>
-              <a:buFont typeface="Arial" pitchFamily="34" charset="0"/>
-              <a:buChar char="•"/>
-            </a:pPr>
-            <a:r>
-              <a:rPr lang="en-US" sz="3000" dirty="0" smtClean="0">
-                <a:solidFill>
-                  <a:schemeClr val="bg2">
-                    <a:lumMod val="50000"/>
-                  </a:schemeClr>
-                </a:solidFill>
-                <a:latin typeface="Century Gothic" pitchFamily="34" charset="0"/>
-              </a:rPr>
-              <a:t>Data Usage (transfer sizes)</a:t>
-            </a:r>
-          </a:p>
-          <a:p>
-            <a:pPr marL="914400" lvl="1" indent="-457200">
-              <a:spcBef>
-                <a:spcPts val="0"/>
-              </a:spcBef>
-              <a:buFont typeface="Arial" pitchFamily="34" charset="0"/>
-              <a:buChar char="•"/>
-            </a:pPr>
-            <a:r>
-              <a:rPr lang="en-US" sz="3000" dirty="0" smtClean="0">
-                <a:solidFill>
-                  <a:schemeClr val="bg2">
-                    <a:lumMod val="50000"/>
-                  </a:schemeClr>
-                </a:solidFill>
-                <a:latin typeface="Century Gothic" pitchFamily="34" charset="0"/>
-              </a:rPr>
-              <a:t>Processor Usage?</a:t>
-            </a:r>
-          </a:p>
-          <a:p>
-            <a:pPr marL="914400" lvl="1" indent="-457200">
-              <a:spcBef>
-                <a:spcPts val="0"/>
-              </a:spcBef>
-              <a:buFont typeface="Arial" pitchFamily="34" charset="0"/>
-              <a:buChar char="•"/>
-            </a:pPr>
-            <a:endParaRPr lang="en-US" sz="3000" dirty="0">
-              <a:solidFill>
-                <a:schemeClr val="bg2">
-                  <a:lumMod val="50000"/>
-                </a:schemeClr>
-              </a:solidFill>
-              <a:latin typeface="Century Gothic" pitchFamily="34" charset="0"/>
-            </a:endParaRPr>
-          </a:p>
-        </p:txBody>
-      </p:sp>
-      <p:graphicFrame>
-        <p:nvGraphicFramePr>
-          <p:cNvPr id="4" name="Table 3"/>
-          <p:cNvGraphicFramePr>
-            <a:graphicFrameLocks noGrp="1"/>
-          </p:cNvGraphicFramePr>
-          <p:nvPr>
-            <p:extLst>
-              <p:ext uri="{D42A27DB-BD31-4B8C-83A1-F6EECF244321}">
-                <p14:modId xmlns:p14="http://schemas.microsoft.com/office/powerpoint/2010/main" val="2148696210"/>
-              </p:ext>
-            </p:extLst>
-          </p:nvPr>
-        </p:nvGraphicFramePr>
-        <p:xfrm>
-          <a:off x="37973873" y="22225284"/>
-          <a:ext cx="4842644" cy="1854200"/>
-        </p:xfrm>
-        <a:graphic>
-          <a:graphicData uri="http://schemas.openxmlformats.org/drawingml/2006/table">
-            <a:tbl>
-              <a:tblPr firstRow="1" bandRow="1">
-                <a:tableStyleId>{5C22544A-7EE6-4342-B048-85BDC9FD1C3A}</a:tableStyleId>
-              </a:tblPr>
-              <a:tblGrid>
-                <a:gridCol w="1108844"/>
-                <a:gridCol w="990600"/>
-                <a:gridCol w="1600200"/>
-                <a:gridCol w="1143000"/>
-              </a:tblGrid>
-              <a:tr h="370840">
-                <a:tc>
-                  <a:txBody>
-                    <a:bodyPr/>
-                    <a:lstStyle/>
-                    <a:p>
-                      <a:endParaRPr lang="en-US" dirty="0"/>
-                    </a:p>
-                  </a:txBody>
-                  <a:tcPr>
-                    <a:lnL w="12700" cap="flat" cmpd="sng" algn="ctr">
-                      <a:solidFill>
-                        <a:schemeClr val="tx1"/>
-                      </a:solidFill>
-                      <a:prstDash val="solid"/>
-                      <a:round/>
-                      <a:headEnd type="none" w="med" len="med"/>
-                      <a:tailEnd type="none" w="med" len="med"/>
-                    </a:lnL>
-                    <a:lnR w="12700" cap="flat" cmpd="sng" algn="ctr">
-                      <a:solidFill>
-                        <a:schemeClr val="tx1"/>
-                      </a:solidFill>
-                      <a:prstDash val="solid"/>
-                      <a:round/>
-                      <a:headEnd type="none" w="med" len="med"/>
-                      <a:tailEnd type="none" w="med" len="med"/>
-                    </a:lnR>
-                    <a:lnT w="12700" cap="flat" cmpd="sng" algn="ctr">
-                      <a:solidFill>
-                        <a:schemeClr val="tx1"/>
-                      </a:solidFill>
-                      <a:prstDash val="solid"/>
-                      <a:round/>
-                      <a:headEnd type="none" w="med" len="med"/>
-                      <a:tailEnd type="none" w="med" len="med"/>
-                    </a:lnT>
-                    <a:lnB w="12700" cap="flat" cmpd="sng" algn="ctr">
-                      <a:solidFill>
-                        <a:schemeClr val="tx1"/>
-                      </a:solidFill>
-                      <a:prstDash val="solid"/>
-                      <a:round/>
-                      <a:headEnd type="none" w="med" len="med"/>
-                      <a:tailEnd type="none" w="med" len="med"/>
-                    </a:lnB>
-                    <a:noFill/>
-                  </a:tcPr>
-                </a:tc>
-                <a:tc gridSpan="3">
-                  <a:txBody>
-                    <a:bodyPr/>
-                    <a:lstStyle/>
-                    <a:p>
-                      <a:pPr algn="ctr"/>
-                      <a:r>
-                        <a:rPr lang="en-US" dirty="0" smtClean="0">
-                          <a:solidFill>
-                            <a:sysClr val="windowText" lastClr="000000"/>
-                          </a:solidFill>
-                        </a:rPr>
-                        <a:t>Usages</a:t>
-                      </a:r>
-                      <a:endParaRPr lang="en-US" dirty="0">
-                        <a:solidFill>
-                          <a:sysClr val="windowText" lastClr="000000"/>
-                        </a:solidFill>
-                      </a:endParaRPr>
-                    </a:p>
-                  </a:txBody>
-                  <a:tcPr>
-                    <a:lnL w="12700" cap="flat" cmpd="sng" algn="ctr">
-                      <a:solidFill>
-                        <a:schemeClr val="tx1"/>
-                      </a:solidFill>
-                      <a:prstDash val="solid"/>
-                      <a:round/>
-                      <a:headEnd type="none" w="med" len="med"/>
-                      <a:tailEnd type="none" w="med" len="med"/>
-                    </a:lnL>
-                    <a:lnR w="12700" cap="flat" cmpd="sng" algn="ctr">
-                      <a:solidFill>
-                        <a:schemeClr val="tx1"/>
-                      </a:solidFill>
-                      <a:prstDash val="solid"/>
-                      <a:round/>
-                      <a:headEnd type="none" w="med" len="med"/>
-                      <a:tailEnd type="none" w="med" len="med"/>
-                    </a:lnR>
-                    <a:lnT w="12700" cap="flat" cmpd="sng" algn="ctr">
-                      <a:solidFill>
-                        <a:schemeClr val="tx1"/>
-                      </a:solidFill>
-                      <a:prstDash val="solid"/>
-                      <a:round/>
-                      <a:headEnd type="none" w="med" len="med"/>
-                      <a:tailEnd type="none" w="med" len="med"/>
-                    </a:lnT>
-                    <a:lnB w="12700" cap="flat" cmpd="sng" algn="ctr">
-                      <a:solidFill>
-                        <a:schemeClr val="tx1"/>
-                      </a:solidFill>
-                      <a:prstDash val="solid"/>
-                      <a:round/>
-                      <a:headEnd type="none" w="med" len="med"/>
-                      <a:tailEnd type="none" w="med" len="med"/>
-                    </a:lnB>
-                    <a:noFill/>
-                  </a:tcPr>
-                </a:tc>
-                <a:tc hMerge="1">
-                  <a:txBody>
-                    <a:bodyPr/>
-                    <a:lstStyle/>
-                    <a:p>
-                      <a:endParaRPr lang="en-US"/>
-                    </a:p>
-                  </a:txBody>
-                  <a:tcPr>
-                    <a:lnL w="12700" cap="flat" cmpd="sng" algn="ctr">
-                      <a:solidFill>
-                        <a:schemeClr val="tx1"/>
-                      </a:solidFill>
-                      <a:prstDash val="solid"/>
-                      <a:round/>
-                      <a:headEnd type="none" w="med" len="med"/>
-                      <a:tailEnd type="none" w="med" len="med"/>
-                    </a:lnL>
-                    <a:lnR w="12700" cap="flat" cmpd="sng" algn="ctr">
-                      <a:solidFill>
-                        <a:schemeClr val="tx1"/>
-                      </a:solidFill>
-                      <a:prstDash val="solid"/>
-                      <a:round/>
-                      <a:headEnd type="none" w="med" len="med"/>
-                      <a:tailEnd type="none" w="med" len="med"/>
-                    </a:lnR>
-                    <a:lnT w="12700" cap="flat" cmpd="sng" algn="ctr">
-                      <a:solidFill>
-                        <a:schemeClr val="tx1"/>
-                      </a:solidFill>
-                      <a:prstDash val="solid"/>
-                      <a:round/>
-                      <a:headEnd type="none" w="med" len="med"/>
-                      <a:tailEnd type="none" w="med" len="med"/>
-                    </a:lnT>
-                    <a:lnB w="12700" cap="flat" cmpd="sng" algn="ctr">
-                      <a:solidFill>
-                        <a:schemeClr val="tx1"/>
-                      </a:solidFill>
-                      <a:prstDash val="solid"/>
-                      <a:round/>
-                      <a:headEnd type="none" w="med" len="med"/>
-                      <a:tailEnd type="none" w="med" len="med"/>
-                    </a:lnB>
-                    <a:noFill/>
-                  </a:tcPr>
-                </a:tc>
-                <a:tc hMerge="1">
-                  <a:txBody>
-                    <a:bodyPr/>
-                    <a:lstStyle/>
-                    <a:p>
-                      <a:endParaRPr lang="en-US" dirty="0"/>
-                    </a:p>
-                  </a:txBody>
-                  <a:tcPr>
-                    <a:lnL w="12700" cap="flat" cmpd="sng" algn="ctr">
-                      <a:solidFill>
-                        <a:schemeClr val="tx1"/>
-                      </a:solidFill>
-                      <a:prstDash val="solid"/>
-                      <a:round/>
-                      <a:headEnd type="none" w="med" len="med"/>
-                      <a:tailEnd type="none" w="med" len="med"/>
-                    </a:lnL>
-                    <a:lnR w="12700" cap="flat" cmpd="sng" algn="ctr">
-                      <a:solidFill>
-                        <a:schemeClr val="tx1"/>
-                      </a:solidFill>
-                      <a:prstDash val="solid"/>
-                      <a:round/>
-                      <a:headEnd type="none" w="med" len="med"/>
-                      <a:tailEnd type="none" w="med" len="med"/>
-                    </a:lnR>
-                    <a:lnT w="12700" cap="flat" cmpd="sng" algn="ctr">
-                      <a:solidFill>
-                        <a:schemeClr val="tx1"/>
-                      </a:solidFill>
-                      <a:prstDash val="solid"/>
-                      <a:round/>
-                      <a:headEnd type="none" w="med" len="med"/>
-                      <a:tailEnd type="none" w="med" len="med"/>
-                    </a:lnT>
-                    <a:lnB w="12700" cap="flat" cmpd="sng" algn="ctr">
-                      <a:solidFill>
-                        <a:schemeClr val="tx1"/>
-                      </a:solidFill>
-                      <a:prstDash val="solid"/>
-                      <a:round/>
-                      <a:headEnd type="none" w="med" len="med"/>
-                      <a:tailEnd type="none" w="med" len="med"/>
-                    </a:lnB>
-                    <a:noFill/>
-                  </a:tcPr>
-                </a:tc>
-              </a:tr>
-              <a:tr h="370840">
-                <a:tc>
-                  <a:txBody>
-                    <a:bodyPr/>
-                    <a:lstStyle/>
-                    <a:p>
-                      <a:r>
-                        <a:rPr lang="en-US" dirty="0" smtClean="0"/>
-                        <a:t>Platforms</a:t>
-                      </a:r>
-                      <a:endParaRPr lang="en-US" dirty="0"/>
-                    </a:p>
-                  </a:txBody>
-                  <a:tcPr>
-                    <a:lnL w="12700" cap="flat" cmpd="sng" algn="ctr">
-                      <a:solidFill>
-                        <a:schemeClr val="tx1"/>
-                      </a:solidFill>
-                      <a:prstDash val="solid"/>
-                      <a:round/>
-                      <a:headEnd type="none" w="med" len="med"/>
-                      <a:tailEnd type="none" w="med" len="med"/>
-                    </a:lnL>
-                    <a:lnR w="12700" cap="flat" cmpd="sng" algn="ctr">
-                      <a:solidFill>
-                        <a:schemeClr val="tx1"/>
-                      </a:solidFill>
-                      <a:prstDash val="solid"/>
-                      <a:round/>
-                      <a:headEnd type="none" w="med" len="med"/>
-                      <a:tailEnd type="none" w="med" len="med"/>
-                    </a:lnR>
-                    <a:lnT w="12700" cap="flat" cmpd="sng" algn="ctr">
-                      <a:solidFill>
-                        <a:schemeClr val="tx1"/>
-                      </a:solidFill>
-                      <a:prstDash val="solid"/>
-                      <a:round/>
-                      <a:headEnd type="none" w="med" len="med"/>
-                      <a:tailEnd type="none" w="med" len="med"/>
-                    </a:lnT>
-                    <a:lnB w="12700" cap="flat" cmpd="sng" algn="ctr">
-                      <a:solidFill>
-                        <a:schemeClr val="tx1"/>
-                      </a:solidFill>
-                      <a:prstDash val="solid"/>
-                      <a:round/>
-                      <a:headEnd type="none" w="med" len="med"/>
-                      <a:tailEnd type="none" w="med" len="med"/>
-                    </a:lnB>
-                    <a:noFill/>
-                  </a:tcPr>
-                </a:tc>
-                <a:tc>
-                  <a:txBody>
-                    <a:bodyPr/>
-                    <a:lstStyle/>
-                    <a:p>
-                      <a:r>
-                        <a:rPr lang="en-US" dirty="0" smtClean="0"/>
-                        <a:t>Memory</a:t>
-                      </a:r>
-                      <a:endParaRPr lang="en-US" dirty="0"/>
-                    </a:p>
-                  </a:txBody>
-                  <a:tcPr>
-                    <a:lnL w="12700" cap="flat" cmpd="sng" algn="ctr">
-                      <a:solidFill>
-                        <a:schemeClr val="tx1"/>
-                      </a:solidFill>
-                      <a:prstDash val="solid"/>
-                      <a:round/>
-                      <a:headEnd type="none" w="med" len="med"/>
-                      <a:tailEnd type="none" w="med" len="med"/>
-                    </a:lnL>
-                    <a:lnR w="12700" cap="flat" cmpd="sng" algn="ctr">
-                      <a:solidFill>
-                        <a:schemeClr val="tx1"/>
-                      </a:solidFill>
-                      <a:prstDash val="solid"/>
-                      <a:round/>
-                      <a:headEnd type="none" w="med" len="med"/>
-                      <a:tailEnd type="none" w="med" len="med"/>
-                    </a:lnR>
-                    <a:lnT w="12700" cap="flat" cmpd="sng" algn="ctr">
-                      <a:solidFill>
-                        <a:schemeClr val="tx1"/>
-                      </a:solidFill>
-                      <a:prstDash val="solid"/>
-                      <a:round/>
-                      <a:headEnd type="none" w="med" len="med"/>
-                      <a:tailEnd type="none" w="med" len="med"/>
-                    </a:lnT>
-                    <a:lnB w="12700" cap="flat" cmpd="sng" algn="ctr">
-                      <a:solidFill>
-                        <a:schemeClr val="tx1"/>
-                      </a:solidFill>
-                      <a:prstDash val="solid"/>
-                      <a:round/>
-                      <a:headEnd type="none" w="med" len="med"/>
-                      <a:tailEnd type="none" w="med" len="med"/>
-                    </a:lnB>
-                    <a:noFill/>
-                  </a:tcPr>
-                </a:tc>
-                <a:tc>
-                  <a:txBody>
-                    <a:bodyPr/>
-                    <a:lstStyle/>
-                    <a:p>
-                      <a:r>
-                        <a:rPr lang="en-US" dirty="0" smtClean="0"/>
-                        <a:t>Data Transfer</a:t>
-                      </a:r>
-                      <a:endParaRPr lang="en-US" dirty="0"/>
-                    </a:p>
-                  </a:txBody>
-                  <a:tcPr>
-                    <a:lnL w="12700" cap="flat" cmpd="sng" algn="ctr">
-                      <a:solidFill>
-                        <a:schemeClr val="tx1"/>
-                      </a:solidFill>
-                      <a:prstDash val="solid"/>
-                      <a:round/>
-                      <a:headEnd type="none" w="med" len="med"/>
-                      <a:tailEnd type="none" w="med" len="med"/>
-                    </a:lnL>
-                    <a:lnR w="12700" cap="flat" cmpd="sng" algn="ctr">
-                      <a:solidFill>
-                        <a:schemeClr val="tx1"/>
-                      </a:solidFill>
-                      <a:prstDash val="solid"/>
-                      <a:round/>
-                      <a:headEnd type="none" w="med" len="med"/>
-                      <a:tailEnd type="none" w="med" len="med"/>
-                    </a:lnR>
-                    <a:lnT w="12700" cap="flat" cmpd="sng" algn="ctr">
-                      <a:solidFill>
-                        <a:schemeClr val="tx1"/>
-                      </a:solidFill>
-                      <a:prstDash val="solid"/>
-                      <a:round/>
-                      <a:headEnd type="none" w="med" len="med"/>
-                      <a:tailEnd type="none" w="med" len="med"/>
-                    </a:lnT>
-                    <a:lnB w="12700" cap="flat" cmpd="sng" algn="ctr">
-                      <a:solidFill>
-                        <a:schemeClr val="tx1"/>
-                      </a:solidFill>
-                      <a:prstDash val="solid"/>
-                      <a:round/>
-                      <a:headEnd type="none" w="med" len="med"/>
-                      <a:tailEnd type="none" w="med" len="med"/>
-                    </a:lnB>
-                    <a:noFill/>
-                  </a:tcPr>
-                </a:tc>
-                <a:tc>
-                  <a:txBody>
-                    <a:bodyPr/>
-                    <a:lstStyle/>
-                    <a:p>
-                      <a:r>
-                        <a:rPr lang="en-US" dirty="0" smtClean="0"/>
-                        <a:t>Processor</a:t>
-                      </a:r>
-                      <a:endParaRPr lang="en-US" dirty="0"/>
-                    </a:p>
-                  </a:txBody>
-                  <a:tcPr>
-                    <a:lnL w="12700" cap="flat" cmpd="sng" algn="ctr">
-                      <a:solidFill>
-                        <a:schemeClr val="tx1"/>
-                      </a:solidFill>
-                      <a:prstDash val="solid"/>
-                      <a:round/>
-                      <a:headEnd type="none" w="med" len="med"/>
-                      <a:tailEnd type="none" w="med" len="med"/>
-                    </a:lnL>
-                    <a:lnR w="12700" cap="flat" cmpd="sng" algn="ctr">
-                      <a:solidFill>
-                        <a:schemeClr val="tx1"/>
-                      </a:solidFill>
-                      <a:prstDash val="solid"/>
-                      <a:round/>
-                      <a:headEnd type="none" w="med" len="med"/>
-                      <a:tailEnd type="none" w="med" len="med"/>
-                    </a:lnR>
-                    <a:lnT w="12700" cap="flat" cmpd="sng" algn="ctr">
-                      <a:solidFill>
-                        <a:schemeClr val="tx1"/>
-                      </a:solidFill>
-                      <a:prstDash val="solid"/>
-                      <a:round/>
-                      <a:headEnd type="none" w="med" len="med"/>
-                      <a:tailEnd type="none" w="med" len="med"/>
-                    </a:lnT>
-                    <a:lnB w="12700" cap="flat" cmpd="sng" algn="ctr">
-                      <a:solidFill>
-                        <a:schemeClr val="tx1"/>
-                      </a:solidFill>
-                      <a:prstDash val="solid"/>
-                      <a:round/>
-                      <a:headEnd type="none" w="med" len="med"/>
-                      <a:tailEnd type="none" w="med" len="med"/>
-                    </a:lnB>
-                    <a:noFill/>
-                  </a:tcPr>
-                </a:tc>
-              </a:tr>
-              <a:tr h="370840">
-                <a:tc>
-                  <a:txBody>
-                    <a:bodyPr/>
-                    <a:lstStyle/>
-                    <a:p>
-                      <a:r>
-                        <a:rPr lang="en-US" dirty="0" smtClean="0"/>
-                        <a:t>iPhone</a:t>
-                      </a:r>
-                      <a:endParaRPr lang="en-US" dirty="0"/>
-                    </a:p>
-                  </a:txBody>
-                  <a:tcPr>
-                    <a:lnL w="12700" cap="flat" cmpd="sng" algn="ctr">
-                      <a:solidFill>
-                        <a:schemeClr val="tx1"/>
-                      </a:solidFill>
-                      <a:prstDash val="solid"/>
-                      <a:round/>
-                      <a:headEnd type="none" w="med" len="med"/>
-                      <a:tailEnd type="none" w="med" len="med"/>
-                    </a:lnL>
-                    <a:lnR w="12700" cap="flat" cmpd="sng" algn="ctr">
-                      <a:solidFill>
-                        <a:schemeClr val="tx1"/>
-                      </a:solidFill>
-                      <a:prstDash val="solid"/>
-                      <a:round/>
-                      <a:headEnd type="none" w="med" len="med"/>
-                      <a:tailEnd type="none" w="med" len="med"/>
-                    </a:lnR>
-                    <a:lnT w="12700" cap="flat" cmpd="sng" algn="ctr">
-                      <a:solidFill>
-                        <a:schemeClr val="tx1"/>
-                      </a:solidFill>
-                      <a:prstDash val="solid"/>
-                      <a:round/>
-                      <a:headEnd type="none" w="med" len="med"/>
-                      <a:tailEnd type="none" w="med" len="med"/>
-                    </a:lnT>
-                    <a:lnB w="12700" cap="flat" cmpd="sng" algn="ctr">
-                      <a:solidFill>
-                        <a:schemeClr val="tx1"/>
-                      </a:solidFill>
-                      <a:prstDash val="solid"/>
-                      <a:round/>
-                      <a:headEnd type="none" w="med" len="med"/>
-                      <a:tailEnd type="none" w="med" len="med"/>
-                    </a:lnB>
-                    <a:noFill/>
-                  </a:tcPr>
-                </a:tc>
-                <a:tc>
-                  <a:txBody>
-                    <a:bodyPr/>
-                    <a:lstStyle/>
-                    <a:p>
-                      <a:endParaRPr lang="en-US"/>
-                    </a:p>
-                  </a:txBody>
-                  <a:tcPr>
-                    <a:lnL w="12700" cap="flat" cmpd="sng" algn="ctr">
-                      <a:solidFill>
-                        <a:schemeClr val="tx1"/>
-                      </a:solidFill>
-                      <a:prstDash val="solid"/>
-                      <a:round/>
-                      <a:headEnd type="none" w="med" len="med"/>
-                      <a:tailEnd type="none" w="med" len="med"/>
-                    </a:lnL>
-                    <a:lnR w="12700" cap="flat" cmpd="sng" algn="ctr">
-                      <a:solidFill>
-                        <a:schemeClr val="tx1"/>
-                      </a:solidFill>
-                      <a:prstDash val="solid"/>
-                      <a:round/>
-                      <a:headEnd type="none" w="med" len="med"/>
-                      <a:tailEnd type="none" w="med" len="med"/>
-                    </a:lnR>
-                    <a:lnT w="12700" cap="flat" cmpd="sng" algn="ctr">
-                      <a:solidFill>
-                        <a:schemeClr val="tx1"/>
-                      </a:solidFill>
-                      <a:prstDash val="solid"/>
-                      <a:round/>
-                      <a:headEnd type="none" w="med" len="med"/>
-                      <a:tailEnd type="none" w="med" len="med"/>
-                    </a:lnT>
-                    <a:lnB w="12700" cap="flat" cmpd="sng" algn="ctr">
-                      <a:solidFill>
-                        <a:schemeClr val="tx1"/>
-                      </a:solidFill>
-                      <a:prstDash val="solid"/>
-                      <a:round/>
-                      <a:headEnd type="none" w="med" len="med"/>
-                      <a:tailEnd type="none" w="med" len="med"/>
-                    </a:lnB>
-                    <a:noFill/>
-                  </a:tcPr>
-                </a:tc>
-                <a:tc>
-                  <a:txBody>
-                    <a:bodyPr/>
-                    <a:lstStyle/>
-                    <a:p>
-                      <a:endParaRPr lang="en-US"/>
-                    </a:p>
-                  </a:txBody>
-                  <a:tcPr>
-                    <a:lnL w="12700" cap="flat" cmpd="sng" algn="ctr">
-                      <a:solidFill>
-                        <a:schemeClr val="tx1"/>
-                      </a:solidFill>
-                      <a:prstDash val="solid"/>
-                      <a:round/>
-                      <a:headEnd type="none" w="med" len="med"/>
-                      <a:tailEnd type="none" w="med" len="med"/>
-                    </a:lnL>
-                    <a:lnR w="12700" cap="flat" cmpd="sng" algn="ctr">
-                      <a:solidFill>
-                        <a:schemeClr val="tx1"/>
-                      </a:solidFill>
-                      <a:prstDash val="solid"/>
-                      <a:round/>
-                      <a:headEnd type="none" w="med" len="med"/>
-                      <a:tailEnd type="none" w="med" len="med"/>
-                    </a:lnR>
-                    <a:lnT w="12700" cap="flat" cmpd="sng" algn="ctr">
-                      <a:solidFill>
-                        <a:schemeClr val="tx1"/>
-                      </a:solidFill>
-                      <a:prstDash val="solid"/>
-                      <a:round/>
-                      <a:headEnd type="none" w="med" len="med"/>
-                      <a:tailEnd type="none" w="med" len="med"/>
-                    </a:lnT>
-                    <a:lnB w="12700" cap="flat" cmpd="sng" algn="ctr">
-                      <a:solidFill>
-                        <a:schemeClr val="tx1"/>
-                      </a:solidFill>
-                      <a:prstDash val="solid"/>
-                      <a:round/>
-                      <a:headEnd type="none" w="med" len="med"/>
-                      <a:tailEnd type="none" w="med" len="med"/>
-                    </a:lnB>
-                    <a:noFill/>
-                  </a:tcPr>
-                </a:tc>
-                <a:tc>
-                  <a:txBody>
-                    <a:bodyPr/>
-                    <a:lstStyle/>
-                    <a:p>
-                      <a:endParaRPr lang="en-US" dirty="0"/>
-                    </a:p>
-                  </a:txBody>
-                  <a:tcPr>
-                    <a:lnL w="12700" cap="flat" cmpd="sng" algn="ctr">
-                      <a:solidFill>
-                        <a:schemeClr val="tx1"/>
-                      </a:solidFill>
-                      <a:prstDash val="solid"/>
-                      <a:round/>
-                      <a:headEnd type="none" w="med" len="med"/>
-                      <a:tailEnd type="none" w="med" len="med"/>
-                    </a:lnL>
-                    <a:lnR w="12700" cap="flat" cmpd="sng" algn="ctr">
-                      <a:solidFill>
-                        <a:schemeClr val="tx1"/>
-                      </a:solidFill>
-                      <a:prstDash val="solid"/>
-                      <a:round/>
-                      <a:headEnd type="none" w="med" len="med"/>
-                      <a:tailEnd type="none" w="med" len="med"/>
-                    </a:lnR>
-                    <a:lnT w="12700" cap="flat" cmpd="sng" algn="ctr">
-                      <a:solidFill>
-                        <a:schemeClr val="tx1"/>
-                      </a:solidFill>
-                      <a:prstDash val="solid"/>
-                      <a:round/>
-                      <a:headEnd type="none" w="med" len="med"/>
-                      <a:tailEnd type="none" w="med" len="med"/>
-                    </a:lnT>
-                    <a:lnB w="12700" cap="flat" cmpd="sng" algn="ctr">
-                      <a:solidFill>
-                        <a:schemeClr val="tx1"/>
-                      </a:solidFill>
-                      <a:prstDash val="solid"/>
-                      <a:round/>
-                      <a:headEnd type="none" w="med" len="med"/>
-                      <a:tailEnd type="none" w="med" len="med"/>
-                    </a:lnB>
-                    <a:noFill/>
-                  </a:tcPr>
-                </a:tc>
-              </a:tr>
-              <a:tr h="370840">
-                <a:tc>
-                  <a:txBody>
-                    <a:bodyPr/>
-                    <a:lstStyle/>
-                    <a:p>
-                      <a:r>
-                        <a:rPr lang="en-US" dirty="0" smtClean="0"/>
-                        <a:t>Android</a:t>
-                      </a:r>
-                      <a:endParaRPr lang="en-US" dirty="0"/>
-                    </a:p>
-                  </a:txBody>
-                  <a:tcPr>
-                    <a:lnL w="12700" cap="flat" cmpd="sng" algn="ctr">
-                      <a:solidFill>
-                        <a:schemeClr val="tx1"/>
-                      </a:solidFill>
-                      <a:prstDash val="solid"/>
-                      <a:round/>
-                      <a:headEnd type="none" w="med" len="med"/>
-                      <a:tailEnd type="none" w="med" len="med"/>
-                    </a:lnL>
-                    <a:lnR w="12700" cap="flat" cmpd="sng" algn="ctr">
-                      <a:solidFill>
-                        <a:schemeClr val="tx1"/>
-                      </a:solidFill>
-                      <a:prstDash val="solid"/>
-                      <a:round/>
-                      <a:headEnd type="none" w="med" len="med"/>
-                      <a:tailEnd type="none" w="med" len="med"/>
-                    </a:lnR>
-                    <a:lnT w="12700" cap="flat" cmpd="sng" algn="ctr">
-                      <a:solidFill>
-                        <a:schemeClr val="tx1"/>
-                      </a:solidFill>
-                      <a:prstDash val="solid"/>
-                      <a:round/>
-                      <a:headEnd type="none" w="med" len="med"/>
-                      <a:tailEnd type="none" w="med" len="med"/>
-                    </a:lnT>
-                    <a:lnB w="12700" cap="flat" cmpd="sng" algn="ctr">
-                      <a:solidFill>
-                        <a:schemeClr val="tx1"/>
-                      </a:solidFill>
-                      <a:prstDash val="solid"/>
-                      <a:round/>
-                      <a:headEnd type="none" w="med" len="med"/>
-                      <a:tailEnd type="none" w="med" len="med"/>
-                    </a:lnB>
-                    <a:noFill/>
-                  </a:tcPr>
-                </a:tc>
-                <a:tc>
-                  <a:txBody>
-                    <a:bodyPr/>
-                    <a:lstStyle/>
-                    <a:p>
-                      <a:endParaRPr lang="en-US"/>
-                    </a:p>
-                  </a:txBody>
-                  <a:tcPr>
-                    <a:lnL w="12700" cap="flat" cmpd="sng" algn="ctr">
-                      <a:solidFill>
-                        <a:schemeClr val="tx1"/>
-                      </a:solidFill>
-                      <a:prstDash val="solid"/>
-                      <a:round/>
-                      <a:headEnd type="none" w="med" len="med"/>
-                      <a:tailEnd type="none" w="med" len="med"/>
-                    </a:lnL>
-                    <a:lnR w="12700" cap="flat" cmpd="sng" algn="ctr">
-                      <a:solidFill>
-                        <a:schemeClr val="tx1"/>
-                      </a:solidFill>
-                      <a:prstDash val="solid"/>
-                      <a:round/>
-                      <a:headEnd type="none" w="med" len="med"/>
-                      <a:tailEnd type="none" w="med" len="med"/>
-                    </a:lnR>
-                    <a:lnT w="12700" cap="flat" cmpd="sng" algn="ctr">
-                      <a:solidFill>
-                        <a:schemeClr val="tx1"/>
-                      </a:solidFill>
-                      <a:prstDash val="solid"/>
-                      <a:round/>
-                      <a:headEnd type="none" w="med" len="med"/>
-                      <a:tailEnd type="none" w="med" len="med"/>
-                    </a:lnT>
-                    <a:lnB w="12700" cap="flat" cmpd="sng" algn="ctr">
-                      <a:solidFill>
-                        <a:schemeClr val="tx1"/>
-                      </a:solidFill>
-                      <a:prstDash val="solid"/>
-                      <a:round/>
-                      <a:headEnd type="none" w="med" len="med"/>
-                      <a:tailEnd type="none" w="med" len="med"/>
-                    </a:lnB>
-                    <a:noFill/>
-                  </a:tcPr>
-                </a:tc>
-                <a:tc>
-                  <a:txBody>
-                    <a:bodyPr/>
-                    <a:lstStyle/>
-                    <a:p>
-                      <a:endParaRPr lang="en-US"/>
-                    </a:p>
-                  </a:txBody>
-                  <a:tcPr>
-                    <a:lnL w="12700" cap="flat" cmpd="sng" algn="ctr">
-                      <a:solidFill>
-                        <a:schemeClr val="tx1"/>
-                      </a:solidFill>
-                      <a:prstDash val="solid"/>
-                      <a:round/>
-                      <a:headEnd type="none" w="med" len="med"/>
-                      <a:tailEnd type="none" w="med" len="med"/>
-                    </a:lnL>
-                    <a:lnR w="12700" cap="flat" cmpd="sng" algn="ctr">
-                      <a:solidFill>
-                        <a:schemeClr val="tx1"/>
-                      </a:solidFill>
-                      <a:prstDash val="solid"/>
-                      <a:round/>
-                      <a:headEnd type="none" w="med" len="med"/>
-                      <a:tailEnd type="none" w="med" len="med"/>
-                    </a:lnR>
-                    <a:lnT w="12700" cap="flat" cmpd="sng" algn="ctr">
-                      <a:solidFill>
-                        <a:schemeClr val="tx1"/>
-                      </a:solidFill>
-                      <a:prstDash val="solid"/>
-                      <a:round/>
-                      <a:headEnd type="none" w="med" len="med"/>
-                      <a:tailEnd type="none" w="med" len="med"/>
-                    </a:lnT>
-                    <a:lnB w="12700" cap="flat" cmpd="sng" algn="ctr">
-                      <a:solidFill>
-                        <a:schemeClr val="tx1"/>
-                      </a:solidFill>
-                      <a:prstDash val="solid"/>
-                      <a:round/>
-                      <a:headEnd type="none" w="med" len="med"/>
-                      <a:tailEnd type="none" w="med" len="med"/>
-                    </a:lnB>
-                    <a:noFill/>
-                  </a:tcPr>
-                </a:tc>
-                <a:tc>
-                  <a:txBody>
-                    <a:bodyPr/>
-                    <a:lstStyle/>
-                    <a:p>
-                      <a:endParaRPr lang="en-US"/>
-                    </a:p>
-                  </a:txBody>
-                  <a:tcPr>
-                    <a:lnL w="12700" cap="flat" cmpd="sng" algn="ctr">
-                      <a:solidFill>
-                        <a:schemeClr val="tx1"/>
-                      </a:solidFill>
-                      <a:prstDash val="solid"/>
-                      <a:round/>
-                      <a:headEnd type="none" w="med" len="med"/>
-                      <a:tailEnd type="none" w="med" len="med"/>
-                    </a:lnL>
-                    <a:lnR w="12700" cap="flat" cmpd="sng" algn="ctr">
-                      <a:solidFill>
-                        <a:schemeClr val="tx1"/>
-                      </a:solidFill>
-                      <a:prstDash val="solid"/>
-                      <a:round/>
-                      <a:headEnd type="none" w="med" len="med"/>
-                      <a:tailEnd type="none" w="med" len="med"/>
-                    </a:lnR>
-                    <a:lnT w="12700" cap="flat" cmpd="sng" algn="ctr">
-                      <a:solidFill>
-                        <a:schemeClr val="tx1"/>
-                      </a:solidFill>
-                      <a:prstDash val="solid"/>
-                      <a:round/>
-                      <a:headEnd type="none" w="med" len="med"/>
-                      <a:tailEnd type="none" w="med" len="med"/>
-                    </a:lnT>
-                    <a:lnB w="12700" cap="flat" cmpd="sng" algn="ctr">
-                      <a:solidFill>
-                        <a:schemeClr val="tx1"/>
-                      </a:solidFill>
-                      <a:prstDash val="solid"/>
-                      <a:round/>
-                      <a:headEnd type="none" w="med" len="med"/>
-                      <a:tailEnd type="none" w="med" len="med"/>
-                    </a:lnB>
-                    <a:noFill/>
-                  </a:tcPr>
-                </a:tc>
-              </a:tr>
-              <a:tr h="370840">
-                <a:tc>
-                  <a:txBody>
-                    <a:bodyPr/>
-                    <a:lstStyle/>
-                    <a:p>
-                      <a:r>
-                        <a:rPr lang="en-US" dirty="0" smtClean="0"/>
-                        <a:t>Server</a:t>
-                      </a:r>
-                      <a:endParaRPr lang="en-US" dirty="0"/>
-                    </a:p>
-                  </a:txBody>
-                  <a:tcPr>
-                    <a:lnL w="12700" cap="flat" cmpd="sng" algn="ctr">
-                      <a:solidFill>
-                        <a:schemeClr val="tx1"/>
-                      </a:solidFill>
-                      <a:prstDash val="solid"/>
-                      <a:round/>
-                      <a:headEnd type="none" w="med" len="med"/>
-                      <a:tailEnd type="none" w="med" len="med"/>
-                    </a:lnL>
-                    <a:lnR w="12700" cap="flat" cmpd="sng" algn="ctr">
-                      <a:solidFill>
-                        <a:schemeClr val="tx1"/>
-                      </a:solidFill>
-                      <a:prstDash val="solid"/>
-                      <a:round/>
-                      <a:headEnd type="none" w="med" len="med"/>
-                      <a:tailEnd type="none" w="med" len="med"/>
-                    </a:lnR>
-                    <a:lnT w="12700" cap="flat" cmpd="sng" algn="ctr">
-                      <a:solidFill>
-                        <a:schemeClr val="tx1"/>
-                      </a:solidFill>
-                      <a:prstDash val="solid"/>
-                      <a:round/>
-                      <a:headEnd type="none" w="med" len="med"/>
-                      <a:tailEnd type="none" w="med" len="med"/>
-                    </a:lnT>
-                    <a:lnB w="12700" cap="flat" cmpd="sng" algn="ctr">
-                      <a:solidFill>
-                        <a:schemeClr val="tx1"/>
-                      </a:solidFill>
-                      <a:prstDash val="solid"/>
-                      <a:round/>
-                      <a:headEnd type="none" w="med" len="med"/>
-                      <a:tailEnd type="none" w="med" len="med"/>
-                    </a:lnB>
-                    <a:noFill/>
-                  </a:tcPr>
-                </a:tc>
-                <a:tc>
-                  <a:txBody>
-                    <a:bodyPr/>
-                    <a:lstStyle/>
-                    <a:p>
-                      <a:endParaRPr lang="en-US"/>
-                    </a:p>
-                  </a:txBody>
-                  <a:tcPr>
-                    <a:lnL w="12700" cap="flat" cmpd="sng" algn="ctr">
-                      <a:solidFill>
-                        <a:schemeClr val="tx1"/>
-                      </a:solidFill>
-                      <a:prstDash val="solid"/>
-                      <a:round/>
-                      <a:headEnd type="none" w="med" len="med"/>
-                      <a:tailEnd type="none" w="med" len="med"/>
-                    </a:lnL>
-                    <a:lnR w="12700" cap="flat" cmpd="sng" algn="ctr">
-                      <a:solidFill>
-                        <a:schemeClr val="tx1"/>
-                      </a:solidFill>
-                      <a:prstDash val="solid"/>
-                      <a:round/>
-                      <a:headEnd type="none" w="med" len="med"/>
-                      <a:tailEnd type="none" w="med" len="med"/>
-                    </a:lnR>
-                    <a:lnT w="12700" cap="flat" cmpd="sng" algn="ctr">
-                      <a:solidFill>
-                        <a:schemeClr val="tx1"/>
-                      </a:solidFill>
-                      <a:prstDash val="solid"/>
-                      <a:round/>
-                      <a:headEnd type="none" w="med" len="med"/>
-                      <a:tailEnd type="none" w="med" len="med"/>
-                    </a:lnT>
-                    <a:lnB w="12700" cap="flat" cmpd="sng" algn="ctr">
-                      <a:solidFill>
-                        <a:schemeClr val="tx1"/>
-                      </a:solidFill>
-                      <a:prstDash val="solid"/>
-                      <a:round/>
-                      <a:headEnd type="none" w="med" len="med"/>
-                      <a:tailEnd type="none" w="med" len="med"/>
-                    </a:lnB>
-                    <a:noFill/>
-                  </a:tcPr>
-                </a:tc>
-                <a:tc>
-                  <a:txBody>
-                    <a:bodyPr/>
-                    <a:lstStyle/>
-                    <a:p>
-                      <a:endParaRPr lang="en-US"/>
-                    </a:p>
-                  </a:txBody>
-                  <a:tcPr>
-                    <a:lnL w="12700" cap="flat" cmpd="sng" algn="ctr">
-                      <a:solidFill>
-                        <a:schemeClr val="tx1"/>
-                      </a:solidFill>
-                      <a:prstDash val="solid"/>
-                      <a:round/>
-                      <a:headEnd type="none" w="med" len="med"/>
-                      <a:tailEnd type="none" w="med" len="med"/>
-                    </a:lnL>
-                    <a:lnR w="12700" cap="flat" cmpd="sng" algn="ctr">
-                      <a:solidFill>
-                        <a:schemeClr val="tx1"/>
-                      </a:solidFill>
-                      <a:prstDash val="solid"/>
-                      <a:round/>
-                      <a:headEnd type="none" w="med" len="med"/>
-                      <a:tailEnd type="none" w="med" len="med"/>
-                    </a:lnR>
-                    <a:lnT w="12700" cap="flat" cmpd="sng" algn="ctr">
-                      <a:solidFill>
-                        <a:schemeClr val="tx1"/>
-                      </a:solidFill>
-                      <a:prstDash val="solid"/>
-                      <a:round/>
-                      <a:headEnd type="none" w="med" len="med"/>
-                      <a:tailEnd type="none" w="med" len="med"/>
-                    </a:lnT>
-                    <a:lnB w="12700" cap="flat" cmpd="sng" algn="ctr">
-                      <a:solidFill>
-                        <a:schemeClr val="tx1"/>
-                      </a:solidFill>
-                      <a:prstDash val="solid"/>
-                      <a:round/>
-                      <a:headEnd type="none" w="med" len="med"/>
-                      <a:tailEnd type="none" w="med" len="med"/>
-                    </a:lnB>
-                    <a:noFill/>
-                  </a:tcPr>
-                </a:tc>
-                <a:tc>
-                  <a:txBody>
-                    <a:bodyPr/>
-                    <a:lstStyle/>
-                    <a:p>
-                      <a:endParaRPr lang="en-US" dirty="0"/>
-                    </a:p>
-                  </a:txBody>
-                  <a:tcPr>
-                    <a:lnL w="12700" cap="flat" cmpd="sng" algn="ctr">
-                      <a:solidFill>
-                        <a:schemeClr val="tx1"/>
-                      </a:solidFill>
-                      <a:prstDash val="solid"/>
-                      <a:round/>
-                      <a:headEnd type="none" w="med" len="med"/>
-                      <a:tailEnd type="none" w="med" len="med"/>
-                    </a:lnL>
-                    <a:lnR w="12700" cap="flat" cmpd="sng" algn="ctr">
-                      <a:solidFill>
-                        <a:schemeClr val="tx1"/>
-                      </a:solidFill>
-                      <a:prstDash val="solid"/>
-                      <a:round/>
-                      <a:headEnd type="none" w="med" len="med"/>
-                      <a:tailEnd type="none" w="med" len="med"/>
-                    </a:lnR>
-                    <a:lnT w="12700" cap="flat" cmpd="sng" algn="ctr">
-                      <a:solidFill>
-                        <a:schemeClr val="tx1"/>
-                      </a:solidFill>
-                      <a:prstDash val="solid"/>
-                      <a:round/>
-                      <a:headEnd type="none" w="med" len="med"/>
-                      <a:tailEnd type="none" w="med" len="med"/>
-                    </a:lnT>
-                    <a:lnB w="12700" cap="flat" cmpd="sng" algn="ctr">
-                      <a:solidFill>
-                        <a:schemeClr val="tx1"/>
-                      </a:solidFill>
-                      <a:prstDash val="solid"/>
-                      <a:round/>
-                      <a:headEnd type="none" w="med" len="med"/>
-                      <a:tailEnd type="none" w="med" len="med"/>
-                    </a:lnB>
-                    <a:noFill/>
-                  </a:tcPr>
-                </a:tc>
-              </a:tr>
-            </a:tbl>
-          </a:graphicData>
-        </a:graphic>
-      </p:graphicFrame>
     </p:spTree>
   </p:cSld>
   <p:clrMapOvr>

--- a/Documentation/UGRADSPoster.pptx
+++ b/Documentation/UGRADSPoster.pptx
@@ -2657,8 +2657,8 @@
         </p:nvSpPr>
         <p:spPr bwMode="auto">
           <a:xfrm>
-            <a:off x="31089600" y="20116800"/>
-            <a:ext cx="12801600" cy="5486400"/>
+            <a:off x="31089600" y="19812000"/>
+            <a:ext cx="12801600" cy="5872734"/>
           </a:xfrm>
           <a:prstGeom prst="rect">
             <a:avLst/>
@@ -3045,8 +3045,8 @@
         </p:nvSpPr>
         <p:spPr bwMode="auto">
           <a:xfrm>
-            <a:off x="31089600" y="7315200"/>
-            <a:ext cx="12801600" cy="10972800"/>
+            <a:off x="31089600" y="7391400"/>
+            <a:ext cx="12801600" cy="10521950"/>
           </a:xfrm>
           <a:prstGeom prst="rect">
             <a:avLst/>
@@ -3955,8 +3955,15 @@
                 </a:solidFill>
                 <a:latin typeface="Century Gothic" pitchFamily="34" charset="0"/>
               </a:rPr>
-              <a:t> of Northern Arizona </a:t>
-            </a:r>
+              <a:t> of Northern Arizona University</a:t>
+            </a:r>
+          </a:p>
+          <a:p>
+            <a:pPr algn="l">
+              <a:spcBef>
+                <a:spcPts val="0"/>
+              </a:spcBef>
+            </a:pPr>
             <a:r>
               <a:rPr lang="en-US" sz="3500" dirty="0" smtClean="0">
                 <a:solidFill>
@@ -3966,25 +3973,7 @@
                 </a:solidFill>
                 <a:latin typeface="Century Gothic" pitchFamily="34" charset="0"/>
               </a:rPr>
-              <a:t>University</a:t>
-            </a:r>
-          </a:p>
-          <a:p>
-            <a:pPr algn="l">
-              <a:spcBef>
-                <a:spcPts val="0"/>
-              </a:spcBef>
-            </a:pPr>
-            <a:r>
-              <a:rPr lang="en-US" sz="3500" dirty="0" smtClean="0">
-                <a:solidFill>
-                  <a:schemeClr val="bg2">
-                    <a:lumMod val="75000"/>
-                  </a:schemeClr>
-                </a:solidFill>
-                <a:latin typeface="Century Gothic" pitchFamily="34" charset="0"/>
-              </a:rPr>
-              <a:t>Test users</a:t>
+              <a:t>User Testing Volunteers</a:t>
             </a:r>
             <a:endParaRPr lang="en-US" sz="3500" dirty="0" smtClean="0">
               <a:solidFill>
@@ -5070,7 +5059,29 @@
                 </a:solidFill>
                 <a:latin typeface="Century Gothic" pitchFamily="34" charset="0"/>
               </a:rPr>
-              <a:t>: Architecture for the second localization functionality of directed ads and coupons.</a:t>
+              <a:t>: Architecture for the </a:t>
+            </a:r>
+            <a:r>
+              <a:rPr lang="en-US" sz="2500" dirty="0" smtClean="0">
+                <a:solidFill>
+                  <a:schemeClr val="bg2">
+                    <a:lumMod val="50000"/>
+                  </a:schemeClr>
+                </a:solidFill>
+                <a:latin typeface="Century Gothic" pitchFamily="34" charset="0"/>
+              </a:rPr>
+              <a:t>localization </a:t>
+            </a:r>
+            <a:r>
+              <a:rPr lang="en-US" sz="2500" dirty="0" smtClean="0">
+                <a:solidFill>
+                  <a:schemeClr val="bg2">
+                    <a:lumMod val="50000"/>
+                  </a:schemeClr>
+                </a:solidFill>
+                <a:latin typeface="Century Gothic" pitchFamily="34" charset="0"/>
+              </a:rPr>
+              <a:t>functionality of directed ads and coupons.</a:t>
             </a:r>
             <a:endParaRPr lang="en-US" sz="2500" dirty="0">
               <a:solidFill>
@@ -5717,7 +5728,29 @@
                 </a:solidFill>
                 <a:latin typeface="Century Gothic" pitchFamily="34" charset="0"/>
               </a:rPr>
-              <a:t>: Architecture for the first localization functionality between customer and merchant.</a:t>
+              <a:t>: Architecture for the </a:t>
+            </a:r>
+            <a:r>
+              <a:rPr lang="en-US" sz="2500" dirty="0" smtClean="0">
+                <a:solidFill>
+                  <a:schemeClr val="bg2">
+                    <a:lumMod val="50000"/>
+                  </a:schemeClr>
+                </a:solidFill>
+                <a:latin typeface="Century Gothic" pitchFamily="34" charset="0"/>
+              </a:rPr>
+              <a:t>localization </a:t>
+            </a:r>
+            <a:r>
+              <a:rPr lang="en-US" sz="2500" dirty="0" smtClean="0">
+                <a:solidFill>
+                  <a:schemeClr val="bg2">
+                    <a:lumMod val="50000"/>
+                  </a:schemeClr>
+                </a:solidFill>
+                <a:latin typeface="Century Gothic" pitchFamily="34" charset="0"/>
+              </a:rPr>
+              <a:t>functionality between customer and merchant.</a:t>
             </a:r>
             <a:endParaRPr lang="en-US" sz="2500" dirty="0">
               <a:solidFill>
@@ -5779,116 +5812,6 @@
       </p:sp>
       <p:sp>
         <p:nvSpPr>
-          <p:cNvPr id="175" name="Rectangle 174"/>
-          <p:cNvSpPr/>
-          <p:nvPr/>
-        </p:nvSpPr>
-        <p:spPr>
-          <a:xfrm>
-            <a:off x="31546800" y="7505343"/>
-            <a:ext cx="11430000" cy="1477328"/>
-          </a:xfrm>
-          <a:prstGeom prst="rect">
-            <a:avLst/>
-          </a:prstGeom>
-        </p:spPr>
-        <p:txBody>
-          <a:bodyPr wrap="square">
-            <a:spAutoFit/>
-          </a:bodyPr>
-          <a:lstStyle/>
-          <a:p>
-            <a:pPr>
-              <a:spcBef>
-                <a:spcPts val="0"/>
-              </a:spcBef>
-            </a:pPr>
-            <a:r>
-              <a:rPr lang="en-US" sz="3000" dirty="0" smtClean="0">
-                <a:solidFill>
-                  <a:schemeClr val="bg2">
-                    <a:lumMod val="50000"/>
-                  </a:schemeClr>
-                </a:solidFill>
-                <a:latin typeface="Century Gothic" pitchFamily="34" charset="0"/>
-              </a:rPr>
-              <a:t>The following </a:t>
-            </a:r>
-            <a:r>
-              <a:rPr lang="en-US" sz="3000" dirty="0" smtClean="0">
-                <a:solidFill>
-                  <a:schemeClr val="bg2">
-                    <a:lumMod val="50000"/>
-                  </a:schemeClr>
-                </a:solidFill>
-                <a:latin typeface="Century Gothic" pitchFamily="34" charset="0"/>
-              </a:rPr>
-              <a:t>was </a:t>
-            </a:r>
-            <a:r>
-              <a:rPr lang="en-US" sz="3000" dirty="0" smtClean="0">
-                <a:solidFill>
-                  <a:schemeClr val="bg2">
-                    <a:lumMod val="50000"/>
-                  </a:schemeClr>
-                </a:solidFill>
-                <a:latin typeface="Century Gothic" pitchFamily="34" charset="0"/>
-              </a:rPr>
-              <a:t>performed for the localization functions:</a:t>
-            </a:r>
-          </a:p>
-          <a:p>
-            <a:pPr marL="914400" lvl="1" indent="-457200">
-              <a:spcBef>
-                <a:spcPts val="0"/>
-              </a:spcBef>
-              <a:buFont typeface="Arial" pitchFamily="34" charset="0"/>
-              <a:buChar char="•"/>
-            </a:pPr>
-            <a:r>
-              <a:rPr lang="en-US" sz="3000" dirty="0" smtClean="0">
-                <a:solidFill>
-                  <a:schemeClr val="bg2">
-                    <a:lumMod val="50000"/>
-                  </a:schemeClr>
-                </a:solidFill>
-                <a:latin typeface="Century Gothic" pitchFamily="34" charset="0"/>
-              </a:rPr>
-              <a:t>Unit Testing </a:t>
-            </a:r>
-            <a:endParaRPr lang="en-US" sz="3000" dirty="0" smtClean="0">
-              <a:solidFill>
-                <a:schemeClr val="bg2">
-                  <a:lumMod val="50000"/>
-                </a:schemeClr>
-              </a:solidFill>
-              <a:latin typeface="Century Gothic" pitchFamily="34" charset="0"/>
-            </a:endParaRPr>
-          </a:p>
-          <a:p>
-            <a:pPr marL="914400" lvl="1" indent="-457200">
-              <a:spcBef>
-                <a:spcPts val="0"/>
-              </a:spcBef>
-              <a:buFont typeface="Arial" pitchFamily="34" charset="0"/>
-              <a:buChar char="•"/>
-            </a:pPr>
-            <a:r>
-              <a:rPr lang="en-US" sz="3000" dirty="0" smtClean="0">
-                <a:solidFill>
-                  <a:schemeClr val="bg2">
-                    <a:lumMod val="50000"/>
-                  </a:schemeClr>
-                </a:solidFill>
-                <a:latin typeface="Century Gothic" pitchFamily="34" charset="0"/>
-              </a:rPr>
-              <a:t>User Testing</a:t>
-            </a:r>
-          </a:p>
-        </p:txBody>
-      </p:sp>
-      <p:sp>
-        <p:nvSpPr>
           <p:cNvPr id="12" name="Rectangle 11"/>
           <p:cNvSpPr/>
           <p:nvPr/>
@@ -5928,18 +5851,7 @@
                 </a:solidFill>
                 <a:latin typeface="Century Gothic" pitchFamily="34" charset="0"/>
               </a:rPr>
-              <a:t>: </a:t>
-            </a:r>
-            <a:r>
-              <a:rPr lang="en-US" dirty="0" smtClean="0">
-                <a:solidFill>
-                  <a:schemeClr val="bg2">
-                    <a:lumMod val="50000"/>
-                  </a:schemeClr>
-                </a:solidFill>
-                <a:latin typeface="Century Gothic" pitchFamily="34" charset="0"/>
-              </a:rPr>
-              <a:t>The left image shows an iPhone screenshot of the home page of the merchant app.  The right image shows an Android screenshot of the merchant map page of the customer app. </a:t>
+              <a:t>: The left image shows an iPhone screenshot of the home page of the merchant app.  The right image shows an Android screenshot of the merchant map page of the customer app. </a:t>
             </a:r>
             <a:endParaRPr lang="en-US" dirty="0">
               <a:solidFill>
@@ -5962,7 +5874,7 @@
         </p:nvSpPr>
         <p:spPr bwMode="auto">
           <a:xfrm>
-            <a:off x="30957837" y="19202400"/>
+            <a:off x="30957837" y="18821400"/>
             <a:ext cx="10113963" cy="779462"/>
           </a:xfrm>
           <a:prstGeom prst="rect">
@@ -6008,13 +5920,13 @@
           <p:nvPr>
             <p:extLst>
               <p:ext uri="{D42A27DB-BD31-4B8C-83A1-F6EECF244321}">
-                <p14:modId xmlns:p14="http://schemas.microsoft.com/office/powerpoint/2010/main" val="1107306011"/>
+                <p14:modId xmlns:p14="http://schemas.microsoft.com/office/powerpoint/2010/main" val="1200316887"/>
               </p:ext>
             </p:extLst>
           </p:nvPr>
         </p:nvGraphicFramePr>
         <p:xfrm>
-          <a:off x="31394400" y="21366480"/>
+          <a:off x="31428558" y="21432951"/>
           <a:ext cx="11430000" cy="3779520"/>
         </p:xfrm>
         <a:graphic>
@@ -8941,7 +8853,7 @@
         </p:nvSpPr>
         <p:spPr bwMode="auto">
           <a:xfrm>
-            <a:off x="31318200" y="9144000"/>
+            <a:off x="31318200" y="7848600"/>
             <a:ext cx="10113963" cy="779462"/>
           </a:xfrm>
           <a:prstGeom prst="rect">
@@ -8986,7 +8898,7 @@
         </p:nvSpPr>
         <p:spPr>
           <a:xfrm>
-            <a:off x="31546800" y="9906000"/>
+            <a:off x="31546800" y="8610600"/>
             <a:ext cx="11430000" cy="4708981"/>
           </a:xfrm>
           <a:prstGeom prst="rect">
@@ -9181,7 +9093,7 @@
         </p:nvSpPr>
         <p:spPr bwMode="auto">
           <a:xfrm>
-            <a:off x="31318200" y="15193010"/>
+            <a:off x="31318200" y="14325600"/>
             <a:ext cx="10113963" cy="779462"/>
           </a:xfrm>
           <a:prstGeom prst="rect">
@@ -9265,7 +9177,7 @@
         </p:nvSpPr>
         <p:spPr>
           <a:xfrm>
-            <a:off x="31546800" y="15972472"/>
+            <a:off x="31546800" y="15105062"/>
             <a:ext cx="11430000" cy="1477328"/>
           </a:xfrm>
           <a:prstGeom prst="rect">
@@ -9305,7 +9217,7 @@
         </p:nvSpPr>
         <p:spPr>
           <a:xfrm>
-            <a:off x="31318200" y="20305693"/>
+            <a:off x="31318200" y="20000893"/>
             <a:ext cx="11658600" cy="954107"/>
           </a:xfrm>
           <a:prstGeom prst="rect">
@@ -9343,7 +9255,29 @@
                 </a:solidFill>
                 <a:latin typeface="Century Gothic" pitchFamily="34" charset="0"/>
               </a:rPr>
-              <a:t>Data transfer information for Android and iPhone.  Data transferred depends on the length of the specific record.</a:t>
+              <a:t>Data </a:t>
+            </a:r>
+            <a:r>
+              <a:rPr lang="en-US" dirty="0" smtClean="0">
+                <a:solidFill>
+                  <a:schemeClr val="bg2">
+                    <a:lumMod val="50000"/>
+                  </a:schemeClr>
+                </a:solidFill>
+                <a:latin typeface="Century Gothic" pitchFamily="34" charset="0"/>
+              </a:rPr>
+              <a:t>transfer, in bytes, between the apps and the server. Data </a:t>
+            </a:r>
+            <a:r>
+              <a:rPr lang="en-US" dirty="0" smtClean="0">
+                <a:solidFill>
+                  <a:schemeClr val="bg2">
+                    <a:lumMod val="50000"/>
+                  </a:schemeClr>
+                </a:solidFill>
+                <a:latin typeface="Century Gothic" pitchFamily="34" charset="0"/>
+              </a:rPr>
+              <a:t>transferred depends on the length of the specific record.</a:t>
             </a:r>
             <a:endParaRPr lang="en-US" b="1" dirty="0" smtClean="0">
               <a:solidFill>

--- a/Documentation/UGRADSPoster.pptx
+++ b/Documentation/UGRADSPoster.pptx
@@ -2657,8 +2657,8 @@
         </p:nvSpPr>
         <p:spPr bwMode="auto">
           <a:xfrm>
-            <a:off x="31089600" y="19812000"/>
-            <a:ext cx="12801600" cy="5872734"/>
+            <a:off x="31089600" y="19202400"/>
+            <a:ext cx="12344400" cy="6400800"/>
           </a:xfrm>
           <a:prstGeom prst="rect">
             <a:avLst/>
@@ -2722,8 +2722,8 @@
         </p:nvSpPr>
         <p:spPr bwMode="auto">
           <a:xfrm>
-            <a:off x="0" y="14630400"/>
-            <a:ext cx="12801600" cy="3657600"/>
+            <a:off x="457200" y="14630400"/>
+            <a:ext cx="12344400" cy="3657600"/>
           </a:xfrm>
           <a:prstGeom prst="rect">
             <a:avLst/>
@@ -2788,7 +2788,7 @@
         <p:spPr bwMode="auto">
           <a:xfrm>
             <a:off x="3733800" y="2133600"/>
-            <a:ext cx="40157400" cy="2847474"/>
+            <a:ext cx="39700200" cy="2847474"/>
           </a:xfrm>
           <a:prstGeom prst="rect">
             <a:avLst/>
@@ -2915,8 +2915,8 @@
         </p:nvSpPr>
         <p:spPr bwMode="auto">
           <a:xfrm>
-            <a:off x="0" y="20878800"/>
-            <a:ext cx="29489400" cy="9296400"/>
+            <a:off x="457200" y="20878800"/>
+            <a:ext cx="28803600" cy="9296400"/>
           </a:xfrm>
           <a:prstGeom prst="rect">
             <a:avLst/>
@@ -2981,7 +2981,7 @@
         <p:spPr bwMode="auto">
           <a:xfrm>
             <a:off x="31089600" y="27432000"/>
-            <a:ext cx="12801600" cy="2743200"/>
+            <a:ext cx="12344400" cy="2743200"/>
           </a:xfrm>
           <a:prstGeom prst="rect">
             <a:avLst/>
@@ -3045,8 +3045,8 @@
         </p:nvSpPr>
         <p:spPr bwMode="auto">
           <a:xfrm>
-            <a:off x="31089600" y="7391400"/>
-            <a:ext cx="12801600" cy="10521950"/>
+            <a:off x="31089600" y="7315200"/>
+            <a:ext cx="12344400" cy="10058400"/>
           </a:xfrm>
           <a:prstGeom prst="rect">
             <a:avLst/>
@@ -3110,8 +3110,8 @@
         </p:nvSpPr>
         <p:spPr bwMode="auto">
           <a:xfrm>
-            <a:off x="0" y="7315200"/>
-            <a:ext cx="12801600" cy="5486400"/>
+            <a:off x="457200" y="7315200"/>
+            <a:ext cx="12344400" cy="5486400"/>
           </a:xfrm>
           <a:prstGeom prst="rect">
             <a:avLst/>
@@ -3592,7 +3592,7 @@
         </p:nvSpPr>
         <p:spPr>
           <a:xfrm>
-            <a:off x="304800" y="30352425"/>
+            <a:off x="457200" y="30352425"/>
             <a:ext cx="4648200" cy="584775"/>
           </a:xfrm>
           <a:prstGeom prst="rect">
@@ -3975,14 +3975,6 @@
               </a:rPr>
               <a:t>User Testing Volunteers</a:t>
             </a:r>
-            <a:endParaRPr lang="en-US" sz="3500" dirty="0" smtClean="0">
-              <a:solidFill>
-                <a:schemeClr val="bg2">
-                  <a:lumMod val="75000"/>
-                </a:schemeClr>
-              </a:solidFill>
-              <a:latin typeface="Century Gothic" pitchFamily="34" charset="0"/>
-            </a:endParaRPr>
           </a:p>
         </p:txBody>
       </p:sp>
@@ -4016,914 +4008,6 @@
           </a:prstGeom>
         </p:spPr>
       </p:pic>
-      <p:grpSp>
-        <p:nvGrpSpPr>
-          <p:cNvPr id="130" name="Group 129"/>
-          <p:cNvGrpSpPr/>
-          <p:nvPr/>
-        </p:nvGrpSpPr>
-        <p:grpSpPr>
-          <a:xfrm>
-            <a:off x="1143000" y="21564600"/>
-            <a:ext cx="11970245" cy="6176059"/>
-            <a:chOff x="353573" y="2169508"/>
-            <a:chExt cx="8454216" cy="4189940"/>
-          </a:xfrm>
-        </p:grpSpPr>
-        <p:grpSp>
-          <p:nvGrpSpPr>
-            <p:cNvPr id="131" name="Group 130"/>
-            <p:cNvGrpSpPr/>
-            <p:nvPr/>
-          </p:nvGrpSpPr>
-          <p:grpSpPr>
-            <a:xfrm>
-              <a:off x="6757882" y="3752366"/>
-              <a:ext cx="2049907" cy="2607082"/>
-              <a:chOff x="357083" y="3967051"/>
-              <a:chExt cx="2049907" cy="2607082"/>
-            </a:xfrm>
-          </p:grpSpPr>
-          <p:sp>
-            <p:nvSpPr>
-              <p:cNvPr id="150" name="Cube 149"/>
-              <p:cNvSpPr/>
-              <p:nvPr/>
-            </p:nvSpPr>
-            <p:spPr>
-              <a:xfrm>
-                <a:off x="357083" y="3967051"/>
-                <a:ext cx="2049907" cy="2607082"/>
-              </a:xfrm>
-              <a:prstGeom prst="cube">
-                <a:avLst/>
-              </a:prstGeom>
-              <a:solidFill>
-                <a:schemeClr val="lt1">
-                  <a:alpha val="60000"/>
-                </a:schemeClr>
-              </a:solidFill>
-              <a:ln/>
-            </p:spPr>
-            <p:style>
-              <a:lnRef idx="2">
-                <a:schemeClr val="dk1"/>
-              </a:lnRef>
-              <a:fillRef idx="1">
-                <a:schemeClr val="lt1"/>
-              </a:fillRef>
-              <a:effectRef idx="0">
-                <a:schemeClr val="dk1"/>
-              </a:effectRef>
-              <a:fontRef idx="minor">
-                <a:schemeClr val="dk1"/>
-              </a:fontRef>
-            </p:style>
-            <p:txBody>
-              <a:bodyPr rtlCol="0" anchor="ctr"/>
-              <a:lstStyle/>
-              <a:p>
-                <a:pPr algn="ctr"/>
-                <a:endParaRPr lang="en-US" sz="2000" dirty="0" smtClean="0">
-                  <a:solidFill>
-                    <a:schemeClr val="bg2">
-                      <a:lumMod val="50000"/>
-                    </a:schemeClr>
-                  </a:solidFill>
-                  <a:latin typeface="Century Gothic" pitchFamily="34" charset="0"/>
-                </a:endParaRPr>
-              </a:p>
-              <a:p>
-                <a:pPr algn="ctr"/>
-                <a:r>
-                  <a:rPr lang="en-US" sz="2000" dirty="0" smtClean="0">
-                    <a:solidFill>
-                      <a:schemeClr val="bg2">
-                        <a:lumMod val="50000"/>
-                      </a:schemeClr>
-                    </a:solidFill>
-                    <a:latin typeface="Century Gothic" pitchFamily="34" charset="0"/>
-                  </a:rPr>
-                  <a:t>Customer App</a:t>
-                </a:r>
-                <a:endParaRPr lang="en-US" sz="2000" dirty="0">
-                  <a:solidFill>
-                    <a:schemeClr val="bg2">
-                      <a:lumMod val="50000"/>
-                    </a:schemeClr>
-                  </a:solidFill>
-                  <a:latin typeface="Century Gothic" pitchFamily="34" charset="0"/>
-                </a:endParaRPr>
-              </a:p>
-            </p:txBody>
-          </p:sp>
-          <p:sp>
-            <p:nvSpPr>
-              <p:cNvPr id="149" name="Cube 148"/>
-              <p:cNvSpPr/>
-              <p:nvPr/>
-            </p:nvSpPr>
-            <p:spPr>
-              <a:xfrm>
-                <a:off x="422642" y="4540195"/>
-                <a:ext cx="1652648" cy="942435"/>
-              </a:xfrm>
-              <a:prstGeom prst="cube">
-                <a:avLst/>
-              </a:prstGeom>
-              <a:solidFill>
-                <a:schemeClr val="lt1">
-                  <a:alpha val="0"/>
-                </a:schemeClr>
-              </a:solidFill>
-              <a:ln/>
-            </p:spPr>
-            <p:style>
-              <a:lnRef idx="2">
-                <a:schemeClr val="dk1"/>
-              </a:lnRef>
-              <a:fillRef idx="1">
-                <a:schemeClr val="lt1"/>
-              </a:fillRef>
-              <a:effectRef idx="0">
-                <a:schemeClr val="dk1"/>
-              </a:effectRef>
-              <a:fontRef idx="minor">
-                <a:schemeClr val="dk1"/>
-              </a:fontRef>
-            </p:style>
-            <p:txBody>
-              <a:bodyPr rtlCol="0" anchor="ctr"/>
-              <a:lstStyle/>
-              <a:p>
-                <a:pPr algn="ctr"/>
-                <a:r>
-                  <a:rPr lang="en-US" sz="2000" dirty="0" smtClean="0">
-                    <a:solidFill>
-                      <a:schemeClr val="bg2">
-                        <a:lumMod val="50000"/>
-                      </a:schemeClr>
-                    </a:solidFill>
-                    <a:latin typeface="Century Gothic" pitchFamily="34" charset="0"/>
-                  </a:rPr>
-                  <a:t>JSON</a:t>
-                </a:r>
-                <a:endParaRPr lang="en-US" sz="2000" dirty="0">
-                  <a:solidFill>
-                    <a:schemeClr val="bg2">
-                      <a:lumMod val="50000"/>
-                    </a:schemeClr>
-                  </a:solidFill>
-                  <a:latin typeface="Century Gothic" pitchFamily="34" charset="0"/>
-                </a:endParaRPr>
-              </a:p>
-            </p:txBody>
-          </p:sp>
-        </p:grpSp>
-        <p:sp>
-          <p:nvSpPr>
-            <p:cNvPr id="132" name="Can 131"/>
-            <p:cNvSpPr/>
-            <p:nvPr/>
-          </p:nvSpPr>
-          <p:spPr>
-            <a:xfrm>
-              <a:off x="3702544" y="2169508"/>
-              <a:ext cx="1447800" cy="1117600"/>
-            </a:xfrm>
-            <a:prstGeom prst="can">
-              <a:avLst/>
-            </a:prstGeom>
-            <a:ln/>
-          </p:spPr>
-          <p:style>
-            <a:lnRef idx="2">
-              <a:schemeClr val="dk1"/>
-            </a:lnRef>
-            <a:fillRef idx="1">
-              <a:schemeClr val="lt1"/>
-            </a:fillRef>
-            <a:effectRef idx="0">
-              <a:schemeClr val="dk1"/>
-            </a:effectRef>
-            <a:fontRef idx="minor">
-              <a:schemeClr val="dk1"/>
-            </a:fontRef>
-          </p:style>
-          <p:txBody>
-            <a:bodyPr rtlCol="0" anchor="ctr"/>
-            <a:lstStyle/>
-            <a:p>
-              <a:pPr algn="ctr"/>
-              <a:r>
-                <a:rPr lang="en-US" sz="2000" dirty="0" smtClean="0">
-                  <a:solidFill>
-                    <a:schemeClr val="bg2">
-                      <a:lumMod val="50000"/>
-                    </a:schemeClr>
-                  </a:solidFill>
-                  <a:latin typeface="Century Gothic" pitchFamily="34" charset="0"/>
-                </a:rPr>
-                <a:t>Database</a:t>
-              </a:r>
-              <a:endParaRPr lang="en-US" sz="2000" dirty="0">
-                <a:solidFill>
-                  <a:schemeClr val="bg2">
-                    <a:lumMod val="50000"/>
-                  </a:schemeClr>
-                </a:solidFill>
-                <a:latin typeface="Century Gothic" pitchFamily="34" charset="0"/>
-              </a:endParaRPr>
-            </a:p>
-          </p:txBody>
-        </p:sp>
-        <p:sp>
-          <p:nvSpPr>
-            <p:cNvPr id="133" name="Cube 132"/>
-            <p:cNvSpPr/>
-            <p:nvPr/>
-          </p:nvSpPr>
-          <p:spPr>
-            <a:xfrm>
-              <a:off x="3666918" y="4047506"/>
-              <a:ext cx="1605726" cy="2247900"/>
-            </a:xfrm>
-            <a:prstGeom prst="cube">
-              <a:avLst/>
-            </a:prstGeom>
-            <a:solidFill>
-              <a:schemeClr val="lt1"/>
-            </a:solidFill>
-            <a:ln/>
-          </p:spPr>
-          <p:style>
-            <a:lnRef idx="2">
-              <a:schemeClr val="dk1"/>
-            </a:lnRef>
-            <a:fillRef idx="1">
-              <a:schemeClr val="lt1"/>
-            </a:fillRef>
-            <a:effectRef idx="0">
-              <a:schemeClr val="dk1"/>
-            </a:effectRef>
-            <a:fontRef idx="minor">
-              <a:schemeClr val="dk1"/>
-            </a:fontRef>
-          </p:style>
-          <p:txBody>
-            <a:bodyPr rtlCol="0" anchor="ctr"/>
-            <a:lstStyle/>
-            <a:p>
-              <a:pPr algn="ctr"/>
-              <a:r>
-                <a:rPr lang="en-US" sz="2000" dirty="0" smtClean="0">
-                  <a:solidFill>
-                    <a:schemeClr val="bg2">
-                      <a:lumMod val="50000"/>
-                    </a:schemeClr>
-                  </a:solidFill>
-                  <a:latin typeface="Century Gothic" pitchFamily="34" charset="0"/>
-                </a:rPr>
-                <a:t>RESTful Web Service</a:t>
-              </a:r>
-            </a:p>
-          </p:txBody>
-        </p:sp>
-        <p:cxnSp>
-          <p:nvCxnSpPr>
-            <p:cNvPr id="134" name="Straight Arrow Connector 133"/>
-            <p:cNvCxnSpPr/>
-            <p:nvPr/>
-          </p:nvCxnSpPr>
-          <p:spPr>
-            <a:xfrm flipH="1" flipV="1">
-              <a:off x="4120813" y="3284797"/>
-              <a:ext cx="11800" cy="984522"/>
-            </a:xfrm>
-            <a:prstGeom prst="straightConnector1">
-              <a:avLst/>
-            </a:prstGeom>
-            <a:ln w="76200">
-              <a:solidFill>
-                <a:schemeClr val="bg2"/>
-              </a:solidFill>
-              <a:tailEnd type="triangle"/>
-            </a:ln>
-          </p:spPr>
-          <p:style>
-            <a:lnRef idx="1">
-              <a:schemeClr val="accent1"/>
-            </a:lnRef>
-            <a:fillRef idx="0">
-              <a:schemeClr val="accent1"/>
-            </a:fillRef>
-            <a:effectRef idx="0">
-              <a:schemeClr val="accent1"/>
-            </a:effectRef>
-            <a:fontRef idx="minor">
-              <a:schemeClr val="tx1"/>
-            </a:fontRef>
-          </p:style>
-        </p:cxnSp>
-        <p:cxnSp>
-          <p:nvCxnSpPr>
-            <p:cNvPr id="135" name="Straight Arrow Connector 134"/>
-            <p:cNvCxnSpPr/>
-            <p:nvPr/>
-          </p:nvCxnSpPr>
-          <p:spPr>
-            <a:xfrm>
-              <a:off x="4755078" y="3272781"/>
-              <a:ext cx="6927" cy="996538"/>
-            </a:xfrm>
-            <a:prstGeom prst="straightConnector1">
-              <a:avLst/>
-            </a:prstGeom>
-            <a:ln w="76200">
-              <a:solidFill>
-                <a:schemeClr val="bg2"/>
-              </a:solidFill>
-              <a:tailEnd type="triangle"/>
-            </a:ln>
-          </p:spPr>
-          <p:style>
-            <a:lnRef idx="1">
-              <a:schemeClr val="accent1"/>
-            </a:lnRef>
-            <a:fillRef idx="0">
-              <a:schemeClr val="accent1"/>
-            </a:fillRef>
-            <a:effectRef idx="0">
-              <a:schemeClr val="accent1"/>
-            </a:effectRef>
-            <a:fontRef idx="minor">
-              <a:schemeClr val="tx1"/>
-            </a:fontRef>
-          </p:style>
-        </p:cxnSp>
-        <p:sp>
-          <p:nvSpPr>
-            <p:cNvPr id="136" name="TextBox 135"/>
-            <p:cNvSpPr txBox="1"/>
-            <p:nvPr/>
-          </p:nvSpPr>
-          <p:spPr>
-            <a:xfrm>
-              <a:off x="2780204" y="3287108"/>
-              <a:ext cx="1296289" cy="271441"/>
-            </a:xfrm>
-            <a:prstGeom prst="rect">
-              <a:avLst/>
-            </a:prstGeom>
-            <a:noFill/>
-          </p:spPr>
-          <p:txBody>
-            <a:bodyPr wrap="square" rtlCol="0">
-              <a:spAutoFit/>
-            </a:bodyPr>
-            <a:lstStyle/>
-            <a:p>
-              <a:r>
-                <a:rPr lang="en-US" sz="2000" dirty="0" smtClean="0">
-                  <a:solidFill>
-                    <a:schemeClr val="bg2">
-                      <a:lumMod val="50000"/>
-                    </a:schemeClr>
-                  </a:solidFill>
-                  <a:latin typeface="Century Gothic" pitchFamily="34" charset="0"/>
-                </a:rPr>
-                <a:t>SQL Queries</a:t>
-              </a:r>
-              <a:endParaRPr lang="en-US" sz="2000" dirty="0">
-                <a:solidFill>
-                  <a:schemeClr val="bg2">
-                    <a:lumMod val="50000"/>
-                  </a:schemeClr>
-                </a:solidFill>
-                <a:latin typeface="Century Gothic" pitchFamily="34" charset="0"/>
-              </a:endParaRPr>
-            </a:p>
-          </p:txBody>
-        </p:sp>
-        <p:sp>
-          <p:nvSpPr>
-            <p:cNvPr id="137" name="TextBox 136"/>
-            <p:cNvSpPr txBox="1"/>
-            <p:nvPr/>
-          </p:nvSpPr>
-          <p:spPr>
-            <a:xfrm>
-              <a:off x="4879095" y="3287108"/>
-              <a:ext cx="1991186" cy="271441"/>
-            </a:xfrm>
-            <a:prstGeom prst="rect">
-              <a:avLst/>
-            </a:prstGeom>
-            <a:noFill/>
-          </p:spPr>
-          <p:txBody>
-            <a:bodyPr wrap="square" rtlCol="0">
-              <a:spAutoFit/>
-            </a:bodyPr>
-            <a:lstStyle/>
-            <a:p>
-              <a:r>
-                <a:rPr lang="en-US" sz="2000" dirty="0" smtClean="0">
-                  <a:solidFill>
-                    <a:schemeClr val="bg2">
-                      <a:lumMod val="50000"/>
-                    </a:schemeClr>
-                  </a:solidFill>
-                  <a:latin typeface="Century Gothic" pitchFamily="34" charset="0"/>
-                </a:rPr>
-                <a:t>SQL Response</a:t>
-              </a:r>
-              <a:endParaRPr lang="en-US" sz="2000" dirty="0">
-                <a:solidFill>
-                  <a:schemeClr val="bg2">
-                    <a:lumMod val="50000"/>
-                  </a:schemeClr>
-                </a:solidFill>
-                <a:latin typeface="Century Gothic" pitchFamily="34" charset="0"/>
-              </a:endParaRPr>
-            </a:p>
-          </p:txBody>
-        </p:sp>
-        <p:sp>
-          <p:nvSpPr>
-            <p:cNvPr id="138" name="TextBox 137"/>
-            <p:cNvSpPr txBox="1"/>
-            <p:nvPr/>
-          </p:nvSpPr>
-          <p:spPr>
-            <a:xfrm>
-              <a:off x="2403480" y="4269319"/>
-              <a:ext cx="1183990" cy="480241"/>
-            </a:xfrm>
-            <a:prstGeom prst="rect">
-              <a:avLst/>
-            </a:prstGeom>
-            <a:noFill/>
-          </p:spPr>
-          <p:txBody>
-            <a:bodyPr wrap="square" rtlCol="0">
-              <a:spAutoFit/>
-            </a:bodyPr>
-            <a:lstStyle/>
-            <a:p>
-              <a:pPr algn="ctr"/>
-              <a:r>
-                <a:rPr lang="en-US" sz="2000" dirty="0" smtClean="0">
-                  <a:solidFill>
-                    <a:schemeClr val="bg2">
-                      <a:lumMod val="50000"/>
-                    </a:schemeClr>
-                  </a:solidFill>
-                  <a:latin typeface="Century Gothic" pitchFamily="34" charset="0"/>
-                </a:rPr>
-                <a:t>HTTP Request</a:t>
-              </a:r>
-              <a:endParaRPr lang="en-US" sz="2000" dirty="0">
-                <a:solidFill>
-                  <a:schemeClr val="bg2">
-                    <a:lumMod val="50000"/>
-                  </a:schemeClr>
-                </a:solidFill>
-                <a:latin typeface="Century Gothic" pitchFamily="34" charset="0"/>
-              </a:endParaRPr>
-            </a:p>
-          </p:txBody>
-        </p:sp>
-        <p:sp>
-          <p:nvSpPr>
-            <p:cNvPr id="139" name="TextBox 138"/>
-            <p:cNvSpPr txBox="1"/>
-            <p:nvPr/>
-          </p:nvSpPr>
-          <p:spPr>
-            <a:xfrm>
-              <a:off x="5417272" y="4321015"/>
-              <a:ext cx="1183990" cy="480241"/>
-            </a:xfrm>
-            <a:prstGeom prst="rect">
-              <a:avLst/>
-            </a:prstGeom>
-            <a:noFill/>
-          </p:spPr>
-          <p:txBody>
-            <a:bodyPr wrap="square" rtlCol="0">
-              <a:spAutoFit/>
-            </a:bodyPr>
-            <a:lstStyle/>
-            <a:p>
-              <a:pPr algn="ctr"/>
-              <a:r>
-                <a:rPr lang="en-US" sz="2000" dirty="0" smtClean="0">
-                  <a:solidFill>
-                    <a:schemeClr val="bg2">
-                      <a:lumMod val="50000"/>
-                    </a:schemeClr>
-                  </a:solidFill>
-                  <a:latin typeface="Century Gothic" pitchFamily="34" charset="0"/>
-                </a:rPr>
-                <a:t>HTTP Request</a:t>
-              </a:r>
-              <a:endParaRPr lang="en-US" sz="2000" dirty="0">
-                <a:solidFill>
-                  <a:schemeClr val="bg2">
-                    <a:lumMod val="50000"/>
-                  </a:schemeClr>
-                </a:solidFill>
-                <a:latin typeface="Century Gothic" pitchFamily="34" charset="0"/>
-              </a:endParaRPr>
-            </a:p>
-          </p:txBody>
-        </p:sp>
-        <p:sp>
-          <p:nvSpPr>
-            <p:cNvPr id="140" name="TextBox 139"/>
-            <p:cNvSpPr txBox="1"/>
-            <p:nvPr/>
-          </p:nvSpPr>
-          <p:spPr>
-            <a:xfrm>
-              <a:off x="5255819" y="5561702"/>
-              <a:ext cx="1453078" cy="480241"/>
-            </a:xfrm>
-            <a:prstGeom prst="rect">
-              <a:avLst/>
-            </a:prstGeom>
-            <a:noFill/>
-          </p:spPr>
-          <p:txBody>
-            <a:bodyPr wrap="square" rtlCol="0">
-              <a:spAutoFit/>
-            </a:bodyPr>
-            <a:lstStyle/>
-            <a:p>
-              <a:pPr algn="ctr"/>
-              <a:r>
-                <a:rPr lang="en-US" sz="2000" dirty="0" smtClean="0">
-                  <a:solidFill>
-                    <a:schemeClr val="bg2">
-                      <a:lumMod val="50000"/>
-                    </a:schemeClr>
-                  </a:solidFill>
-                  <a:latin typeface="Century Gothic" pitchFamily="34" charset="0"/>
-                </a:rPr>
-                <a:t>Notification service </a:t>
-              </a:r>
-              <a:endParaRPr lang="en-US" sz="2000" dirty="0">
-                <a:solidFill>
-                  <a:schemeClr val="bg2">
-                    <a:lumMod val="50000"/>
-                  </a:schemeClr>
-                </a:solidFill>
-                <a:latin typeface="Century Gothic" pitchFamily="34" charset="0"/>
-              </a:endParaRPr>
-            </a:p>
-          </p:txBody>
-        </p:sp>
-        <p:cxnSp>
-          <p:nvCxnSpPr>
-            <p:cNvPr id="141" name="Straight Arrow Connector 140"/>
-            <p:cNvCxnSpPr/>
-            <p:nvPr/>
-          </p:nvCxnSpPr>
-          <p:spPr>
-            <a:xfrm flipH="1" flipV="1">
-              <a:off x="5013427" y="4834393"/>
-              <a:ext cx="1749288" cy="1"/>
-            </a:xfrm>
-            <a:prstGeom prst="straightConnector1">
-              <a:avLst/>
-            </a:prstGeom>
-            <a:ln w="76200">
-              <a:solidFill>
-                <a:schemeClr val="bg2"/>
-              </a:solidFill>
-              <a:tailEnd type="triangle"/>
-            </a:ln>
-          </p:spPr>
-          <p:style>
-            <a:lnRef idx="1">
-              <a:schemeClr val="accent1"/>
-            </a:lnRef>
-            <a:fillRef idx="0">
-              <a:schemeClr val="accent1"/>
-            </a:fillRef>
-            <a:effectRef idx="0">
-              <a:schemeClr val="accent1"/>
-            </a:effectRef>
-            <a:fontRef idx="minor">
-              <a:schemeClr val="tx1"/>
-            </a:fontRef>
-          </p:style>
-        </p:cxnSp>
-        <p:cxnSp>
-          <p:nvCxnSpPr>
-            <p:cNvPr id="142" name="Straight Arrow Connector 141"/>
-            <p:cNvCxnSpPr/>
-            <p:nvPr/>
-          </p:nvCxnSpPr>
-          <p:spPr>
-            <a:xfrm>
-              <a:off x="5082639" y="5498275"/>
-              <a:ext cx="1676398" cy="22142"/>
-            </a:xfrm>
-            <a:prstGeom prst="straightConnector1">
-              <a:avLst/>
-            </a:prstGeom>
-            <a:ln w="76200">
-              <a:solidFill>
-                <a:schemeClr val="bg2"/>
-              </a:solidFill>
-              <a:tailEnd type="triangle"/>
-            </a:ln>
-          </p:spPr>
-          <p:style>
-            <a:lnRef idx="1">
-              <a:schemeClr val="accent1"/>
-            </a:lnRef>
-            <a:fillRef idx="0">
-              <a:schemeClr val="accent1"/>
-            </a:fillRef>
-            <a:effectRef idx="0">
-              <a:schemeClr val="accent1"/>
-            </a:effectRef>
-            <a:fontRef idx="minor">
-              <a:schemeClr val="tx1"/>
-            </a:fontRef>
-          </p:style>
-        </p:cxnSp>
-        <p:grpSp>
-          <p:nvGrpSpPr>
-            <p:cNvPr id="143" name="Group 142"/>
-            <p:cNvGrpSpPr/>
-            <p:nvPr/>
-          </p:nvGrpSpPr>
-          <p:grpSpPr>
-            <a:xfrm>
-              <a:off x="353573" y="3752366"/>
-              <a:ext cx="2049907" cy="2607082"/>
-              <a:chOff x="352248" y="3981629"/>
-              <a:chExt cx="2049907" cy="2607082"/>
-            </a:xfrm>
-          </p:grpSpPr>
-          <p:sp>
-            <p:nvSpPr>
-              <p:cNvPr id="148" name="Cube 147"/>
-              <p:cNvSpPr/>
-              <p:nvPr/>
-            </p:nvSpPr>
-            <p:spPr>
-              <a:xfrm>
-                <a:off x="352248" y="3981629"/>
-                <a:ext cx="2049907" cy="2607082"/>
-              </a:xfrm>
-              <a:prstGeom prst="cube">
-                <a:avLst/>
-              </a:prstGeom>
-              <a:solidFill>
-                <a:schemeClr val="lt1">
-                  <a:alpha val="60000"/>
-                </a:schemeClr>
-              </a:solidFill>
-              <a:ln/>
-            </p:spPr>
-            <p:style>
-              <a:lnRef idx="2">
-                <a:schemeClr val="dk1"/>
-              </a:lnRef>
-              <a:fillRef idx="1">
-                <a:schemeClr val="lt1"/>
-              </a:fillRef>
-              <a:effectRef idx="0">
-                <a:schemeClr val="dk1"/>
-              </a:effectRef>
-              <a:fontRef idx="minor">
-                <a:schemeClr val="dk1"/>
-              </a:fontRef>
-            </p:style>
-            <p:txBody>
-              <a:bodyPr rtlCol="0" anchor="ctr"/>
-              <a:lstStyle/>
-              <a:p>
-                <a:pPr algn="ctr"/>
-                <a:endParaRPr lang="en-US" sz="2000" dirty="0" smtClean="0">
-                  <a:solidFill>
-                    <a:schemeClr val="bg2">
-                      <a:lumMod val="50000"/>
-                    </a:schemeClr>
-                  </a:solidFill>
-                  <a:latin typeface="Century Gothic" pitchFamily="34" charset="0"/>
-                </a:endParaRPr>
-              </a:p>
-              <a:p>
-                <a:pPr algn="ctr"/>
-                <a:r>
-                  <a:rPr lang="en-US" sz="2000" dirty="0" smtClean="0">
-                    <a:solidFill>
-                      <a:schemeClr val="bg2">
-                        <a:lumMod val="50000"/>
-                      </a:schemeClr>
-                    </a:solidFill>
-                    <a:latin typeface="Century Gothic" pitchFamily="34" charset="0"/>
-                  </a:rPr>
-                  <a:t>Merchant App</a:t>
-                </a:r>
-                <a:endParaRPr lang="en-US" sz="2000" dirty="0">
-                  <a:solidFill>
-                    <a:schemeClr val="bg2">
-                      <a:lumMod val="50000"/>
-                    </a:schemeClr>
-                  </a:solidFill>
-                  <a:latin typeface="Century Gothic" pitchFamily="34" charset="0"/>
-                </a:endParaRPr>
-              </a:p>
-            </p:txBody>
-          </p:sp>
-          <p:sp>
-            <p:nvSpPr>
-              <p:cNvPr id="147" name="Cube 146"/>
-              <p:cNvSpPr/>
-              <p:nvPr/>
-            </p:nvSpPr>
-            <p:spPr>
-              <a:xfrm>
-                <a:off x="422642" y="4540195"/>
-                <a:ext cx="1652648" cy="942435"/>
-              </a:xfrm>
-              <a:prstGeom prst="cube">
-                <a:avLst/>
-              </a:prstGeom>
-              <a:solidFill>
-                <a:schemeClr val="lt1">
-                  <a:alpha val="0"/>
-                </a:schemeClr>
-              </a:solidFill>
-              <a:ln/>
-            </p:spPr>
-            <p:style>
-              <a:lnRef idx="2">
-                <a:schemeClr val="dk1"/>
-              </a:lnRef>
-              <a:fillRef idx="1">
-                <a:schemeClr val="lt1"/>
-              </a:fillRef>
-              <a:effectRef idx="0">
-                <a:schemeClr val="dk1"/>
-              </a:effectRef>
-              <a:fontRef idx="minor">
-                <a:schemeClr val="dk1"/>
-              </a:fontRef>
-            </p:style>
-            <p:txBody>
-              <a:bodyPr rtlCol="0" anchor="ctr"/>
-              <a:lstStyle/>
-              <a:p>
-                <a:pPr algn="ctr"/>
-                <a:r>
-                  <a:rPr lang="en-US" sz="2000" dirty="0" smtClean="0">
-                    <a:solidFill>
-                      <a:schemeClr val="bg2">
-                        <a:lumMod val="50000"/>
-                      </a:schemeClr>
-                    </a:solidFill>
-                    <a:latin typeface="Century Gothic" pitchFamily="34" charset="0"/>
-                  </a:rPr>
-                  <a:t>JSON</a:t>
-                </a:r>
-                <a:endParaRPr lang="en-US" sz="2000" dirty="0">
-                  <a:solidFill>
-                    <a:schemeClr val="bg2">
-                      <a:lumMod val="50000"/>
-                    </a:schemeClr>
-                  </a:solidFill>
-                  <a:latin typeface="Century Gothic" pitchFamily="34" charset="0"/>
-                </a:endParaRPr>
-              </a:p>
-            </p:txBody>
-          </p:sp>
-        </p:grpSp>
-        <p:cxnSp>
-          <p:nvCxnSpPr>
-            <p:cNvPr id="144" name="Straight Arrow Connector 143"/>
-            <p:cNvCxnSpPr/>
-            <p:nvPr/>
-          </p:nvCxnSpPr>
-          <p:spPr>
-            <a:xfrm flipV="1">
-              <a:off x="2028825" y="4769956"/>
-              <a:ext cx="1652732" cy="2069"/>
-            </a:xfrm>
-            <a:prstGeom prst="straightConnector1">
-              <a:avLst/>
-            </a:prstGeom>
-            <a:ln w="76200">
-              <a:solidFill>
-                <a:schemeClr val="bg2"/>
-              </a:solidFill>
-              <a:tailEnd type="triangle"/>
-            </a:ln>
-          </p:spPr>
-          <p:style>
-            <a:lnRef idx="1">
-              <a:schemeClr val="accent1"/>
-            </a:lnRef>
-            <a:fillRef idx="0">
-              <a:schemeClr val="accent1"/>
-            </a:fillRef>
-            <a:effectRef idx="0">
-              <a:schemeClr val="accent1"/>
-            </a:effectRef>
-            <a:fontRef idx="minor">
-              <a:schemeClr val="tx1"/>
-            </a:fontRef>
-          </p:style>
-        </p:cxnSp>
-        <p:cxnSp>
-          <p:nvCxnSpPr>
-            <p:cNvPr id="145" name="Straight Arrow Connector 144"/>
-            <p:cNvCxnSpPr/>
-            <p:nvPr/>
-          </p:nvCxnSpPr>
-          <p:spPr>
-            <a:xfrm flipH="1">
-              <a:off x="2134392" y="5498276"/>
-              <a:ext cx="1558836" cy="11731"/>
-            </a:xfrm>
-            <a:prstGeom prst="straightConnector1">
-              <a:avLst/>
-            </a:prstGeom>
-            <a:ln w="76200">
-              <a:solidFill>
-                <a:schemeClr val="bg2"/>
-              </a:solidFill>
-              <a:tailEnd type="triangle"/>
-            </a:ln>
-          </p:spPr>
-          <p:style>
-            <a:lnRef idx="1">
-              <a:schemeClr val="accent1"/>
-            </a:lnRef>
-            <a:fillRef idx="0">
-              <a:schemeClr val="accent1"/>
-            </a:fillRef>
-            <a:effectRef idx="0">
-              <a:schemeClr val="accent1"/>
-            </a:effectRef>
-            <a:fontRef idx="minor">
-              <a:schemeClr val="tx1"/>
-            </a:fontRef>
-          </p:style>
-        </p:cxnSp>
-        <p:sp>
-          <p:nvSpPr>
-            <p:cNvPr id="146" name="TextBox 145"/>
-            <p:cNvSpPr txBox="1"/>
-            <p:nvPr/>
-          </p:nvSpPr>
-          <p:spPr>
-            <a:xfrm>
-              <a:off x="2349662" y="5561702"/>
-              <a:ext cx="1399261" cy="480241"/>
-            </a:xfrm>
-            <a:prstGeom prst="rect">
-              <a:avLst/>
-            </a:prstGeom>
-            <a:noFill/>
-          </p:spPr>
-          <p:txBody>
-            <a:bodyPr wrap="square" rtlCol="0">
-              <a:spAutoFit/>
-            </a:bodyPr>
-            <a:lstStyle/>
-            <a:p>
-              <a:pPr algn="ctr"/>
-              <a:r>
-                <a:rPr lang="en-US" sz="2000" dirty="0" smtClean="0">
-                  <a:solidFill>
-                    <a:schemeClr val="bg2">
-                      <a:lumMod val="50000"/>
-                    </a:schemeClr>
-                  </a:solidFill>
-                  <a:latin typeface="Century Gothic" pitchFamily="34" charset="0"/>
-                </a:rPr>
-                <a:t>Notification service</a:t>
-              </a:r>
-              <a:endParaRPr lang="en-US" sz="2000" dirty="0">
-                <a:solidFill>
-                  <a:schemeClr val="bg2">
-                    <a:lumMod val="50000"/>
-                  </a:schemeClr>
-                </a:solidFill>
-                <a:latin typeface="Century Gothic" pitchFamily="34" charset="0"/>
-              </a:endParaRPr>
-            </a:p>
-          </p:txBody>
-        </p:sp>
-      </p:grpSp>
       <p:sp>
         <p:nvSpPr>
           <p:cNvPr id="151" name="Rectangle 48"/>
@@ -5025,7 +4109,7 @@
         </p:nvSpPr>
         <p:spPr>
           <a:xfrm>
-            <a:off x="16383000" y="28399026"/>
+            <a:off x="17526000" y="28399026"/>
             <a:ext cx="10058400" cy="861774"/>
           </a:xfrm>
           <a:prstGeom prst="rect">
@@ -5059,29 +4143,7 @@
                 </a:solidFill>
                 <a:latin typeface="Century Gothic" pitchFamily="34" charset="0"/>
               </a:rPr>
-              <a:t>: Architecture for the </a:t>
-            </a:r>
-            <a:r>
-              <a:rPr lang="en-US" sz="2500" dirty="0" smtClean="0">
-                <a:solidFill>
-                  <a:schemeClr val="bg2">
-                    <a:lumMod val="50000"/>
-                  </a:schemeClr>
-                </a:solidFill>
-                <a:latin typeface="Century Gothic" pitchFamily="34" charset="0"/>
-              </a:rPr>
-              <a:t>localization </a:t>
-            </a:r>
-            <a:r>
-              <a:rPr lang="en-US" sz="2500" dirty="0" smtClean="0">
-                <a:solidFill>
-                  <a:schemeClr val="bg2">
-                    <a:lumMod val="50000"/>
-                  </a:schemeClr>
-                </a:solidFill>
-                <a:latin typeface="Century Gothic" pitchFamily="34" charset="0"/>
-              </a:rPr>
-              <a:t>functionality of directed ads and coupons.</a:t>
+              <a:t>: Architecture for the localization functionality of directed ads and coupons.</a:t>
             </a:r>
             <a:endParaRPr lang="en-US" sz="2500" dirty="0">
               <a:solidFill>
@@ -5094,598 +4156,6 @@
           </a:p>
         </p:txBody>
       </p:sp>
-      <p:grpSp>
-        <p:nvGrpSpPr>
-          <p:cNvPr id="158" name="Group 157"/>
-          <p:cNvGrpSpPr/>
-          <p:nvPr/>
-        </p:nvGrpSpPr>
-        <p:grpSpPr>
-          <a:xfrm>
-            <a:off x="16459200" y="21336000"/>
-            <a:ext cx="10210800" cy="6477000"/>
-            <a:chOff x="1022633" y="1905000"/>
-            <a:chExt cx="7299380" cy="4538209"/>
-          </a:xfrm>
-        </p:grpSpPr>
-        <p:sp>
-          <p:nvSpPr>
-            <p:cNvPr id="159" name="Can 158"/>
-            <p:cNvSpPr/>
-            <p:nvPr/>
-          </p:nvSpPr>
-          <p:spPr>
-            <a:xfrm>
-              <a:off x="2095417" y="1905000"/>
-              <a:ext cx="1447800" cy="1117600"/>
-            </a:xfrm>
-            <a:prstGeom prst="can">
-              <a:avLst/>
-            </a:prstGeom>
-          </p:spPr>
-          <p:style>
-            <a:lnRef idx="2">
-              <a:schemeClr val="dk1"/>
-            </a:lnRef>
-            <a:fillRef idx="1">
-              <a:schemeClr val="lt1"/>
-            </a:fillRef>
-            <a:effectRef idx="0">
-              <a:schemeClr val="dk1"/>
-            </a:effectRef>
-            <a:fontRef idx="minor">
-              <a:schemeClr val="dk1"/>
-            </a:fontRef>
-          </p:style>
-          <p:txBody>
-            <a:bodyPr rtlCol="0" anchor="ctr"/>
-            <a:lstStyle/>
-            <a:p>
-              <a:pPr algn="ctr"/>
-              <a:r>
-                <a:rPr lang="en-US" sz="2000" dirty="0" smtClean="0">
-                  <a:solidFill>
-                    <a:schemeClr val="bg2">
-                      <a:lumMod val="50000"/>
-                    </a:schemeClr>
-                  </a:solidFill>
-                  <a:latin typeface="Century Gothic" pitchFamily="34" charset="0"/>
-                </a:rPr>
-                <a:t>Database</a:t>
-              </a:r>
-              <a:endParaRPr lang="en-US" sz="2000" dirty="0">
-                <a:solidFill>
-                  <a:schemeClr val="bg2">
-                    <a:lumMod val="50000"/>
-                  </a:schemeClr>
-                </a:solidFill>
-                <a:latin typeface="Century Gothic" pitchFamily="34" charset="0"/>
-              </a:endParaRPr>
-            </a:p>
-          </p:txBody>
-        </p:sp>
-        <p:sp>
-          <p:nvSpPr>
-            <p:cNvPr id="160" name="Cube 159"/>
-            <p:cNvSpPr/>
-            <p:nvPr/>
-          </p:nvSpPr>
-          <p:spPr>
-            <a:xfrm>
-              <a:off x="1923803" y="3708400"/>
-              <a:ext cx="1712768" cy="2247900"/>
-            </a:xfrm>
-            <a:prstGeom prst="cube">
-              <a:avLst/>
-            </a:prstGeom>
-          </p:spPr>
-          <p:style>
-            <a:lnRef idx="2">
-              <a:schemeClr val="dk1"/>
-            </a:lnRef>
-            <a:fillRef idx="1">
-              <a:schemeClr val="lt1"/>
-            </a:fillRef>
-            <a:effectRef idx="0">
-              <a:schemeClr val="dk1"/>
-            </a:effectRef>
-            <a:fontRef idx="minor">
-              <a:schemeClr val="dk1"/>
-            </a:fontRef>
-          </p:style>
-          <p:txBody>
-            <a:bodyPr rtlCol="0" anchor="ctr"/>
-            <a:lstStyle/>
-            <a:p>
-              <a:pPr algn="ctr"/>
-              <a:r>
-                <a:rPr lang="en-US" sz="2000" dirty="0" smtClean="0">
-                  <a:solidFill>
-                    <a:schemeClr val="bg2">
-                      <a:lumMod val="50000"/>
-                    </a:schemeClr>
-                  </a:solidFill>
-                  <a:latin typeface="Century Gothic" pitchFamily="34" charset="0"/>
-                </a:rPr>
-                <a:t>RESTful Web Service</a:t>
-              </a:r>
-            </a:p>
-          </p:txBody>
-        </p:sp>
-        <p:cxnSp>
-          <p:nvCxnSpPr>
-            <p:cNvPr id="161" name="Straight Arrow Connector 160"/>
-            <p:cNvCxnSpPr/>
-            <p:nvPr/>
-          </p:nvCxnSpPr>
-          <p:spPr>
-            <a:xfrm flipH="1">
-              <a:off x="3123210" y="3022600"/>
-              <a:ext cx="990" cy="789379"/>
-            </a:xfrm>
-            <a:prstGeom prst="straightConnector1">
-              <a:avLst/>
-            </a:prstGeom>
-            <a:ln w="76200">
-              <a:solidFill>
-                <a:schemeClr val="bg1">
-                  <a:lumMod val="65000"/>
-                </a:schemeClr>
-              </a:solidFill>
-              <a:tailEnd type="triangle"/>
-            </a:ln>
-          </p:spPr>
-          <p:style>
-            <a:lnRef idx="1">
-              <a:schemeClr val="accent1"/>
-            </a:lnRef>
-            <a:fillRef idx="0">
-              <a:schemeClr val="accent1"/>
-            </a:fillRef>
-            <a:effectRef idx="0">
-              <a:schemeClr val="accent1"/>
-            </a:effectRef>
-            <a:fontRef idx="minor">
-              <a:schemeClr val="tx1"/>
-            </a:fontRef>
-          </p:style>
-        </p:cxnSp>
-        <p:sp>
-          <p:nvSpPr>
-            <p:cNvPr id="162" name="TextBox 161"/>
-            <p:cNvSpPr txBox="1"/>
-            <p:nvPr/>
-          </p:nvSpPr>
-          <p:spPr>
-            <a:xfrm>
-              <a:off x="3461021" y="3156345"/>
-              <a:ext cx="1352433" cy="256228"/>
-            </a:xfrm>
-            <a:prstGeom prst="rect">
-              <a:avLst/>
-            </a:prstGeom>
-            <a:noFill/>
-          </p:spPr>
-          <p:txBody>
-            <a:bodyPr wrap="none" rtlCol="0">
-              <a:spAutoFit/>
-            </a:bodyPr>
-            <a:lstStyle/>
-            <a:p>
-              <a:r>
-                <a:rPr lang="en-US" sz="2000" dirty="0" smtClean="0">
-                  <a:solidFill>
-                    <a:schemeClr val="bg2">
-                      <a:lumMod val="50000"/>
-                    </a:schemeClr>
-                  </a:solidFill>
-                  <a:latin typeface="Century Gothic" pitchFamily="34" charset="0"/>
-                </a:rPr>
-                <a:t>SQL Response</a:t>
-              </a:r>
-              <a:endParaRPr lang="en-US" sz="2000" dirty="0">
-                <a:solidFill>
-                  <a:schemeClr val="bg2">
-                    <a:lumMod val="50000"/>
-                  </a:schemeClr>
-                </a:solidFill>
-                <a:latin typeface="Century Gothic" pitchFamily="34" charset="0"/>
-              </a:endParaRPr>
-            </a:p>
-          </p:txBody>
-        </p:sp>
-        <p:sp>
-          <p:nvSpPr>
-            <p:cNvPr id="163" name="TextBox 162"/>
-            <p:cNvSpPr txBox="1"/>
-            <p:nvPr/>
-          </p:nvSpPr>
-          <p:spPr>
-            <a:xfrm>
-              <a:off x="3800755" y="4292106"/>
-              <a:ext cx="2292392" cy="495991"/>
-            </a:xfrm>
-            <a:prstGeom prst="rect">
-              <a:avLst/>
-            </a:prstGeom>
-            <a:noFill/>
-          </p:spPr>
-          <p:txBody>
-            <a:bodyPr wrap="square" rtlCol="0">
-              <a:spAutoFit/>
-            </a:bodyPr>
-            <a:lstStyle/>
-            <a:p>
-              <a:pPr algn="ctr"/>
-              <a:r>
-                <a:rPr lang="en-US" sz="2000" dirty="0" smtClean="0">
-                  <a:solidFill>
-                    <a:schemeClr val="bg2">
-                      <a:lumMod val="50000"/>
-                    </a:schemeClr>
-                  </a:solidFill>
-                  <a:latin typeface="Century Gothic" pitchFamily="34" charset="0"/>
-                </a:rPr>
-                <a:t>Update location via HTTP connection</a:t>
-              </a:r>
-              <a:endParaRPr lang="en-US" sz="2000" dirty="0">
-                <a:solidFill>
-                  <a:schemeClr val="bg2">
-                    <a:lumMod val="50000"/>
-                  </a:schemeClr>
-                </a:solidFill>
-                <a:latin typeface="Century Gothic" pitchFamily="34" charset="0"/>
-              </a:endParaRPr>
-            </a:p>
-          </p:txBody>
-        </p:sp>
-        <p:sp>
-          <p:nvSpPr>
-            <p:cNvPr id="164" name="TextBox 163"/>
-            <p:cNvSpPr txBox="1"/>
-            <p:nvPr/>
-          </p:nvSpPr>
-          <p:spPr>
-            <a:xfrm>
-              <a:off x="3812583" y="5535567"/>
-              <a:ext cx="2221565" cy="280343"/>
-            </a:xfrm>
-            <a:prstGeom prst="rect">
-              <a:avLst/>
-            </a:prstGeom>
-            <a:noFill/>
-          </p:spPr>
-          <p:txBody>
-            <a:bodyPr wrap="square" rtlCol="0">
-              <a:spAutoFit/>
-            </a:bodyPr>
-            <a:lstStyle/>
-            <a:p>
-              <a:pPr algn="ctr"/>
-              <a:r>
-                <a:rPr lang="en-US" sz="2000" dirty="0" smtClean="0">
-                  <a:solidFill>
-                    <a:schemeClr val="bg2">
-                      <a:lumMod val="50000"/>
-                    </a:schemeClr>
-                  </a:solidFill>
-                  <a:latin typeface="Century Gothic" pitchFamily="34" charset="0"/>
-                </a:rPr>
-                <a:t>Send nearby deals</a:t>
-              </a:r>
-              <a:endParaRPr lang="en-US" sz="2000" dirty="0">
-                <a:solidFill>
-                  <a:schemeClr val="bg2">
-                    <a:lumMod val="50000"/>
-                  </a:schemeClr>
-                </a:solidFill>
-                <a:latin typeface="Century Gothic" pitchFamily="34" charset="0"/>
-              </a:endParaRPr>
-            </a:p>
-          </p:txBody>
-        </p:sp>
-        <p:cxnSp>
-          <p:nvCxnSpPr>
-            <p:cNvPr id="165" name="Straight Arrow Connector 164"/>
-            <p:cNvCxnSpPr/>
-            <p:nvPr/>
-          </p:nvCxnSpPr>
-          <p:spPr>
-            <a:xfrm>
-              <a:off x="3538847" y="5533902"/>
-              <a:ext cx="2719078" cy="9648"/>
-            </a:xfrm>
-            <a:prstGeom prst="straightConnector1">
-              <a:avLst/>
-            </a:prstGeom>
-            <a:ln w="76200">
-              <a:solidFill>
-                <a:schemeClr val="bg1">
-                  <a:lumMod val="65000"/>
-                </a:schemeClr>
-              </a:solidFill>
-              <a:tailEnd type="triangle"/>
-            </a:ln>
-          </p:spPr>
-          <p:style>
-            <a:lnRef idx="1">
-              <a:schemeClr val="accent1"/>
-            </a:lnRef>
-            <a:fillRef idx="0">
-              <a:schemeClr val="accent1"/>
-            </a:fillRef>
-            <a:effectRef idx="0">
-              <a:schemeClr val="accent1"/>
-            </a:effectRef>
-            <a:fontRef idx="minor">
-              <a:schemeClr val="tx1"/>
-            </a:fontRef>
-          </p:style>
-        </p:cxnSp>
-        <p:sp>
-          <p:nvSpPr>
-            <p:cNvPr id="166" name="TextBox 165"/>
-            <p:cNvSpPr txBox="1"/>
-            <p:nvPr/>
-          </p:nvSpPr>
-          <p:spPr>
-            <a:xfrm>
-              <a:off x="1022633" y="3152235"/>
-              <a:ext cx="1176749" cy="256228"/>
-            </a:xfrm>
-            <a:prstGeom prst="rect">
-              <a:avLst/>
-            </a:prstGeom>
-            <a:noFill/>
-          </p:spPr>
-          <p:txBody>
-            <a:bodyPr wrap="none" rtlCol="0">
-              <a:spAutoFit/>
-            </a:bodyPr>
-            <a:lstStyle/>
-            <a:p>
-              <a:r>
-                <a:rPr lang="en-US" sz="2000" dirty="0" smtClean="0">
-                  <a:solidFill>
-                    <a:schemeClr val="bg2">
-                      <a:lumMod val="50000"/>
-                    </a:schemeClr>
-                  </a:solidFill>
-                  <a:latin typeface="Century Gothic" pitchFamily="34" charset="0"/>
-                </a:rPr>
-                <a:t>SQL Queries</a:t>
-              </a:r>
-              <a:endParaRPr lang="en-US" sz="2000" dirty="0">
-                <a:solidFill>
-                  <a:schemeClr val="bg2">
-                    <a:lumMod val="50000"/>
-                  </a:schemeClr>
-                </a:solidFill>
-                <a:latin typeface="Century Gothic" pitchFamily="34" charset="0"/>
-              </a:endParaRPr>
-            </a:p>
-          </p:txBody>
-        </p:sp>
-        <p:cxnSp>
-          <p:nvCxnSpPr>
-            <p:cNvPr id="167" name="Straight Arrow Connector 166"/>
-            <p:cNvCxnSpPr/>
-            <p:nvPr/>
-          </p:nvCxnSpPr>
-          <p:spPr>
-            <a:xfrm flipH="1" flipV="1">
-              <a:off x="2553195" y="3040083"/>
-              <a:ext cx="11875" cy="760021"/>
-            </a:xfrm>
-            <a:prstGeom prst="straightConnector1">
-              <a:avLst/>
-            </a:prstGeom>
-            <a:ln w="76200">
-              <a:solidFill>
-                <a:schemeClr val="bg1">
-                  <a:lumMod val="65000"/>
-                </a:schemeClr>
-              </a:solidFill>
-              <a:tailEnd type="triangle"/>
-            </a:ln>
-          </p:spPr>
-          <p:style>
-            <a:lnRef idx="1">
-              <a:schemeClr val="accent1"/>
-            </a:lnRef>
-            <a:fillRef idx="0">
-              <a:schemeClr val="accent1"/>
-            </a:fillRef>
-            <a:effectRef idx="0">
-              <a:schemeClr val="accent1"/>
-            </a:effectRef>
-            <a:fontRef idx="minor">
-              <a:schemeClr val="tx1"/>
-            </a:fontRef>
-          </p:style>
-        </p:cxnSp>
-        <p:grpSp>
-          <p:nvGrpSpPr>
-            <p:cNvPr id="168" name="Group 167"/>
-            <p:cNvGrpSpPr/>
-            <p:nvPr/>
-          </p:nvGrpSpPr>
-          <p:grpSpPr>
-            <a:xfrm>
-              <a:off x="6272106" y="3836127"/>
-              <a:ext cx="2049907" cy="2607082"/>
-              <a:chOff x="357082" y="4203212"/>
-              <a:chExt cx="2049907" cy="2607082"/>
-            </a:xfrm>
-          </p:grpSpPr>
-          <p:sp>
-            <p:nvSpPr>
-              <p:cNvPr id="171" name="Cube 170"/>
-              <p:cNvSpPr/>
-              <p:nvPr/>
-            </p:nvSpPr>
-            <p:spPr>
-              <a:xfrm>
-                <a:off x="357082" y="4203212"/>
-                <a:ext cx="2049907" cy="2607082"/>
-              </a:xfrm>
-              <a:prstGeom prst="cube">
-                <a:avLst/>
-              </a:prstGeom>
-            </p:spPr>
-            <p:style>
-              <a:lnRef idx="2">
-                <a:schemeClr val="dk1"/>
-              </a:lnRef>
-              <a:fillRef idx="1">
-                <a:schemeClr val="lt1"/>
-              </a:fillRef>
-              <a:effectRef idx="0">
-                <a:schemeClr val="dk1"/>
-              </a:effectRef>
-              <a:fontRef idx="minor">
-                <a:schemeClr val="dk1"/>
-              </a:fontRef>
-            </p:style>
-            <p:txBody>
-              <a:bodyPr rtlCol="0" anchor="ctr"/>
-              <a:lstStyle/>
-              <a:p>
-                <a:pPr algn="ctr"/>
-                <a:endParaRPr lang="en-US" sz="2000" dirty="0" smtClean="0">
-                  <a:solidFill>
-                    <a:schemeClr val="bg2">
-                      <a:lumMod val="50000"/>
-                    </a:schemeClr>
-                  </a:solidFill>
-                  <a:latin typeface="Century Gothic" pitchFamily="34" charset="0"/>
-                </a:endParaRPr>
-              </a:p>
-              <a:p>
-                <a:pPr algn="ctr"/>
-                <a:r>
-                  <a:rPr lang="en-US" sz="2000" dirty="0" smtClean="0">
-                    <a:solidFill>
-                      <a:schemeClr val="bg2">
-                        <a:lumMod val="50000"/>
-                      </a:schemeClr>
-                    </a:solidFill>
-                    <a:latin typeface="Century Gothic" pitchFamily="34" charset="0"/>
-                  </a:rPr>
-                  <a:t>Customer App</a:t>
-                </a:r>
-                <a:endParaRPr lang="en-US" sz="2000" dirty="0">
-                  <a:solidFill>
-                    <a:schemeClr val="bg2">
-                      <a:lumMod val="50000"/>
-                    </a:schemeClr>
-                  </a:solidFill>
-                  <a:latin typeface="Century Gothic" pitchFamily="34" charset="0"/>
-                </a:endParaRPr>
-              </a:p>
-            </p:txBody>
-          </p:sp>
-          <p:sp>
-            <p:nvSpPr>
-              <p:cNvPr id="170" name="Cube 169"/>
-              <p:cNvSpPr/>
-              <p:nvPr/>
-            </p:nvSpPr>
-            <p:spPr>
-              <a:xfrm>
-                <a:off x="422642" y="4540195"/>
-                <a:ext cx="1652648" cy="942435"/>
-              </a:xfrm>
-              <a:prstGeom prst="cube">
-                <a:avLst/>
-              </a:prstGeom>
-              <a:solidFill>
-                <a:schemeClr val="lt1">
-                  <a:alpha val="0"/>
-                </a:schemeClr>
-              </a:solidFill>
-            </p:spPr>
-            <p:style>
-              <a:lnRef idx="2">
-                <a:schemeClr val="dk1"/>
-              </a:lnRef>
-              <a:fillRef idx="1">
-                <a:schemeClr val="lt1"/>
-              </a:fillRef>
-              <a:effectRef idx="0">
-                <a:schemeClr val="dk1"/>
-              </a:effectRef>
-              <a:fontRef idx="minor">
-                <a:schemeClr val="dk1"/>
-              </a:fontRef>
-            </p:style>
-            <p:txBody>
-              <a:bodyPr rtlCol="0" anchor="ctr"/>
-              <a:lstStyle/>
-              <a:p>
-                <a:pPr algn="ctr"/>
-                <a:r>
-                  <a:rPr lang="en-US" sz="2000" dirty="0" smtClean="0">
-                    <a:solidFill>
-                      <a:schemeClr val="bg2">
-                        <a:lumMod val="50000"/>
-                      </a:schemeClr>
-                    </a:solidFill>
-                    <a:latin typeface="Century Gothic" pitchFamily="34" charset="0"/>
-                  </a:rPr>
-                  <a:t>JSON</a:t>
-                </a:r>
-                <a:endParaRPr lang="en-US" sz="2000" dirty="0">
-                  <a:solidFill>
-                    <a:schemeClr val="bg2">
-                      <a:lumMod val="50000"/>
-                    </a:schemeClr>
-                  </a:solidFill>
-                  <a:latin typeface="Century Gothic" pitchFamily="34" charset="0"/>
-                </a:endParaRPr>
-              </a:p>
-            </p:txBody>
-          </p:sp>
-        </p:grpSp>
-        <p:cxnSp>
-          <p:nvCxnSpPr>
-            <p:cNvPr id="169" name="Straight Arrow Connector 168"/>
-            <p:cNvCxnSpPr/>
-            <p:nvPr/>
-          </p:nvCxnSpPr>
-          <p:spPr>
-            <a:xfrm flipH="1">
-              <a:off x="3409950" y="4857750"/>
-              <a:ext cx="2924175" cy="0"/>
-            </a:xfrm>
-            <a:prstGeom prst="straightConnector1">
-              <a:avLst/>
-            </a:prstGeom>
-            <a:ln w="76200">
-              <a:solidFill>
-                <a:schemeClr val="bg1">
-                  <a:lumMod val="65000"/>
-                </a:schemeClr>
-              </a:solidFill>
-              <a:tailEnd type="triangle"/>
-            </a:ln>
-          </p:spPr>
-          <p:style>
-            <a:lnRef idx="1">
-              <a:schemeClr val="accent1"/>
-            </a:lnRef>
-            <a:fillRef idx="0">
-              <a:schemeClr val="accent1"/>
-            </a:fillRef>
-            <a:effectRef idx="0">
-              <a:schemeClr val="accent1"/>
-            </a:effectRef>
-            <a:fontRef idx="minor">
-              <a:schemeClr val="tx1"/>
-            </a:fontRef>
-          </p:style>
-        </p:cxnSp>
-      </p:grpSp>
       <p:sp>
         <p:nvSpPr>
           <p:cNvPr id="173" name="Rectangle 172"/>
@@ -5694,8 +4164,8 @@
         </p:nvSpPr>
         <p:spPr>
           <a:xfrm>
-            <a:off x="2362200" y="28399026"/>
-            <a:ext cx="10058400" cy="861774"/>
+            <a:off x="1981200" y="28399026"/>
+            <a:ext cx="10668000" cy="861774"/>
           </a:xfrm>
           <a:prstGeom prst="rect">
             <a:avLst/>
@@ -5728,29 +4198,7 @@
                 </a:solidFill>
                 <a:latin typeface="Century Gothic" pitchFamily="34" charset="0"/>
               </a:rPr>
-              <a:t>: Architecture for the </a:t>
-            </a:r>
-            <a:r>
-              <a:rPr lang="en-US" sz="2500" dirty="0" smtClean="0">
-                <a:solidFill>
-                  <a:schemeClr val="bg2">
-                    <a:lumMod val="50000"/>
-                  </a:schemeClr>
-                </a:solidFill>
-                <a:latin typeface="Century Gothic" pitchFamily="34" charset="0"/>
-              </a:rPr>
-              <a:t>localization </a:t>
-            </a:r>
-            <a:r>
-              <a:rPr lang="en-US" sz="2500" dirty="0" smtClean="0">
-                <a:solidFill>
-                  <a:schemeClr val="bg2">
-                    <a:lumMod val="50000"/>
-                  </a:schemeClr>
-                </a:solidFill>
-                <a:latin typeface="Century Gothic" pitchFamily="34" charset="0"/>
-              </a:rPr>
-              <a:t>functionality between customer and merchant.</a:t>
+              <a:t>: Architecture for the localization functionality between customer and merchant.</a:t>
             </a:r>
             <a:endParaRPr lang="en-US" sz="2500" dirty="0">
               <a:solidFill>
@@ -5874,7 +4322,7 @@
         </p:nvSpPr>
         <p:spPr bwMode="auto">
           <a:xfrm>
-            <a:off x="30957837" y="18821400"/>
+            <a:off x="30957837" y="18288000"/>
             <a:ext cx="10113963" cy="779462"/>
           </a:xfrm>
           <a:prstGeom prst="rect">
@@ -5920,14 +4368,14 @@
           <p:nvPr>
             <p:extLst>
               <p:ext uri="{D42A27DB-BD31-4B8C-83A1-F6EECF244321}">
-                <p14:modId xmlns:p14="http://schemas.microsoft.com/office/powerpoint/2010/main" val="1200316887"/>
+                <p14:modId xmlns:p14="http://schemas.microsoft.com/office/powerpoint/2010/main" val="4053044240"/>
               </p:ext>
             </p:extLst>
           </p:nvPr>
         </p:nvGraphicFramePr>
         <p:xfrm>
-          <a:off x="31428558" y="21432951"/>
-          <a:ext cx="11430000" cy="3779520"/>
+          <a:off x="31546800" y="20802600"/>
+          <a:ext cx="11311758" cy="4236720"/>
         </p:xfrm>
         <a:graphic>
           <a:graphicData uri="http://schemas.openxmlformats.org/drawingml/2006/table">
@@ -5936,13 +4384,13 @@
                 <a:tableStyleId>{9D7B26C5-4107-4FEC-AEDC-1716B250A1EF}</a:tableStyleId>
               </a:tblPr>
               <a:tblGrid>
-                <a:gridCol w="2743200"/>
-                <a:gridCol w="2171700"/>
-                <a:gridCol w="2171700"/>
-                <a:gridCol w="2171700"/>
-                <a:gridCol w="2171700"/>
+                <a:gridCol w="2714822"/>
+                <a:gridCol w="2149234"/>
+                <a:gridCol w="2149234"/>
+                <a:gridCol w="2149234"/>
+                <a:gridCol w="2149234"/>
               </a:tblGrid>
-              <a:tr h="452120">
+              <a:tr h="529590">
                 <a:tc rowSpan="2">
                   <a:txBody>
                     <a:bodyPr/>
@@ -6035,7 +4483,7 @@
                         <a:rPr lang="en-US" sz="2500" b="1" dirty="0" smtClean="0">
                           <a:latin typeface="Century Gothic" pitchFamily="34" charset="0"/>
                         </a:rPr>
-                        <a:t>Android</a:t>
+                        <a:t>Android (KB)</a:t>
                       </a:r>
                       <a:endParaRPr lang="en-US" sz="2500" b="1" dirty="0">
                         <a:solidFill>
@@ -6163,7 +4611,7 @@
                         <a:rPr lang="en-US" sz="2500" b="1" dirty="0" smtClean="0">
                           <a:latin typeface="Century Gothic" pitchFamily="34" charset="0"/>
                         </a:rPr>
-                        <a:t>iPhone</a:t>
+                        <a:t>iPhone (KB)</a:t>
                       </a:r>
                       <a:endParaRPr lang="en-US" sz="2500" b="1" dirty="0">
                         <a:solidFill>
@@ -6282,7 +4730,7 @@
                   </a:tcPr>
                 </a:tc>
               </a:tr>
-              <a:tr h="452120">
+              <a:tr h="529590">
                 <a:tc vMerge="1">
                   <a:txBody>
                     <a:bodyPr/>
@@ -6631,7 +5079,7 @@
                   </a:tcPr>
                 </a:tc>
               </a:tr>
-              <a:tr h="452120">
+              <a:tr h="529590">
                 <a:tc>
                   <a:txBody>
                     <a:bodyPr/>
@@ -6715,7 +5163,7 @@
                         <a:rPr lang="en-US" sz="2500" dirty="0" smtClean="0">
                           <a:latin typeface="Century Gothic" pitchFamily="34" charset="0"/>
                         </a:rPr>
-                        <a:t>2322</a:t>
+                        <a:t>2.322</a:t>
                       </a:r>
                       <a:endParaRPr lang="en-US" sz="2500" dirty="0">
                         <a:solidFill>
@@ -6788,7 +5236,7 @@
                         <a:rPr lang="en-US" sz="2500" dirty="0" smtClean="0">
                           <a:latin typeface="Century Gothic" pitchFamily="34" charset="0"/>
                         </a:rPr>
-                        <a:t>3100</a:t>
+                        <a:t>3.100</a:t>
                       </a:r>
                       <a:endParaRPr lang="en-US" sz="2500" dirty="0">
                         <a:solidFill>
@@ -6861,7 +5309,7 @@
                         <a:rPr lang="en-US" sz="2500" dirty="0" smtClean="0">
                           <a:latin typeface="Century Gothic" pitchFamily="34" charset="0"/>
                         </a:rPr>
-                        <a:t>433</a:t>
+                        <a:t>0.433</a:t>
                       </a:r>
                       <a:endParaRPr lang="en-US" sz="2500" dirty="0">
                         <a:solidFill>
@@ -6934,7 +5382,7 @@
                         <a:rPr lang="en-US" sz="2500" dirty="0" smtClean="0">
                           <a:latin typeface="Century Gothic" pitchFamily="34" charset="0"/>
                         </a:rPr>
-                        <a:t>592</a:t>
+                        <a:t>0.592</a:t>
                       </a:r>
                       <a:endParaRPr lang="en-US" sz="2500" dirty="0">
                         <a:solidFill>
@@ -6998,7 +5446,7 @@
                   </a:tcPr>
                 </a:tc>
               </a:tr>
-              <a:tr h="452120">
+              <a:tr h="529590">
                 <a:tc>
                   <a:txBody>
                     <a:bodyPr/>
@@ -7082,7 +5530,7 @@
                         <a:rPr lang="en-US" sz="2500" dirty="0" smtClean="0">
                           <a:latin typeface="Century Gothic" pitchFamily="34" charset="0"/>
                         </a:rPr>
-                        <a:t>1942</a:t>
+                        <a:t>1.942</a:t>
                       </a:r>
                       <a:endParaRPr lang="en-US" sz="2500" dirty="0">
                         <a:solidFill>
@@ -7155,7 +5603,7 @@
                         <a:rPr lang="en-US" sz="2500" dirty="0" smtClean="0">
                           <a:latin typeface="Century Gothic" pitchFamily="34" charset="0"/>
                         </a:rPr>
-                        <a:t>1912</a:t>
+                        <a:t>1.912</a:t>
                       </a:r>
                       <a:endParaRPr lang="en-US" sz="2500" dirty="0">
                         <a:solidFill>
@@ -7228,7 +5676,7 @@
                         <a:rPr lang="en-US" sz="2500" dirty="0" smtClean="0">
                           <a:latin typeface="Century Gothic" pitchFamily="34" charset="0"/>
                         </a:rPr>
-                        <a:t>1804</a:t>
+                        <a:t>1.804</a:t>
                       </a:r>
                       <a:endParaRPr lang="en-US" sz="2500" dirty="0">
                         <a:solidFill>
@@ -7301,7 +5749,7 @@
                         <a:rPr lang="en-US" sz="2500" dirty="0" smtClean="0">
                           <a:latin typeface="Century Gothic" pitchFamily="34" charset="0"/>
                         </a:rPr>
-                        <a:t>1703</a:t>
+                        <a:t>1.703</a:t>
                       </a:r>
                       <a:endParaRPr lang="en-US" sz="2500" dirty="0">
                         <a:solidFill>
@@ -7365,7 +5813,7 @@
                   </a:tcPr>
                 </a:tc>
               </a:tr>
-              <a:tr h="452120">
+              <a:tr h="529590">
                 <a:tc>
                   <a:txBody>
                     <a:bodyPr/>
@@ -7449,7 +5897,7 @@
                         <a:rPr lang="en-US" sz="2500" dirty="0" smtClean="0">
                           <a:latin typeface="Century Gothic" pitchFamily="34" charset="0"/>
                         </a:rPr>
-                        <a:t>3328</a:t>
+                        <a:t>3.328</a:t>
                       </a:r>
                       <a:endParaRPr lang="en-US" sz="2500" dirty="0">
                         <a:solidFill>
@@ -7522,7 +5970,7 @@
                         <a:rPr lang="en-US" sz="2500" dirty="0" smtClean="0">
                           <a:latin typeface="Century Gothic" pitchFamily="34" charset="0"/>
                         </a:rPr>
-                        <a:t>1002</a:t>
+                        <a:t>1.002</a:t>
                       </a:r>
                       <a:endParaRPr lang="en-US" sz="2500" dirty="0">
                         <a:solidFill>
@@ -7595,7 +6043,7 @@
                         <a:rPr lang="en-US" sz="2500" dirty="0" smtClean="0">
                           <a:latin typeface="Century Gothic" pitchFamily="34" charset="0"/>
                         </a:rPr>
-                        <a:t>1692</a:t>
+                        <a:t>1.692</a:t>
                       </a:r>
                       <a:endParaRPr lang="en-US" sz="2500" dirty="0">
                         <a:solidFill>
@@ -7668,7 +6116,7 @@
                         <a:rPr lang="en-US" sz="2500" dirty="0" smtClean="0">
                           <a:latin typeface="Century Gothic" pitchFamily="34" charset="0"/>
                         </a:rPr>
-                        <a:t>571</a:t>
+                        <a:t>0.571</a:t>
                       </a:r>
                       <a:endParaRPr lang="en-US" sz="2500" dirty="0">
                         <a:solidFill>
@@ -7732,7 +6180,7 @@
                   </a:tcPr>
                 </a:tc>
               </a:tr>
-              <a:tr h="452120">
+              <a:tr h="529590">
                 <a:tc>
                   <a:txBody>
                     <a:bodyPr/>
@@ -7816,7 +6264,7 @@
                         <a:rPr lang="en-US" sz="2500" dirty="0" smtClean="0">
                           <a:latin typeface="Century Gothic" pitchFamily="34" charset="0"/>
                         </a:rPr>
-                        <a:t>942</a:t>
+                        <a:t>0.942</a:t>
                       </a:r>
                       <a:endParaRPr lang="en-US" sz="2500" dirty="0">
                         <a:solidFill>
@@ -7889,7 +6337,7 @@
                         <a:rPr lang="en-US" sz="2500" dirty="0" smtClean="0">
                           <a:latin typeface="Century Gothic" pitchFamily="34" charset="0"/>
                         </a:rPr>
-                        <a:t>1740</a:t>
+                        <a:t>1.740</a:t>
                       </a:r>
                       <a:endParaRPr lang="en-US" sz="2500" dirty="0">
                         <a:solidFill>
@@ -7962,7 +6410,7 @@
                         <a:rPr lang="en-US" sz="2500" dirty="0" smtClean="0">
                           <a:latin typeface="Century Gothic" pitchFamily="34" charset="0"/>
                         </a:rPr>
-                        <a:t>298</a:t>
+                        <a:t>0.298</a:t>
                       </a:r>
                       <a:endParaRPr lang="en-US" sz="2500" dirty="0">
                         <a:solidFill>
@@ -8035,7 +6483,7 @@
                         <a:rPr lang="en-US" sz="2500" dirty="0" smtClean="0">
                           <a:latin typeface="Century Gothic" pitchFamily="34" charset="0"/>
                         </a:rPr>
-                        <a:t>283</a:t>
+                        <a:t>0.283</a:t>
                       </a:r>
                       <a:endParaRPr lang="en-US" sz="2500" dirty="0">
                         <a:solidFill>
@@ -8099,7 +6547,7 @@
                   </a:tcPr>
                 </a:tc>
               </a:tr>
-              <a:tr h="452120">
+              <a:tr h="529590">
                 <a:tc>
                   <a:txBody>
                     <a:bodyPr/>
@@ -8183,7 +6631,7 @@
                         <a:rPr lang="en-US" sz="2500" dirty="0" smtClean="0">
                           <a:latin typeface="Century Gothic" pitchFamily="34" charset="0"/>
                         </a:rPr>
-                        <a:t>2070</a:t>
+                        <a:t>2.070</a:t>
                       </a:r>
                       <a:endParaRPr lang="en-US" sz="2500" dirty="0">
                         <a:solidFill>
@@ -8256,7 +6704,7 @@
                         <a:rPr lang="en-US" sz="2500" dirty="0" smtClean="0">
                           <a:latin typeface="Century Gothic" pitchFamily="34" charset="0"/>
                         </a:rPr>
-                        <a:t>872</a:t>
+                        <a:t>0.872</a:t>
                       </a:r>
                       <a:endParaRPr lang="en-US" sz="2500" dirty="0">
                         <a:solidFill>
@@ -8329,7 +6777,7 @@
                         <a:rPr lang="en-US" sz="2500" dirty="0" smtClean="0">
                           <a:latin typeface="Century Gothic" pitchFamily="34" charset="0"/>
                         </a:rPr>
-                        <a:t>4226</a:t>
+                        <a:t>4.226</a:t>
                       </a:r>
                       <a:endParaRPr lang="en-US" sz="2500" dirty="0">
                         <a:solidFill>
@@ -8402,7 +6850,7 @@
                         <a:rPr lang="en-US" sz="2500" dirty="0" smtClean="0">
                           <a:latin typeface="Century Gothic" pitchFamily="34" charset="0"/>
                         </a:rPr>
-                        <a:t>570</a:t>
+                        <a:t>0.570</a:t>
                       </a:r>
                       <a:endParaRPr lang="en-US" sz="2500" dirty="0">
                         <a:solidFill>
@@ -8466,7 +6914,7 @@
                   </a:tcPr>
                 </a:tc>
               </a:tr>
-              <a:tr h="452120">
+              <a:tr h="529590">
                 <a:tc>
                   <a:txBody>
                     <a:bodyPr/>
@@ -8556,7 +7004,7 @@
                         <a:rPr lang="en-US" sz="2500" dirty="0" smtClean="0">
                           <a:latin typeface="Century Gothic" pitchFamily="34" charset="0"/>
                         </a:rPr>
-                        <a:t>0</a:t>
+                        <a:t>0.000</a:t>
                       </a:r>
                       <a:endParaRPr lang="en-US" sz="2500" dirty="0">
                         <a:solidFill>
@@ -8629,7 +7077,7 @@
                         <a:rPr lang="en-US" sz="2500" dirty="0" smtClean="0">
                           <a:latin typeface="Century Gothic" pitchFamily="34" charset="0"/>
                         </a:rPr>
-                        <a:t>0</a:t>
+                        <a:t>0.000</a:t>
                       </a:r>
                       <a:endParaRPr lang="en-US" sz="2500" dirty="0">
                         <a:solidFill>
@@ -8702,7 +7150,7 @@
                         <a:rPr lang="en-US" sz="2500" dirty="0" smtClean="0">
                           <a:latin typeface="Century Gothic" pitchFamily="34" charset="0"/>
                         </a:rPr>
-                        <a:t>0</a:t>
+                        <a:t>0.000</a:t>
                       </a:r>
                       <a:endParaRPr lang="en-US" sz="2500" dirty="0">
                         <a:solidFill>
@@ -8775,7 +7223,7 @@
                         <a:rPr lang="en-US" sz="2500" dirty="0" smtClean="0">
                           <a:latin typeface="Century Gothic" pitchFamily="34" charset="0"/>
                         </a:rPr>
-                        <a:t>0</a:t>
+                        <a:t>0.000</a:t>
                       </a:r>
                       <a:endParaRPr lang="en-US" sz="2500" dirty="0">
                         <a:solidFill>
@@ -9204,7 +7652,7 @@
                 </a:solidFill>
                 <a:latin typeface="Century Gothic" pitchFamily="34" charset="0"/>
               </a:rPr>
-              <a:t>The backend software is being unit-tested for correct functionality.  As functions were developed for the app, they were manually tested.  </a:t>
+              <a:t>The backend software was unit-tested for correct functionality.  As individual functions were developed for the app, they were also manually tested.  </a:t>
             </a:r>
           </a:p>
         </p:txBody>
@@ -9217,7 +7665,7 @@
         </p:nvSpPr>
         <p:spPr>
           <a:xfrm>
-            <a:off x="31318200" y="20000893"/>
+            <a:off x="31394400" y="19659600"/>
             <a:ext cx="11658600" cy="954107"/>
           </a:xfrm>
           <a:prstGeom prst="rect">
@@ -9255,29 +7703,7 @@
                 </a:solidFill>
                 <a:latin typeface="Century Gothic" pitchFamily="34" charset="0"/>
               </a:rPr>
-              <a:t>Data </a:t>
-            </a:r>
-            <a:r>
-              <a:rPr lang="en-US" dirty="0" smtClean="0">
-                <a:solidFill>
-                  <a:schemeClr val="bg2">
-                    <a:lumMod val="50000"/>
-                  </a:schemeClr>
-                </a:solidFill>
-                <a:latin typeface="Century Gothic" pitchFamily="34" charset="0"/>
-              </a:rPr>
-              <a:t>transfer, in bytes, between the apps and the server. Data </a:t>
-            </a:r>
-            <a:r>
-              <a:rPr lang="en-US" dirty="0" smtClean="0">
-                <a:solidFill>
-                  <a:schemeClr val="bg2">
-                    <a:lumMod val="50000"/>
-                  </a:schemeClr>
-                </a:solidFill>
-                <a:latin typeface="Century Gothic" pitchFamily="34" charset="0"/>
-              </a:rPr>
-              <a:t>transferred depends on the length of the specific record.</a:t>
+              <a:t>Data transfer, in bytes, between the apps and the server. Data transferred depends on the length of the specific record.</a:t>
             </a:r>
             <a:endParaRPr lang="en-US" b="1" dirty="0" smtClean="0">
               <a:solidFill>
@@ -9379,6 +7805,134 @@
           <a:xfrm>
             <a:off x="22783800" y="5943600"/>
             <a:ext cx="5956269" cy="11431588"/>
+          </a:xfrm>
+          <a:prstGeom prst="rect">
+            <a:avLst/>
+          </a:prstGeom>
+          <a:noFill/>
+          <a:ln>
+            <a:noFill/>
+          </a:ln>
+          <a:effectLst/>
+          <a:extLst>
+            <a:ext uri="{909E8E84-426E-40DD-AFC4-6F175D3DCCD1}">
+              <a14:hiddenFill xmlns:a14="http://schemas.microsoft.com/office/drawing/2010/main">
+                <a:solidFill>
+                  <a:schemeClr val="accent1"/>
+                </a:solidFill>
+              </a14:hiddenFill>
+            </a:ext>
+            <a:ext uri="{91240B29-F687-4F45-9708-019B960494DF}">
+              <a14:hiddenLine xmlns:a14="http://schemas.microsoft.com/office/drawing/2010/main" w="9525">
+                <a:solidFill>
+                  <a:schemeClr val="tx1"/>
+                </a:solidFill>
+                <a:miter lim="800000"/>
+                <a:headEnd/>
+                <a:tailEnd/>
+              </a14:hiddenLine>
+            </a:ext>
+            <a:ext uri="{AF507438-7753-43E0-B8FC-AC1667EBCBE1}">
+              <a14:hiddenEffects xmlns:a14="http://schemas.microsoft.com/office/drawing/2010/main">
+                <a:effectLst>
+                  <a:outerShdw dist="35921" dir="2700000" algn="ctr" rotWithShape="0">
+                    <a:schemeClr val="bg2"/>
+                  </a:outerShdw>
+                </a:effectLst>
+              </a14:hiddenEffects>
+            </a:ext>
+          </a:extLst>
+        </p:spPr>
+      </p:pic>
+      <p:pic>
+        <p:nvPicPr>
+          <p:cNvPr id="1026" name="Picture 2"/>
+          <p:cNvPicPr>
+            <a:picLocks noChangeAspect="1" noChangeArrowheads="1"/>
+          </p:cNvPicPr>
+          <p:nvPr/>
+        </p:nvPicPr>
+        <p:blipFill>
+          <a:blip r:embed="rId7">
+            <a:extLst>
+              <a:ext uri="{28A0092B-C50C-407E-A947-70E740481C1C}">
+                <a14:useLocalDpi xmlns:a14="http://schemas.microsoft.com/office/drawing/2010/main" val="0"/>
+              </a:ext>
+            </a:extLst>
+          </a:blip>
+          <a:srcRect/>
+          <a:stretch>
+            <a:fillRect/>
+          </a:stretch>
+        </p:blipFill>
+        <p:spPr bwMode="auto">
+          <a:xfrm>
+            <a:off x="1489075" y="21688425"/>
+            <a:ext cx="11998325" cy="6200775"/>
+          </a:xfrm>
+          <a:prstGeom prst="rect">
+            <a:avLst/>
+          </a:prstGeom>
+          <a:noFill/>
+          <a:ln>
+            <a:noFill/>
+          </a:ln>
+          <a:effectLst/>
+          <a:extLst>
+            <a:ext uri="{909E8E84-426E-40DD-AFC4-6F175D3DCCD1}">
+              <a14:hiddenFill xmlns:a14="http://schemas.microsoft.com/office/drawing/2010/main">
+                <a:solidFill>
+                  <a:schemeClr val="accent1"/>
+                </a:solidFill>
+              </a14:hiddenFill>
+            </a:ext>
+            <a:ext uri="{91240B29-F687-4F45-9708-019B960494DF}">
+              <a14:hiddenLine xmlns:a14="http://schemas.microsoft.com/office/drawing/2010/main" w="9525">
+                <a:solidFill>
+                  <a:schemeClr val="tx1"/>
+                </a:solidFill>
+                <a:miter lim="800000"/>
+                <a:headEnd/>
+                <a:tailEnd/>
+              </a14:hiddenLine>
+            </a:ext>
+            <a:ext uri="{AF507438-7753-43E0-B8FC-AC1667EBCBE1}">
+              <a14:hiddenEffects xmlns:a14="http://schemas.microsoft.com/office/drawing/2010/main">
+                <a:effectLst>
+                  <a:outerShdw dist="35921" dir="2700000" algn="ctr" rotWithShape="0">
+                    <a:schemeClr val="bg2"/>
+                  </a:outerShdw>
+                </a:effectLst>
+              </a14:hiddenEffects>
+            </a:ext>
+          </a:extLst>
+        </p:spPr>
+      </p:pic>
+      <p:pic>
+        <p:nvPicPr>
+          <p:cNvPr id="1027" name="Picture 3"/>
+          <p:cNvPicPr>
+            <a:picLocks noChangeAspect="1" noChangeArrowheads="1"/>
+          </p:cNvPicPr>
+          <p:nvPr/>
+        </p:nvPicPr>
+        <p:blipFill>
+          <a:blip r:embed="rId8">
+            <a:extLst>
+              <a:ext uri="{28A0092B-C50C-407E-A947-70E740481C1C}">
+                <a14:useLocalDpi xmlns:a14="http://schemas.microsoft.com/office/drawing/2010/main" val="0"/>
+              </a:ext>
+            </a:extLst>
+          </a:blip>
+          <a:srcRect/>
+          <a:stretch>
+            <a:fillRect/>
+          </a:stretch>
+        </p:blipFill>
+        <p:spPr bwMode="auto">
+          <a:xfrm>
+            <a:off x="16687800" y="21615400"/>
+            <a:ext cx="10285413" cy="6273800"/>
           </a:xfrm>
           <a:prstGeom prst="rect">
             <a:avLst/>
